--- a/Documentação/Apresentação.pptx
+++ b/Documentação/Apresentação.pptx
@@ -34198,17 +34198,19 @@
       </p:pic>
       <p:pic>
         <p:nvPicPr>
-          <p:cNvPr id="7" name="Imagem 6">
+          <p:cNvPr id="4" name="Imagem 3" descr="Tela de celular com texto preto sobre fundo branco&#10;&#10;Descrição gerada automaticamente">
             <a:extLst>
               <a:ext uri="{FF2B5EF4-FFF2-40B4-BE49-F238E27FC236}">
-                <a16:creationId xmlns:a16="http://schemas.microsoft.com/office/drawing/2014/main" id="{69992CA9-AC16-497C-9B8D-6FE2C051F052}"/>
+                <a16:creationId xmlns:a16="http://schemas.microsoft.com/office/drawing/2014/main" id="{373F7ACE-A70A-4E69-A4F3-CBFC6E0F8F8F}"/>
               </a:ext>
             </a:extLst>
           </p:cNvPr>
-          <p:cNvPicPr/>
+          <p:cNvPicPr>
+            <a:picLocks noChangeAspect="1"/>
+          </p:cNvPicPr>
           <p:nvPr/>
         </p:nvPicPr>
-        <p:blipFill rotWithShape="1">
+        <p:blipFill>
           <a:blip r:embed="rId3">
             <a:extLst>
               <a:ext uri="{28A0092B-C50C-407E-A947-70E740481C1C}">
@@ -34216,13 +34218,14 @@
               </a:ext>
             </a:extLst>
           </a:blip>
-          <a:srcRect t="5619" b="1540"/>
-          <a:stretch/>
+          <a:stretch>
+            <a:fillRect/>
+          </a:stretch>
         </p:blipFill>
         <p:spPr>
           <a:xfrm>
-            <a:off x="2824493" y="2236162"/>
-            <a:ext cx="6543014" cy="4244786"/>
+            <a:off x="3019425" y="2275694"/>
+            <a:ext cx="6153150" cy="4582306"/>
           </a:xfrm>
           <a:prstGeom prst="rect">
             <a:avLst/>

--- a/Documentação/Apresentação.pptx
+++ b/Documentação/Apresentação.pptx
@@ -5,7 +5,7 @@
     <p:sldMasterId id="2147483648" r:id="rId1"/>
   </p:sldMasterIdLst>
   <p:notesMasterIdLst>
-    <p:notesMasterId r:id="rId23"/>
+    <p:notesMasterId r:id="rId25"/>
   </p:notesMasterIdLst>
   <p:sldIdLst>
     <p:sldId id="258" r:id="rId2"/>
@@ -24,11 +24,13 @@
     <p:sldId id="305" r:id="rId15"/>
     <p:sldId id="286" r:id="rId16"/>
     <p:sldId id="307" r:id="rId17"/>
-    <p:sldId id="290" r:id="rId18"/>
-    <p:sldId id="275" r:id="rId19"/>
-    <p:sldId id="306" r:id="rId20"/>
-    <p:sldId id="288" r:id="rId21"/>
-    <p:sldId id="296" r:id="rId22"/>
+    <p:sldId id="310" r:id="rId18"/>
+    <p:sldId id="311" r:id="rId19"/>
+    <p:sldId id="290" r:id="rId20"/>
+    <p:sldId id="275" r:id="rId21"/>
+    <p:sldId id="306" r:id="rId22"/>
+    <p:sldId id="288" r:id="rId23"/>
+    <p:sldId id="296" r:id="rId24"/>
   </p:sldIdLst>
   <p:sldSz cx="12192000" cy="6858000"/>
   <p:notesSz cx="6858000" cy="9144000"/>
@@ -29346,7 +29348,7 @@
           <a:p>
             <a:fld id="{9B0668C0-2704-4EB4-9C25-B8C9552B8CBB}" type="datetimeFigureOut">
               <a:rPr lang="pt-BR" smtClean="0"/>
-              <a:t>09/11/2019</a:t>
+              <a:t>13/11/2019</a:t>
             </a:fld>
             <a:endParaRPr lang="pt-BR"/>
           </a:p>
@@ -29846,7 +29848,7 @@
           <a:p>
             <a:fld id="{5CF7CA47-18C6-4698-AAB6-6FBB128E5F85}" type="slidenum">
               <a:rPr lang="pt-BR" smtClean="0"/>
-              <a:t>21</a:t>
+              <a:t>23</a:t>
             </a:fld>
             <a:endParaRPr lang="pt-BR"/>
           </a:p>
@@ -30012,7 +30014,7 @@
           <a:p>
             <a:fld id="{D8BCA7B2-8C05-43B8-BABA-DC4379CBF90D}" type="datetimeFigureOut">
               <a:rPr lang="pt-BR" smtClean="0"/>
-              <a:t>09/11/2019</a:t>
+              <a:t>13/11/2019</a:t>
             </a:fld>
             <a:endParaRPr lang="pt-BR"/>
           </a:p>
@@ -30210,7 +30212,7 @@
           <a:p>
             <a:fld id="{D8BCA7B2-8C05-43B8-BABA-DC4379CBF90D}" type="datetimeFigureOut">
               <a:rPr lang="pt-BR" smtClean="0"/>
-              <a:t>09/11/2019</a:t>
+              <a:t>13/11/2019</a:t>
             </a:fld>
             <a:endParaRPr lang="pt-BR"/>
           </a:p>
@@ -30418,7 +30420,7 @@
           <a:p>
             <a:fld id="{D8BCA7B2-8C05-43B8-BABA-DC4379CBF90D}" type="datetimeFigureOut">
               <a:rPr lang="pt-BR" smtClean="0"/>
-              <a:t>09/11/2019</a:t>
+              <a:t>13/11/2019</a:t>
             </a:fld>
             <a:endParaRPr lang="pt-BR"/>
           </a:p>
@@ -30616,7 +30618,7 @@
           <a:p>
             <a:fld id="{D8BCA7B2-8C05-43B8-BABA-DC4379CBF90D}" type="datetimeFigureOut">
               <a:rPr lang="pt-BR" smtClean="0"/>
-              <a:t>09/11/2019</a:t>
+              <a:t>13/11/2019</a:t>
             </a:fld>
             <a:endParaRPr lang="pt-BR"/>
           </a:p>
@@ -30891,7 +30893,7 @@
           <a:p>
             <a:fld id="{D8BCA7B2-8C05-43B8-BABA-DC4379CBF90D}" type="datetimeFigureOut">
               <a:rPr lang="pt-BR" smtClean="0"/>
-              <a:t>09/11/2019</a:t>
+              <a:t>13/11/2019</a:t>
             </a:fld>
             <a:endParaRPr lang="pt-BR"/>
           </a:p>
@@ -31156,7 +31158,7 @@
           <a:p>
             <a:fld id="{D8BCA7B2-8C05-43B8-BABA-DC4379CBF90D}" type="datetimeFigureOut">
               <a:rPr lang="pt-BR" smtClean="0"/>
-              <a:t>09/11/2019</a:t>
+              <a:t>13/11/2019</a:t>
             </a:fld>
             <a:endParaRPr lang="pt-BR"/>
           </a:p>
@@ -31568,7 +31570,7 @@
           <a:p>
             <a:fld id="{D8BCA7B2-8C05-43B8-BABA-DC4379CBF90D}" type="datetimeFigureOut">
               <a:rPr lang="pt-BR" smtClean="0"/>
-              <a:t>09/11/2019</a:t>
+              <a:t>13/11/2019</a:t>
             </a:fld>
             <a:endParaRPr lang="pt-BR"/>
           </a:p>
@@ -31709,7 +31711,7 @@
           <a:p>
             <a:fld id="{D8BCA7B2-8C05-43B8-BABA-DC4379CBF90D}" type="datetimeFigureOut">
               <a:rPr lang="pt-BR" smtClean="0"/>
-              <a:t>09/11/2019</a:t>
+              <a:t>13/11/2019</a:t>
             </a:fld>
             <a:endParaRPr lang="pt-BR"/>
           </a:p>
@@ -31822,7 +31824,7 @@
           <a:p>
             <a:fld id="{D8BCA7B2-8C05-43B8-BABA-DC4379CBF90D}" type="datetimeFigureOut">
               <a:rPr lang="pt-BR" smtClean="0"/>
-              <a:t>09/11/2019</a:t>
+              <a:t>13/11/2019</a:t>
             </a:fld>
             <a:endParaRPr lang="pt-BR"/>
           </a:p>
@@ -32133,7 +32135,7 @@
           <a:p>
             <a:fld id="{D8BCA7B2-8C05-43B8-BABA-DC4379CBF90D}" type="datetimeFigureOut">
               <a:rPr lang="pt-BR" smtClean="0"/>
-              <a:t>09/11/2019</a:t>
+              <a:t>13/11/2019</a:t>
             </a:fld>
             <a:endParaRPr lang="pt-BR"/>
           </a:p>
@@ -32421,7 +32423,7 @@
           <a:p>
             <a:fld id="{D8BCA7B2-8C05-43B8-BABA-DC4379CBF90D}" type="datetimeFigureOut">
               <a:rPr lang="pt-BR" smtClean="0"/>
-              <a:t>09/11/2019</a:t>
+              <a:t>13/11/2019</a:t>
             </a:fld>
             <a:endParaRPr lang="pt-BR"/>
           </a:p>
@@ -32662,7 +32664,7 @@
           <a:p>
             <a:fld id="{D8BCA7B2-8C05-43B8-BABA-DC4379CBF90D}" type="datetimeFigureOut">
               <a:rPr lang="pt-BR" smtClean="0"/>
-              <a:t>09/11/2019</a:t>
+              <a:t>13/11/2019</a:t>
             </a:fld>
             <a:endParaRPr lang="pt-BR"/>
           </a:p>
@@ -35043,6 +35045,572 @@
           <a:p>
             <a:r>
               <a:rPr lang="pt-BR" dirty="0"/>
+              <a:t>Power BI</a:t>
+            </a:r>
+          </a:p>
+        </p:txBody>
+      </p:sp>
+      <p:sp>
+        <p:nvSpPr>
+          <p:cNvPr id="42" name="Rectangle 41">
+            <a:extLst>
+              <a:ext uri="{FF2B5EF4-FFF2-40B4-BE49-F238E27FC236}">
+                <a16:creationId xmlns:a16="http://schemas.microsoft.com/office/drawing/2014/main" id="{A5711A0E-A428-4ED1-96CB-33D69FD842E4}"/>
+              </a:ext>
+              <a:ext uri="{C183D7F6-B498-43B3-948B-1728B52AA6E4}">
+                <adec:decorative xmlns:adec="http://schemas.microsoft.com/office/drawing/2017/decorative" val="1"/>
+              </a:ext>
+            </a:extLst>
+          </p:cNvPr>
+          <p:cNvSpPr>
+            <a:spLocks noGrp="1" noRot="1" noChangeAspect="1" noMove="1" noResize="1" noEditPoints="1" noAdjustHandles="1" noChangeArrowheads="1" noChangeShapeType="1" noTextEdit="1"/>
+          </p:cNvSpPr>
+          <p:nvPr>
+            <p:extLst>
+              <p:ext uri="{386F3935-93C4-4BCD-93E2-E3B085C9AB24}">
+                <p16:designElem xmlns:p16="http://schemas.microsoft.com/office/powerpoint/2015/main" val="1"/>
+              </p:ext>
+            </p:extLst>
+          </p:nvPr>
+        </p:nvSpPr>
+        <p:spPr>
+          <a:xfrm>
+            <a:off x="1000874" y="2043803"/>
+            <a:ext cx="10190252" cy="80683"/>
+          </a:xfrm>
+          <a:prstGeom prst="rect">
+            <a:avLst/>
+          </a:prstGeom>
+          <a:solidFill>
+            <a:schemeClr val="tx1">
+              <a:lumMod val="50000"/>
+              <a:lumOff val="50000"/>
+              <a:alpha val="65000"/>
+            </a:schemeClr>
+          </a:solidFill>
+          <a:ln>
+            <a:noFill/>
+          </a:ln>
+        </p:spPr>
+        <p:style>
+          <a:lnRef idx="2">
+            <a:schemeClr val="accent1">
+              <a:shade val="50000"/>
+            </a:schemeClr>
+          </a:lnRef>
+          <a:fillRef idx="1">
+            <a:schemeClr val="accent1"/>
+          </a:fillRef>
+          <a:effectRef idx="0">
+            <a:schemeClr val="accent1"/>
+          </a:effectRef>
+          <a:fontRef idx="minor">
+            <a:schemeClr val="lt1"/>
+          </a:fontRef>
+        </p:style>
+        <p:txBody>
+          <a:bodyPr rtlCol="0" anchor="ctr"/>
+          <a:lstStyle/>
+          <a:p>
+            <a:pPr marL="0" marR="0" lvl="0" indent="0" algn="ctr" defTabSz="457200" rtl="0" eaLnBrk="1" fontAlgn="auto" latinLnBrk="0" hangingPunct="1">
+              <a:lnSpc>
+                <a:spcPct val="100000"/>
+              </a:lnSpc>
+              <a:spcBef>
+                <a:spcPts val="0"/>
+              </a:spcBef>
+              <a:spcAft>
+                <a:spcPts val="0"/>
+              </a:spcAft>
+              <a:buClrTx/>
+              <a:buSzTx/>
+              <a:buFontTx/>
+              <a:buNone/>
+              <a:tabLst/>
+              <a:defRPr/>
+            </a:pPr>
+            <a:endParaRPr kumimoji="0" lang="en-US" sz="1800" b="0" i="0" u="none" strike="noStrike" kern="1200" cap="none" spc="0" normalizeH="0" baseline="0" noProof="0">
+              <a:ln>
+                <a:noFill/>
+              </a:ln>
+              <a:solidFill>
+                <a:prstClr val="white"/>
+              </a:solidFill>
+              <a:effectLst/>
+              <a:uLnTx/>
+              <a:uFillTx/>
+              <a:latin typeface="Calibri" panose="020F0502020204030204"/>
+              <a:ea typeface="+mn-ea"/>
+              <a:cs typeface="+mn-cs"/>
+            </a:endParaRPr>
+          </a:p>
+        </p:txBody>
+      </p:sp>
+      <p:pic>
+        <p:nvPicPr>
+          <p:cNvPr id="7" name="Imagem 6" descr="Uma imagem contendo luz, desenho&#10;&#10;Descrição gerada automaticamente">
+            <a:extLst>
+              <a:ext uri="{FF2B5EF4-FFF2-40B4-BE49-F238E27FC236}">
+                <a16:creationId xmlns:a16="http://schemas.microsoft.com/office/drawing/2014/main" id="{4BBAED0D-DA47-485B-B961-5992667A428B}"/>
+              </a:ext>
+            </a:extLst>
+          </p:cNvPr>
+          <p:cNvPicPr>
+            <a:picLocks noChangeAspect="1"/>
+          </p:cNvPicPr>
+          <p:nvPr/>
+        </p:nvPicPr>
+        <p:blipFill>
+          <a:blip r:embed="rId2">
+            <a:extLst>
+              <a:ext uri="{28A0092B-C50C-407E-A947-70E740481C1C}">
+                <a14:useLocalDpi xmlns:a14="http://schemas.microsoft.com/office/drawing/2010/main" val="0"/>
+              </a:ext>
+            </a:extLst>
+          </a:blip>
+          <a:stretch>
+            <a:fillRect/>
+          </a:stretch>
+        </p:blipFill>
+        <p:spPr>
+          <a:xfrm>
+            <a:off x="10229458" y="788862"/>
+            <a:ext cx="926222" cy="1028396"/>
+          </a:xfrm>
+          <a:prstGeom prst="rect">
+            <a:avLst/>
+          </a:prstGeom>
+        </p:spPr>
+      </p:pic>
+      <p:sp>
+        <p:nvSpPr>
+          <p:cNvPr id="8" name="Espaço Reservado para Conteúdo 2">
+            <a:extLst>
+              <a:ext uri="{FF2B5EF4-FFF2-40B4-BE49-F238E27FC236}">
+                <a16:creationId xmlns:a16="http://schemas.microsoft.com/office/drawing/2014/main" id="{9ADC2E69-CA9A-45D3-BC10-5A389B7FA333}"/>
+              </a:ext>
+            </a:extLst>
+          </p:cNvPr>
+          <p:cNvSpPr>
+            <a:spLocks noGrp="1"/>
+          </p:cNvSpPr>
+          <p:nvPr>
+            <p:ph idx="1"/>
+          </p:nvPr>
+        </p:nvSpPr>
+        <p:spPr>
+          <a:xfrm>
+            <a:off x="1000874" y="2358710"/>
+            <a:ext cx="10515600" cy="4351338"/>
+          </a:xfrm>
+        </p:spPr>
+        <p:txBody>
+          <a:bodyPr/>
+          <a:lstStyle/>
+          <a:p>
+            <a:r>
+              <a:rPr lang="pt-BR" sz="2400" dirty="0">
+                <a:latin typeface="+mj-lt"/>
+              </a:rPr>
+              <a:t>Analisar, visualizar e compartilhar dados</a:t>
+            </a:r>
+          </a:p>
+          <a:p>
+            <a:r>
+              <a:rPr lang="pt-BR" sz="2400" dirty="0">
+                <a:latin typeface="+mj-lt"/>
+              </a:rPr>
+              <a:t>Se conecta com praticamente todas as fontes de dados existentes</a:t>
+            </a:r>
+          </a:p>
+          <a:p>
+            <a:r>
+              <a:rPr lang="pt-BR" sz="2400" dirty="0">
+                <a:latin typeface="+mj-lt"/>
+              </a:rPr>
+              <a:t>Receber relatórios via e-mail automaticamente</a:t>
+            </a:r>
+          </a:p>
+          <a:p>
+            <a:r>
+              <a:rPr lang="pt-BR" sz="2400" dirty="0" err="1">
+                <a:latin typeface="+mj-lt"/>
+              </a:rPr>
+              <a:t>Stream</a:t>
+            </a:r>
+            <a:r>
+              <a:rPr lang="pt-BR" sz="2400" dirty="0">
+                <a:latin typeface="+mj-lt"/>
+              </a:rPr>
+              <a:t> </a:t>
+            </a:r>
+            <a:r>
+              <a:rPr lang="pt-BR" sz="2400" dirty="0" err="1">
+                <a:latin typeface="+mj-lt"/>
+              </a:rPr>
+              <a:t>analytics</a:t>
+            </a:r>
+            <a:r>
+              <a:rPr lang="pt-BR" sz="2400" dirty="0">
+                <a:latin typeface="+mj-lt"/>
+              </a:rPr>
+              <a:t> em tempo real</a:t>
+            </a:r>
+          </a:p>
+          <a:p>
+            <a:r>
+              <a:rPr lang="pt-BR" sz="2400" dirty="0">
+                <a:latin typeface="+mj-lt"/>
+              </a:rPr>
+              <a:t>Visão de 360 graus</a:t>
+            </a:r>
+          </a:p>
+          <a:p>
+            <a:r>
+              <a:rPr lang="pt-BR" sz="2400" dirty="0">
+                <a:latin typeface="+mj-lt"/>
+              </a:rPr>
+              <a:t>Tomada de decisões</a:t>
+            </a:r>
+          </a:p>
+          <a:p>
+            <a:endParaRPr lang="pt-BR" dirty="0"/>
+          </a:p>
+        </p:txBody>
+      </p:sp>
+    </p:spTree>
+    <p:extLst>
+      <p:ext uri="{BB962C8B-B14F-4D97-AF65-F5344CB8AC3E}">
+        <p14:creationId xmlns:p14="http://schemas.microsoft.com/office/powerpoint/2010/main" val="1298932341"/>
+      </p:ext>
+    </p:extLst>
+  </p:cSld>
+  <p:clrMapOvr>
+    <a:masterClrMapping/>
+  </p:clrMapOvr>
+</p:sld>
+</file>
+
+<file path=ppt/slides/slide18.xml><?xml version="1.0" encoding="utf-8"?>
+<p:sld xmlns:a="http://schemas.openxmlformats.org/drawingml/2006/main" xmlns:r="http://schemas.openxmlformats.org/officeDocument/2006/relationships" xmlns:p="http://schemas.openxmlformats.org/presentationml/2006/main">
+  <p:cSld>
+    <p:bg>
+      <p:bgPr>
+        <a:solidFill>
+          <a:schemeClr val="bg1"/>
+        </a:solidFill>
+        <a:effectLst/>
+      </p:bgPr>
+    </p:bg>
+    <p:spTree>
+      <p:nvGrpSpPr>
+        <p:cNvPr id="1" name=""/>
+        <p:cNvGrpSpPr/>
+        <p:nvPr/>
+      </p:nvGrpSpPr>
+      <p:grpSpPr>
+        <a:xfrm>
+          <a:off x="0" y="0"/>
+          <a:ext cx="0" cy="0"/>
+          <a:chOff x="0" y="0"/>
+          <a:chExt cx="0" cy="0"/>
+        </a:xfrm>
+      </p:grpSpPr>
+      <p:sp>
+        <p:nvSpPr>
+          <p:cNvPr id="2" name="Título 1">
+            <a:extLst>
+              <a:ext uri="{FF2B5EF4-FFF2-40B4-BE49-F238E27FC236}">
+                <a16:creationId xmlns:a16="http://schemas.microsoft.com/office/drawing/2014/main" id="{E0B7F696-990F-4A06-8F6A-14DCE2F6ECEA}"/>
+              </a:ext>
+            </a:extLst>
+          </p:cNvPr>
+          <p:cNvSpPr>
+            <a:spLocks noGrp="1"/>
+          </p:cNvSpPr>
+          <p:nvPr>
+            <p:ph type="title"/>
+          </p:nvPr>
+        </p:nvSpPr>
+        <p:spPr>
+          <a:xfrm>
+            <a:off x="870204" y="606564"/>
+            <a:ext cx="10451592" cy="1325563"/>
+          </a:xfrm>
+        </p:spPr>
+        <p:txBody>
+          <a:bodyPr anchor="ctr">
+            <a:normAutofit/>
+          </a:bodyPr>
+          <a:lstStyle/>
+          <a:p>
+            <a:r>
+              <a:rPr lang="pt-BR" dirty="0"/>
+              <a:t>Power BI</a:t>
+            </a:r>
+          </a:p>
+        </p:txBody>
+      </p:sp>
+      <p:sp>
+        <p:nvSpPr>
+          <p:cNvPr id="42" name="Rectangle 41">
+            <a:extLst>
+              <a:ext uri="{FF2B5EF4-FFF2-40B4-BE49-F238E27FC236}">
+                <a16:creationId xmlns:a16="http://schemas.microsoft.com/office/drawing/2014/main" id="{A5711A0E-A428-4ED1-96CB-33D69FD842E4}"/>
+              </a:ext>
+              <a:ext uri="{C183D7F6-B498-43B3-948B-1728B52AA6E4}">
+                <adec:decorative xmlns:adec="http://schemas.microsoft.com/office/drawing/2017/decorative" val="1"/>
+              </a:ext>
+            </a:extLst>
+          </p:cNvPr>
+          <p:cNvSpPr>
+            <a:spLocks noGrp="1" noRot="1" noChangeAspect="1" noMove="1" noResize="1" noEditPoints="1" noAdjustHandles="1" noChangeArrowheads="1" noChangeShapeType="1" noTextEdit="1"/>
+          </p:cNvSpPr>
+          <p:nvPr>
+            <p:extLst>
+              <p:ext uri="{386F3935-93C4-4BCD-93E2-E3B085C9AB24}">
+                <p16:designElem xmlns:p16="http://schemas.microsoft.com/office/powerpoint/2015/main" val="1"/>
+              </p:ext>
+            </p:extLst>
+          </p:nvPr>
+        </p:nvSpPr>
+        <p:spPr>
+          <a:xfrm>
+            <a:off x="1000874" y="2043803"/>
+            <a:ext cx="10190252" cy="80683"/>
+          </a:xfrm>
+          <a:prstGeom prst="rect">
+            <a:avLst/>
+          </a:prstGeom>
+          <a:solidFill>
+            <a:schemeClr val="tx1">
+              <a:lumMod val="50000"/>
+              <a:lumOff val="50000"/>
+              <a:alpha val="65000"/>
+            </a:schemeClr>
+          </a:solidFill>
+          <a:ln>
+            <a:noFill/>
+          </a:ln>
+        </p:spPr>
+        <p:style>
+          <a:lnRef idx="2">
+            <a:schemeClr val="accent1">
+              <a:shade val="50000"/>
+            </a:schemeClr>
+          </a:lnRef>
+          <a:fillRef idx="1">
+            <a:schemeClr val="accent1"/>
+          </a:fillRef>
+          <a:effectRef idx="0">
+            <a:schemeClr val="accent1"/>
+          </a:effectRef>
+          <a:fontRef idx="minor">
+            <a:schemeClr val="lt1"/>
+          </a:fontRef>
+        </p:style>
+        <p:txBody>
+          <a:bodyPr rtlCol="0" anchor="ctr"/>
+          <a:lstStyle/>
+          <a:p>
+            <a:pPr marL="0" marR="0" lvl="0" indent="0" algn="ctr" defTabSz="457200" rtl="0" eaLnBrk="1" fontAlgn="auto" latinLnBrk="0" hangingPunct="1">
+              <a:lnSpc>
+                <a:spcPct val="100000"/>
+              </a:lnSpc>
+              <a:spcBef>
+                <a:spcPts val="0"/>
+              </a:spcBef>
+              <a:spcAft>
+                <a:spcPts val="0"/>
+              </a:spcAft>
+              <a:buClrTx/>
+              <a:buSzTx/>
+              <a:buFontTx/>
+              <a:buNone/>
+              <a:tabLst/>
+              <a:defRPr/>
+            </a:pPr>
+            <a:endParaRPr kumimoji="0" lang="en-US" sz="1800" b="0" i="0" u="none" strike="noStrike" kern="1200" cap="none" spc="0" normalizeH="0" baseline="0" noProof="0">
+              <a:ln>
+                <a:noFill/>
+              </a:ln>
+              <a:solidFill>
+                <a:prstClr val="white"/>
+              </a:solidFill>
+              <a:effectLst/>
+              <a:uLnTx/>
+              <a:uFillTx/>
+              <a:latin typeface="Calibri" panose="020F0502020204030204"/>
+              <a:ea typeface="+mn-ea"/>
+              <a:cs typeface="+mn-cs"/>
+            </a:endParaRPr>
+          </a:p>
+        </p:txBody>
+      </p:sp>
+      <p:pic>
+        <p:nvPicPr>
+          <p:cNvPr id="7" name="Imagem 6" descr="Uma imagem contendo luz, desenho&#10;&#10;Descrição gerada automaticamente">
+            <a:extLst>
+              <a:ext uri="{FF2B5EF4-FFF2-40B4-BE49-F238E27FC236}">
+                <a16:creationId xmlns:a16="http://schemas.microsoft.com/office/drawing/2014/main" id="{4BBAED0D-DA47-485B-B961-5992667A428B}"/>
+              </a:ext>
+            </a:extLst>
+          </p:cNvPr>
+          <p:cNvPicPr>
+            <a:picLocks noChangeAspect="1"/>
+          </p:cNvPicPr>
+          <p:nvPr/>
+        </p:nvPicPr>
+        <p:blipFill>
+          <a:blip r:embed="rId2">
+            <a:extLst>
+              <a:ext uri="{28A0092B-C50C-407E-A947-70E740481C1C}">
+                <a14:useLocalDpi xmlns:a14="http://schemas.microsoft.com/office/drawing/2010/main" val="0"/>
+              </a:ext>
+            </a:extLst>
+          </a:blip>
+          <a:stretch>
+            <a:fillRect/>
+          </a:stretch>
+        </p:blipFill>
+        <p:spPr>
+          <a:xfrm>
+            <a:off x="10229458" y="788862"/>
+            <a:ext cx="926222" cy="1028396"/>
+          </a:xfrm>
+          <a:prstGeom prst="rect">
+            <a:avLst/>
+          </a:prstGeom>
+        </p:spPr>
+      </p:pic>
+      <p:pic>
+        <p:nvPicPr>
+          <p:cNvPr id="9" name="Imagem 8">
+            <a:extLst>
+              <a:ext uri="{FF2B5EF4-FFF2-40B4-BE49-F238E27FC236}">
+                <a16:creationId xmlns:a16="http://schemas.microsoft.com/office/drawing/2014/main" id="{E8508EF2-E0E2-435E-AF36-C9E89AF5CFBB}"/>
+              </a:ext>
+            </a:extLst>
+          </p:cNvPr>
+          <p:cNvPicPr>
+            <a:picLocks noChangeAspect="1"/>
+          </p:cNvPicPr>
+          <p:nvPr/>
+        </p:nvPicPr>
+        <p:blipFill>
+          <a:blip r:embed="rId3"/>
+          <a:stretch>
+            <a:fillRect/>
+          </a:stretch>
+        </p:blipFill>
+        <p:spPr>
+          <a:xfrm>
+            <a:off x="1492773" y="2482998"/>
+            <a:ext cx="9370979" cy="1817435"/>
+          </a:xfrm>
+          <a:prstGeom prst="rect">
+            <a:avLst/>
+          </a:prstGeom>
+        </p:spPr>
+      </p:pic>
+      <p:pic>
+        <p:nvPicPr>
+          <p:cNvPr id="10" name="Imagem 9">
+            <a:extLst>
+              <a:ext uri="{FF2B5EF4-FFF2-40B4-BE49-F238E27FC236}">
+                <a16:creationId xmlns:a16="http://schemas.microsoft.com/office/drawing/2014/main" id="{3A53CD80-A4B2-40DD-8332-F808AA712A94}"/>
+              </a:ext>
+            </a:extLst>
+          </p:cNvPr>
+          <p:cNvPicPr>
+            <a:picLocks noChangeAspect="1"/>
+          </p:cNvPicPr>
+          <p:nvPr/>
+        </p:nvPicPr>
+        <p:blipFill>
+          <a:blip r:embed="rId4"/>
+          <a:stretch>
+            <a:fillRect/>
+          </a:stretch>
+        </p:blipFill>
+        <p:spPr>
+          <a:xfrm>
+            <a:off x="870204" y="4651435"/>
+            <a:ext cx="10616119" cy="2076261"/>
+          </a:xfrm>
+          <a:prstGeom prst="rect">
+            <a:avLst/>
+          </a:prstGeom>
+        </p:spPr>
+      </p:pic>
+    </p:spTree>
+    <p:extLst>
+      <p:ext uri="{BB962C8B-B14F-4D97-AF65-F5344CB8AC3E}">
+        <p14:creationId xmlns:p14="http://schemas.microsoft.com/office/powerpoint/2010/main" val="4143444967"/>
+      </p:ext>
+    </p:extLst>
+  </p:cSld>
+  <p:clrMapOvr>
+    <a:masterClrMapping/>
+  </p:clrMapOvr>
+</p:sld>
+</file>
+
+<file path=ppt/slides/slide19.xml><?xml version="1.0" encoding="utf-8"?>
+<p:sld xmlns:a="http://schemas.openxmlformats.org/drawingml/2006/main" xmlns:r="http://schemas.openxmlformats.org/officeDocument/2006/relationships" xmlns:p="http://schemas.openxmlformats.org/presentationml/2006/main">
+  <p:cSld>
+    <p:bg>
+      <p:bgPr>
+        <a:solidFill>
+          <a:schemeClr val="bg1"/>
+        </a:solidFill>
+        <a:effectLst/>
+      </p:bgPr>
+    </p:bg>
+    <p:spTree>
+      <p:nvGrpSpPr>
+        <p:cNvPr id="1" name=""/>
+        <p:cNvGrpSpPr/>
+        <p:nvPr/>
+      </p:nvGrpSpPr>
+      <p:grpSpPr>
+        <a:xfrm>
+          <a:off x="0" y="0"/>
+          <a:ext cx="0" cy="0"/>
+          <a:chOff x="0" y="0"/>
+          <a:chExt cx="0" cy="0"/>
+        </a:xfrm>
+      </p:grpSpPr>
+      <p:sp>
+        <p:nvSpPr>
+          <p:cNvPr id="2" name="Título 1">
+            <a:extLst>
+              <a:ext uri="{FF2B5EF4-FFF2-40B4-BE49-F238E27FC236}">
+                <a16:creationId xmlns:a16="http://schemas.microsoft.com/office/drawing/2014/main" id="{E0B7F696-990F-4A06-8F6A-14DCE2F6ECEA}"/>
+              </a:ext>
+            </a:extLst>
+          </p:cNvPr>
+          <p:cNvSpPr>
+            <a:spLocks noGrp="1"/>
+          </p:cNvSpPr>
+          <p:nvPr>
+            <p:ph type="title"/>
+          </p:nvPr>
+        </p:nvSpPr>
+        <p:spPr>
+          <a:xfrm>
+            <a:off x="870204" y="606564"/>
+            <a:ext cx="10451592" cy="1325563"/>
+          </a:xfrm>
+        </p:spPr>
+        <p:txBody>
+          <a:bodyPr anchor="ctr">
+            <a:normAutofit/>
+          </a:bodyPr>
+          <a:lstStyle/>
+          <a:p>
+            <a:r>
+              <a:rPr lang="pt-BR" dirty="0"/>
               <a:t>ALERTAS</a:t>
             </a:r>
           </a:p>
@@ -35184,475 +35752,6 @@
     <p:extLst>
       <p:ext uri="{BB962C8B-B14F-4D97-AF65-F5344CB8AC3E}">
         <p14:creationId xmlns:p14="http://schemas.microsoft.com/office/powerpoint/2010/main" val="1361539501"/>
-      </p:ext>
-    </p:extLst>
-  </p:cSld>
-  <p:clrMapOvr>
-    <a:masterClrMapping/>
-  </p:clrMapOvr>
-</p:sld>
-</file>
-
-<file path=ppt/slides/slide18.xml><?xml version="1.0" encoding="utf-8"?>
-<p:sld xmlns:a="http://schemas.openxmlformats.org/drawingml/2006/main" xmlns:r="http://schemas.openxmlformats.org/officeDocument/2006/relationships" xmlns:p="http://schemas.openxmlformats.org/presentationml/2006/main">
-  <p:cSld>
-    <p:bg>
-      <p:bgPr>
-        <a:solidFill>
-          <a:schemeClr val="bg1"/>
-        </a:solidFill>
-        <a:effectLst/>
-      </p:bgPr>
-    </p:bg>
-    <p:spTree>
-      <p:nvGrpSpPr>
-        <p:cNvPr id="1" name=""/>
-        <p:cNvGrpSpPr/>
-        <p:nvPr/>
-      </p:nvGrpSpPr>
-      <p:grpSpPr>
-        <a:xfrm>
-          <a:off x="0" y="0"/>
-          <a:ext cx="0" cy="0"/>
-          <a:chOff x="0" y="0"/>
-          <a:chExt cx="0" cy="0"/>
-        </a:xfrm>
-      </p:grpSpPr>
-      <p:sp>
-        <p:nvSpPr>
-          <p:cNvPr id="2" name="Título 1">
-            <a:extLst>
-              <a:ext uri="{FF2B5EF4-FFF2-40B4-BE49-F238E27FC236}">
-                <a16:creationId xmlns:a16="http://schemas.microsoft.com/office/drawing/2014/main" id="{E0B7F696-990F-4A06-8F6A-14DCE2F6ECEA}"/>
-              </a:ext>
-            </a:extLst>
-          </p:cNvPr>
-          <p:cNvSpPr>
-            <a:spLocks noGrp="1"/>
-          </p:cNvSpPr>
-          <p:nvPr>
-            <p:ph type="title"/>
-          </p:nvPr>
-        </p:nvSpPr>
-        <p:spPr>
-          <a:xfrm>
-            <a:off x="870204" y="606564"/>
-            <a:ext cx="10451592" cy="1325563"/>
-          </a:xfrm>
-        </p:spPr>
-        <p:txBody>
-          <a:bodyPr anchor="ctr">
-            <a:normAutofit/>
-          </a:bodyPr>
-          <a:lstStyle/>
-          <a:p>
-            <a:r>
-              <a:rPr lang="pt-BR" dirty="0"/>
-              <a:t>HELP DESK</a:t>
-            </a:r>
-          </a:p>
-        </p:txBody>
-      </p:sp>
-      <p:sp>
-        <p:nvSpPr>
-          <p:cNvPr id="42" name="Rectangle 41">
-            <a:extLst>
-              <a:ext uri="{FF2B5EF4-FFF2-40B4-BE49-F238E27FC236}">
-                <a16:creationId xmlns:a16="http://schemas.microsoft.com/office/drawing/2014/main" id="{A5711A0E-A428-4ED1-96CB-33D69FD842E4}"/>
-              </a:ext>
-              <a:ext uri="{C183D7F6-B498-43B3-948B-1728B52AA6E4}">
-                <adec:decorative xmlns:adec="http://schemas.microsoft.com/office/drawing/2017/decorative" val="1"/>
-              </a:ext>
-            </a:extLst>
-          </p:cNvPr>
-          <p:cNvSpPr>
-            <a:spLocks noGrp="1" noRot="1" noChangeAspect="1" noMove="1" noResize="1" noEditPoints="1" noAdjustHandles="1" noChangeArrowheads="1" noChangeShapeType="1" noTextEdit="1"/>
-          </p:cNvSpPr>
-          <p:nvPr>
-            <p:extLst>
-              <p:ext uri="{386F3935-93C4-4BCD-93E2-E3B085C9AB24}">
-                <p16:designElem xmlns:p16="http://schemas.microsoft.com/office/powerpoint/2015/main" val="1"/>
-              </p:ext>
-            </p:extLst>
-          </p:nvPr>
-        </p:nvSpPr>
-        <p:spPr>
-          <a:xfrm>
-            <a:off x="1000874" y="2043803"/>
-            <a:ext cx="10190252" cy="80683"/>
-          </a:xfrm>
-          <a:prstGeom prst="rect">
-            <a:avLst/>
-          </a:prstGeom>
-          <a:solidFill>
-            <a:schemeClr val="tx1">
-              <a:lumMod val="50000"/>
-              <a:lumOff val="50000"/>
-              <a:alpha val="65000"/>
-            </a:schemeClr>
-          </a:solidFill>
-          <a:ln>
-            <a:noFill/>
-          </a:ln>
-        </p:spPr>
-        <p:style>
-          <a:lnRef idx="2">
-            <a:schemeClr val="accent1">
-              <a:shade val="50000"/>
-            </a:schemeClr>
-          </a:lnRef>
-          <a:fillRef idx="1">
-            <a:schemeClr val="accent1"/>
-          </a:fillRef>
-          <a:effectRef idx="0">
-            <a:schemeClr val="accent1"/>
-          </a:effectRef>
-          <a:fontRef idx="minor">
-            <a:schemeClr val="lt1"/>
-          </a:fontRef>
-        </p:style>
-        <p:txBody>
-          <a:bodyPr rtlCol="0" anchor="ctr"/>
-          <a:lstStyle/>
-          <a:p>
-            <a:pPr marL="0" marR="0" lvl="0" indent="0" algn="ctr" defTabSz="457200" rtl="0" eaLnBrk="1" fontAlgn="auto" latinLnBrk="0" hangingPunct="1">
-              <a:lnSpc>
-                <a:spcPct val="100000"/>
-              </a:lnSpc>
-              <a:spcBef>
-                <a:spcPts val="0"/>
-              </a:spcBef>
-              <a:spcAft>
-                <a:spcPts val="0"/>
-              </a:spcAft>
-              <a:buClrTx/>
-              <a:buSzTx/>
-              <a:buFontTx/>
-              <a:buNone/>
-              <a:tabLst/>
-              <a:defRPr/>
-            </a:pPr>
-            <a:endParaRPr kumimoji="0" lang="en-US" sz="1800" b="0" i="0" u="none" strike="noStrike" kern="1200" cap="none" spc="0" normalizeH="0" baseline="0" noProof="0">
-              <a:ln>
-                <a:noFill/>
-              </a:ln>
-              <a:solidFill>
-                <a:prstClr val="white"/>
-              </a:solidFill>
-              <a:effectLst/>
-              <a:uLnTx/>
-              <a:uFillTx/>
-              <a:latin typeface="Calibri" panose="020F0502020204030204"/>
-              <a:ea typeface="+mn-ea"/>
-              <a:cs typeface="+mn-cs"/>
-            </a:endParaRPr>
-          </a:p>
-        </p:txBody>
-      </p:sp>
-      <p:pic>
-        <p:nvPicPr>
-          <p:cNvPr id="7" name="Imagem 6" descr="Uma imagem contendo luz, desenho&#10;&#10;Descrição gerada automaticamente">
-            <a:extLst>
-              <a:ext uri="{FF2B5EF4-FFF2-40B4-BE49-F238E27FC236}">
-                <a16:creationId xmlns:a16="http://schemas.microsoft.com/office/drawing/2014/main" id="{3FD6C9A3-B2D1-4C73-AFA5-325F16E6C0E7}"/>
-              </a:ext>
-            </a:extLst>
-          </p:cNvPr>
-          <p:cNvPicPr>
-            <a:picLocks noChangeAspect="1"/>
-          </p:cNvPicPr>
-          <p:nvPr/>
-        </p:nvPicPr>
-        <p:blipFill>
-          <a:blip r:embed="rId2">
-            <a:extLst>
-              <a:ext uri="{28A0092B-C50C-407E-A947-70E740481C1C}">
-                <a14:useLocalDpi xmlns:a14="http://schemas.microsoft.com/office/drawing/2010/main" val="0"/>
-              </a:ext>
-            </a:extLst>
-          </a:blip>
-          <a:stretch>
-            <a:fillRect/>
-          </a:stretch>
-        </p:blipFill>
-        <p:spPr>
-          <a:xfrm>
-            <a:off x="10229458" y="788862"/>
-            <a:ext cx="926222" cy="1028396"/>
-          </a:xfrm>
-          <a:prstGeom prst="rect">
-            <a:avLst/>
-          </a:prstGeom>
-        </p:spPr>
-      </p:pic>
-      <p:pic>
-        <p:nvPicPr>
-          <p:cNvPr id="4" name="Espaço Reservado para Conteúdo 3" descr="Tela de celular com texto preto sobre fundo branco&#10;&#10;Descrição gerada automaticamente">
-            <a:extLst>
-              <a:ext uri="{FF2B5EF4-FFF2-40B4-BE49-F238E27FC236}">
-                <a16:creationId xmlns:a16="http://schemas.microsoft.com/office/drawing/2014/main" id="{FBF84780-404E-45BF-A797-C39BEFD5F987}"/>
-              </a:ext>
-            </a:extLst>
-          </p:cNvPr>
-          <p:cNvPicPr>
-            <a:picLocks noGrp="1" noChangeAspect="1"/>
-          </p:cNvPicPr>
-          <p:nvPr>
-            <p:ph idx="1"/>
-          </p:nvPr>
-        </p:nvPicPr>
-        <p:blipFill rotWithShape="1">
-          <a:blip r:embed="rId3">
-            <a:extLst>
-              <a:ext uri="{28A0092B-C50C-407E-A947-70E740481C1C}">
-                <a14:useLocalDpi xmlns:a14="http://schemas.microsoft.com/office/drawing/2010/main" val="0"/>
-              </a:ext>
-            </a:extLst>
-          </a:blip>
-          <a:srcRect/>
-          <a:stretch/>
-        </p:blipFill>
-        <p:spPr>
-          <a:xfrm>
-            <a:off x="2766680" y="2124486"/>
-            <a:ext cx="6658640" cy="4757982"/>
-          </a:xfrm>
-        </p:spPr>
-      </p:pic>
-    </p:spTree>
-    <p:extLst>
-      <p:ext uri="{BB962C8B-B14F-4D97-AF65-F5344CB8AC3E}">
-        <p14:creationId xmlns:p14="http://schemas.microsoft.com/office/powerpoint/2010/main" val="3515412249"/>
-      </p:ext>
-    </p:extLst>
-  </p:cSld>
-  <p:clrMapOvr>
-    <a:masterClrMapping/>
-  </p:clrMapOvr>
-</p:sld>
-</file>
-
-<file path=ppt/slides/slide19.xml><?xml version="1.0" encoding="utf-8"?>
-<p:sld xmlns:a="http://schemas.openxmlformats.org/drawingml/2006/main" xmlns:r="http://schemas.openxmlformats.org/officeDocument/2006/relationships" xmlns:p="http://schemas.openxmlformats.org/presentationml/2006/main">
-  <p:cSld>
-    <p:bg>
-      <p:bgPr>
-        <a:solidFill>
-          <a:schemeClr val="bg1"/>
-        </a:solidFill>
-        <a:effectLst/>
-      </p:bgPr>
-    </p:bg>
-    <p:spTree>
-      <p:nvGrpSpPr>
-        <p:cNvPr id="1" name=""/>
-        <p:cNvGrpSpPr/>
-        <p:nvPr/>
-      </p:nvGrpSpPr>
-      <p:grpSpPr>
-        <a:xfrm>
-          <a:off x="0" y="0"/>
-          <a:ext cx="0" cy="0"/>
-          <a:chOff x="0" y="0"/>
-          <a:chExt cx="0" cy="0"/>
-        </a:xfrm>
-      </p:grpSpPr>
-      <p:sp>
-        <p:nvSpPr>
-          <p:cNvPr id="2" name="Título 1">
-            <a:extLst>
-              <a:ext uri="{FF2B5EF4-FFF2-40B4-BE49-F238E27FC236}">
-                <a16:creationId xmlns:a16="http://schemas.microsoft.com/office/drawing/2014/main" id="{E0B7F696-990F-4A06-8F6A-14DCE2F6ECEA}"/>
-              </a:ext>
-            </a:extLst>
-          </p:cNvPr>
-          <p:cNvSpPr>
-            <a:spLocks noGrp="1"/>
-          </p:cNvSpPr>
-          <p:nvPr>
-            <p:ph type="title"/>
-          </p:nvPr>
-        </p:nvSpPr>
-        <p:spPr>
-          <a:xfrm>
-            <a:off x="870204" y="606564"/>
-            <a:ext cx="10451592" cy="1325563"/>
-          </a:xfrm>
-        </p:spPr>
-        <p:txBody>
-          <a:bodyPr anchor="ctr">
-            <a:normAutofit/>
-          </a:bodyPr>
-          <a:lstStyle/>
-          <a:p>
-            <a:r>
-              <a:rPr lang="pt-BR" dirty="0"/>
-              <a:t>HELP DESK</a:t>
-            </a:r>
-          </a:p>
-        </p:txBody>
-      </p:sp>
-      <p:sp>
-        <p:nvSpPr>
-          <p:cNvPr id="42" name="Rectangle 41">
-            <a:extLst>
-              <a:ext uri="{FF2B5EF4-FFF2-40B4-BE49-F238E27FC236}">
-                <a16:creationId xmlns:a16="http://schemas.microsoft.com/office/drawing/2014/main" id="{A5711A0E-A428-4ED1-96CB-33D69FD842E4}"/>
-              </a:ext>
-              <a:ext uri="{C183D7F6-B498-43B3-948B-1728B52AA6E4}">
-                <adec:decorative xmlns:adec="http://schemas.microsoft.com/office/drawing/2017/decorative" val="1"/>
-              </a:ext>
-            </a:extLst>
-          </p:cNvPr>
-          <p:cNvSpPr>
-            <a:spLocks noGrp="1" noRot="1" noChangeAspect="1" noMove="1" noResize="1" noEditPoints="1" noAdjustHandles="1" noChangeArrowheads="1" noChangeShapeType="1" noTextEdit="1"/>
-          </p:cNvSpPr>
-          <p:nvPr>
-            <p:extLst>
-              <p:ext uri="{386F3935-93C4-4BCD-93E2-E3B085C9AB24}">
-                <p16:designElem xmlns:p16="http://schemas.microsoft.com/office/powerpoint/2015/main" val="1"/>
-              </p:ext>
-            </p:extLst>
-          </p:nvPr>
-        </p:nvSpPr>
-        <p:spPr>
-          <a:xfrm>
-            <a:off x="1000874" y="2043803"/>
-            <a:ext cx="10190252" cy="80683"/>
-          </a:xfrm>
-          <a:prstGeom prst="rect">
-            <a:avLst/>
-          </a:prstGeom>
-          <a:solidFill>
-            <a:schemeClr val="tx1">
-              <a:lumMod val="50000"/>
-              <a:lumOff val="50000"/>
-              <a:alpha val="65000"/>
-            </a:schemeClr>
-          </a:solidFill>
-          <a:ln>
-            <a:noFill/>
-          </a:ln>
-        </p:spPr>
-        <p:style>
-          <a:lnRef idx="2">
-            <a:schemeClr val="accent1">
-              <a:shade val="50000"/>
-            </a:schemeClr>
-          </a:lnRef>
-          <a:fillRef idx="1">
-            <a:schemeClr val="accent1"/>
-          </a:fillRef>
-          <a:effectRef idx="0">
-            <a:schemeClr val="accent1"/>
-          </a:effectRef>
-          <a:fontRef idx="minor">
-            <a:schemeClr val="lt1"/>
-          </a:fontRef>
-        </p:style>
-        <p:txBody>
-          <a:bodyPr rtlCol="0" anchor="ctr"/>
-          <a:lstStyle/>
-          <a:p>
-            <a:pPr marL="0" marR="0" lvl="0" indent="0" algn="ctr" defTabSz="457200" rtl="0" eaLnBrk="1" fontAlgn="auto" latinLnBrk="0" hangingPunct="1">
-              <a:lnSpc>
-                <a:spcPct val="100000"/>
-              </a:lnSpc>
-              <a:spcBef>
-                <a:spcPts val="0"/>
-              </a:spcBef>
-              <a:spcAft>
-                <a:spcPts val="0"/>
-              </a:spcAft>
-              <a:buClrTx/>
-              <a:buSzTx/>
-              <a:buFontTx/>
-              <a:buNone/>
-              <a:tabLst/>
-              <a:defRPr/>
-            </a:pPr>
-            <a:endParaRPr kumimoji="0" lang="en-US" sz="1800" b="0" i="0" u="none" strike="noStrike" kern="1200" cap="none" spc="0" normalizeH="0" baseline="0" noProof="0">
-              <a:ln>
-                <a:noFill/>
-              </a:ln>
-              <a:solidFill>
-                <a:prstClr val="white"/>
-              </a:solidFill>
-              <a:effectLst/>
-              <a:uLnTx/>
-              <a:uFillTx/>
-              <a:latin typeface="Calibri" panose="020F0502020204030204"/>
-              <a:ea typeface="+mn-ea"/>
-              <a:cs typeface="+mn-cs"/>
-            </a:endParaRPr>
-          </a:p>
-        </p:txBody>
-      </p:sp>
-      <p:pic>
-        <p:nvPicPr>
-          <p:cNvPr id="7" name="Imagem 6" descr="Uma imagem contendo luz, desenho&#10;&#10;Descrição gerada automaticamente">
-            <a:extLst>
-              <a:ext uri="{FF2B5EF4-FFF2-40B4-BE49-F238E27FC236}">
-                <a16:creationId xmlns:a16="http://schemas.microsoft.com/office/drawing/2014/main" id="{3FD6C9A3-B2D1-4C73-AFA5-325F16E6C0E7}"/>
-              </a:ext>
-            </a:extLst>
-          </p:cNvPr>
-          <p:cNvPicPr>
-            <a:picLocks noChangeAspect="1"/>
-          </p:cNvPicPr>
-          <p:nvPr/>
-        </p:nvPicPr>
-        <p:blipFill>
-          <a:blip r:embed="rId2">
-            <a:extLst>
-              <a:ext uri="{28A0092B-C50C-407E-A947-70E740481C1C}">
-                <a14:useLocalDpi xmlns:a14="http://schemas.microsoft.com/office/drawing/2010/main" val="0"/>
-              </a:ext>
-            </a:extLst>
-          </a:blip>
-          <a:stretch>
-            <a:fillRect/>
-          </a:stretch>
-        </p:blipFill>
-        <p:spPr>
-          <a:xfrm>
-            <a:off x="10229458" y="788862"/>
-            <a:ext cx="926222" cy="1028396"/>
-          </a:xfrm>
-          <a:prstGeom prst="rect">
-            <a:avLst/>
-          </a:prstGeom>
-        </p:spPr>
-      </p:pic>
-      <p:sp>
-        <p:nvSpPr>
-          <p:cNvPr id="5" name="Espaço Reservado para Conteúdo 4">
-            <a:extLst>
-              <a:ext uri="{FF2B5EF4-FFF2-40B4-BE49-F238E27FC236}">
-                <a16:creationId xmlns:a16="http://schemas.microsoft.com/office/drawing/2014/main" id="{8AD7827F-9FCF-4E92-8ECD-9537F41FFAD7}"/>
-              </a:ext>
-            </a:extLst>
-          </p:cNvPr>
-          <p:cNvSpPr>
-            <a:spLocks noGrp="1"/>
-          </p:cNvSpPr>
-          <p:nvPr>
-            <p:ph idx="1"/>
-          </p:nvPr>
-        </p:nvSpPr>
-        <p:spPr/>
-        <p:txBody>
-          <a:bodyPr/>
-          <a:lstStyle/>
-          <a:p>
-            <a:endParaRPr lang="pt-BR"/>
-          </a:p>
-        </p:txBody>
-      </p:sp>
-    </p:spTree>
-    <p:extLst>
-      <p:ext uri="{BB962C8B-B14F-4D97-AF65-F5344CB8AC3E}">
-        <p14:creationId xmlns:p14="http://schemas.microsoft.com/office/powerpoint/2010/main" val="793592461"/>
       </p:ext>
     </p:extLst>
   </p:cSld>
@@ -36149,6 +36248,475 @@
           <a:p>
             <a:r>
               <a:rPr lang="pt-BR" dirty="0"/>
+              <a:t>HELP DESK</a:t>
+            </a:r>
+          </a:p>
+        </p:txBody>
+      </p:sp>
+      <p:sp>
+        <p:nvSpPr>
+          <p:cNvPr id="42" name="Rectangle 41">
+            <a:extLst>
+              <a:ext uri="{FF2B5EF4-FFF2-40B4-BE49-F238E27FC236}">
+                <a16:creationId xmlns:a16="http://schemas.microsoft.com/office/drawing/2014/main" id="{A5711A0E-A428-4ED1-96CB-33D69FD842E4}"/>
+              </a:ext>
+              <a:ext uri="{C183D7F6-B498-43B3-948B-1728B52AA6E4}">
+                <adec:decorative xmlns:adec="http://schemas.microsoft.com/office/drawing/2017/decorative" val="1"/>
+              </a:ext>
+            </a:extLst>
+          </p:cNvPr>
+          <p:cNvSpPr>
+            <a:spLocks noGrp="1" noRot="1" noChangeAspect="1" noMove="1" noResize="1" noEditPoints="1" noAdjustHandles="1" noChangeArrowheads="1" noChangeShapeType="1" noTextEdit="1"/>
+          </p:cNvSpPr>
+          <p:nvPr>
+            <p:extLst>
+              <p:ext uri="{386F3935-93C4-4BCD-93E2-E3B085C9AB24}">
+                <p16:designElem xmlns:p16="http://schemas.microsoft.com/office/powerpoint/2015/main" val="1"/>
+              </p:ext>
+            </p:extLst>
+          </p:nvPr>
+        </p:nvSpPr>
+        <p:spPr>
+          <a:xfrm>
+            <a:off x="1000874" y="2043803"/>
+            <a:ext cx="10190252" cy="80683"/>
+          </a:xfrm>
+          <a:prstGeom prst="rect">
+            <a:avLst/>
+          </a:prstGeom>
+          <a:solidFill>
+            <a:schemeClr val="tx1">
+              <a:lumMod val="50000"/>
+              <a:lumOff val="50000"/>
+              <a:alpha val="65000"/>
+            </a:schemeClr>
+          </a:solidFill>
+          <a:ln>
+            <a:noFill/>
+          </a:ln>
+        </p:spPr>
+        <p:style>
+          <a:lnRef idx="2">
+            <a:schemeClr val="accent1">
+              <a:shade val="50000"/>
+            </a:schemeClr>
+          </a:lnRef>
+          <a:fillRef idx="1">
+            <a:schemeClr val="accent1"/>
+          </a:fillRef>
+          <a:effectRef idx="0">
+            <a:schemeClr val="accent1"/>
+          </a:effectRef>
+          <a:fontRef idx="minor">
+            <a:schemeClr val="lt1"/>
+          </a:fontRef>
+        </p:style>
+        <p:txBody>
+          <a:bodyPr rtlCol="0" anchor="ctr"/>
+          <a:lstStyle/>
+          <a:p>
+            <a:pPr marL="0" marR="0" lvl="0" indent="0" algn="ctr" defTabSz="457200" rtl="0" eaLnBrk="1" fontAlgn="auto" latinLnBrk="0" hangingPunct="1">
+              <a:lnSpc>
+                <a:spcPct val="100000"/>
+              </a:lnSpc>
+              <a:spcBef>
+                <a:spcPts val="0"/>
+              </a:spcBef>
+              <a:spcAft>
+                <a:spcPts val="0"/>
+              </a:spcAft>
+              <a:buClrTx/>
+              <a:buSzTx/>
+              <a:buFontTx/>
+              <a:buNone/>
+              <a:tabLst/>
+              <a:defRPr/>
+            </a:pPr>
+            <a:endParaRPr kumimoji="0" lang="en-US" sz="1800" b="0" i="0" u="none" strike="noStrike" kern="1200" cap="none" spc="0" normalizeH="0" baseline="0" noProof="0">
+              <a:ln>
+                <a:noFill/>
+              </a:ln>
+              <a:solidFill>
+                <a:prstClr val="white"/>
+              </a:solidFill>
+              <a:effectLst/>
+              <a:uLnTx/>
+              <a:uFillTx/>
+              <a:latin typeface="Calibri" panose="020F0502020204030204"/>
+              <a:ea typeface="+mn-ea"/>
+              <a:cs typeface="+mn-cs"/>
+            </a:endParaRPr>
+          </a:p>
+        </p:txBody>
+      </p:sp>
+      <p:pic>
+        <p:nvPicPr>
+          <p:cNvPr id="7" name="Imagem 6" descr="Uma imagem contendo luz, desenho&#10;&#10;Descrição gerada automaticamente">
+            <a:extLst>
+              <a:ext uri="{FF2B5EF4-FFF2-40B4-BE49-F238E27FC236}">
+                <a16:creationId xmlns:a16="http://schemas.microsoft.com/office/drawing/2014/main" id="{3FD6C9A3-B2D1-4C73-AFA5-325F16E6C0E7}"/>
+              </a:ext>
+            </a:extLst>
+          </p:cNvPr>
+          <p:cNvPicPr>
+            <a:picLocks noChangeAspect="1"/>
+          </p:cNvPicPr>
+          <p:nvPr/>
+        </p:nvPicPr>
+        <p:blipFill>
+          <a:blip r:embed="rId2">
+            <a:extLst>
+              <a:ext uri="{28A0092B-C50C-407E-A947-70E740481C1C}">
+                <a14:useLocalDpi xmlns:a14="http://schemas.microsoft.com/office/drawing/2010/main" val="0"/>
+              </a:ext>
+            </a:extLst>
+          </a:blip>
+          <a:stretch>
+            <a:fillRect/>
+          </a:stretch>
+        </p:blipFill>
+        <p:spPr>
+          <a:xfrm>
+            <a:off x="10229458" y="788862"/>
+            <a:ext cx="926222" cy="1028396"/>
+          </a:xfrm>
+          <a:prstGeom prst="rect">
+            <a:avLst/>
+          </a:prstGeom>
+        </p:spPr>
+      </p:pic>
+      <p:pic>
+        <p:nvPicPr>
+          <p:cNvPr id="4" name="Espaço Reservado para Conteúdo 3" descr="Tela de celular com texto preto sobre fundo branco&#10;&#10;Descrição gerada automaticamente">
+            <a:extLst>
+              <a:ext uri="{FF2B5EF4-FFF2-40B4-BE49-F238E27FC236}">
+                <a16:creationId xmlns:a16="http://schemas.microsoft.com/office/drawing/2014/main" id="{FBF84780-404E-45BF-A797-C39BEFD5F987}"/>
+              </a:ext>
+            </a:extLst>
+          </p:cNvPr>
+          <p:cNvPicPr>
+            <a:picLocks noGrp="1" noChangeAspect="1"/>
+          </p:cNvPicPr>
+          <p:nvPr>
+            <p:ph idx="1"/>
+          </p:nvPr>
+        </p:nvPicPr>
+        <p:blipFill rotWithShape="1">
+          <a:blip r:embed="rId3">
+            <a:extLst>
+              <a:ext uri="{28A0092B-C50C-407E-A947-70E740481C1C}">
+                <a14:useLocalDpi xmlns:a14="http://schemas.microsoft.com/office/drawing/2010/main" val="0"/>
+              </a:ext>
+            </a:extLst>
+          </a:blip>
+          <a:srcRect/>
+          <a:stretch/>
+        </p:blipFill>
+        <p:spPr>
+          <a:xfrm>
+            <a:off x="2766680" y="2124486"/>
+            <a:ext cx="6658640" cy="4757982"/>
+          </a:xfrm>
+        </p:spPr>
+      </p:pic>
+    </p:spTree>
+    <p:extLst>
+      <p:ext uri="{BB962C8B-B14F-4D97-AF65-F5344CB8AC3E}">
+        <p14:creationId xmlns:p14="http://schemas.microsoft.com/office/powerpoint/2010/main" val="3515412249"/>
+      </p:ext>
+    </p:extLst>
+  </p:cSld>
+  <p:clrMapOvr>
+    <a:masterClrMapping/>
+  </p:clrMapOvr>
+</p:sld>
+</file>
+
+<file path=ppt/slides/slide21.xml><?xml version="1.0" encoding="utf-8"?>
+<p:sld xmlns:a="http://schemas.openxmlformats.org/drawingml/2006/main" xmlns:r="http://schemas.openxmlformats.org/officeDocument/2006/relationships" xmlns:p="http://schemas.openxmlformats.org/presentationml/2006/main">
+  <p:cSld>
+    <p:bg>
+      <p:bgPr>
+        <a:solidFill>
+          <a:schemeClr val="bg1"/>
+        </a:solidFill>
+        <a:effectLst/>
+      </p:bgPr>
+    </p:bg>
+    <p:spTree>
+      <p:nvGrpSpPr>
+        <p:cNvPr id="1" name=""/>
+        <p:cNvGrpSpPr/>
+        <p:nvPr/>
+      </p:nvGrpSpPr>
+      <p:grpSpPr>
+        <a:xfrm>
+          <a:off x="0" y="0"/>
+          <a:ext cx="0" cy="0"/>
+          <a:chOff x="0" y="0"/>
+          <a:chExt cx="0" cy="0"/>
+        </a:xfrm>
+      </p:grpSpPr>
+      <p:sp>
+        <p:nvSpPr>
+          <p:cNvPr id="2" name="Título 1">
+            <a:extLst>
+              <a:ext uri="{FF2B5EF4-FFF2-40B4-BE49-F238E27FC236}">
+                <a16:creationId xmlns:a16="http://schemas.microsoft.com/office/drawing/2014/main" id="{E0B7F696-990F-4A06-8F6A-14DCE2F6ECEA}"/>
+              </a:ext>
+            </a:extLst>
+          </p:cNvPr>
+          <p:cNvSpPr>
+            <a:spLocks noGrp="1"/>
+          </p:cNvSpPr>
+          <p:nvPr>
+            <p:ph type="title"/>
+          </p:nvPr>
+        </p:nvSpPr>
+        <p:spPr>
+          <a:xfrm>
+            <a:off x="870204" y="606564"/>
+            <a:ext cx="10451592" cy="1325563"/>
+          </a:xfrm>
+        </p:spPr>
+        <p:txBody>
+          <a:bodyPr anchor="ctr">
+            <a:normAutofit/>
+          </a:bodyPr>
+          <a:lstStyle/>
+          <a:p>
+            <a:r>
+              <a:rPr lang="pt-BR" dirty="0"/>
+              <a:t>HELP DESK</a:t>
+            </a:r>
+          </a:p>
+        </p:txBody>
+      </p:sp>
+      <p:sp>
+        <p:nvSpPr>
+          <p:cNvPr id="42" name="Rectangle 41">
+            <a:extLst>
+              <a:ext uri="{FF2B5EF4-FFF2-40B4-BE49-F238E27FC236}">
+                <a16:creationId xmlns:a16="http://schemas.microsoft.com/office/drawing/2014/main" id="{A5711A0E-A428-4ED1-96CB-33D69FD842E4}"/>
+              </a:ext>
+              <a:ext uri="{C183D7F6-B498-43B3-948B-1728B52AA6E4}">
+                <adec:decorative xmlns:adec="http://schemas.microsoft.com/office/drawing/2017/decorative" val="1"/>
+              </a:ext>
+            </a:extLst>
+          </p:cNvPr>
+          <p:cNvSpPr>
+            <a:spLocks noGrp="1" noRot="1" noChangeAspect="1" noMove="1" noResize="1" noEditPoints="1" noAdjustHandles="1" noChangeArrowheads="1" noChangeShapeType="1" noTextEdit="1"/>
+          </p:cNvSpPr>
+          <p:nvPr>
+            <p:extLst>
+              <p:ext uri="{386F3935-93C4-4BCD-93E2-E3B085C9AB24}">
+                <p16:designElem xmlns:p16="http://schemas.microsoft.com/office/powerpoint/2015/main" val="1"/>
+              </p:ext>
+            </p:extLst>
+          </p:nvPr>
+        </p:nvSpPr>
+        <p:spPr>
+          <a:xfrm>
+            <a:off x="1000874" y="2043803"/>
+            <a:ext cx="10190252" cy="80683"/>
+          </a:xfrm>
+          <a:prstGeom prst="rect">
+            <a:avLst/>
+          </a:prstGeom>
+          <a:solidFill>
+            <a:schemeClr val="tx1">
+              <a:lumMod val="50000"/>
+              <a:lumOff val="50000"/>
+              <a:alpha val="65000"/>
+            </a:schemeClr>
+          </a:solidFill>
+          <a:ln>
+            <a:noFill/>
+          </a:ln>
+        </p:spPr>
+        <p:style>
+          <a:lnRef idx="2">
+            <a:schemeClr val="accent1">
+              <a:shade val="50000"/>
+            </a:schemeClr>
+          </a:lnRef>
+          <a:fillRef idx="1">
+            <a:schemeClr val="accent1"/>
+          </a:fillRef>
+          <a:effectRef idx="0">
+            <a:schemeClr val="accent1"/>
+          </a:effectRef>
+          <a:fontRef idx="minor">
+            <a:schemeClr val="lt1"/>
+          </a:fontRef>
+        </p:style>
+        <p:txBody>
+          <a:bodyPr rtlCol="0" anchor="ctr"/>
+          <a:lstStyle/>
+          <a:p>
+            <a:pPr marL="0" marR="0" lvl="0" indent="0" algn="ctr" defTabSz="457200" rtl="0" eaLnBrk="1" fontAlgn="auto" latinLnBrk="0" hangingPunct="1">
+              <a:lnSpc>
+                <a:spcPct val="100000"/>
+              </a:lnSpc>
+              <a:spcBef>
+                <a:spcPts val="0"/>
+              </a:spcBef>
+              <a:spcAft>
+                <a:spcPts val="0"/>
+              </a:spcAft>
+              <a:buClrTx/>
+              <a:buSzTx/>
+              <a:buFontTx/>
+              <a:buNone/>
+              <a:tabLst/>
+              <a:defRPr/>
+            </a:pPr>
+            <a:endParaRPr kumimoji="0" lang="en-US" sz="1800" b="0" i="0" u="none" strike="noStrike" kern="1200" cap="none" spc="0" normalizeH="0" baseline="0" noProof="0">
+              <a:ln>
+                <a:noFill/>
+              </a:ln>
+              <a:solidFill>
+                <a:prstClr val="white"/>
+              </a:solidFill>
+              <a:effectLst/>
+              <a:uLnTx/>
+              <a:uFillTx/>
+              <a:latin typeface="Calibri" panose="020F0502020204030204"/>
+              <a:ea typeface="+mn-ea"/>
+              <a:cs typeface="+mn-cs"/>
+            </a:endParaRPr>
+          </a:p>
+        </p:txBody>
+      </p:sp>
+      <p:pic>
+        <p:nvPicPr>
+          <p:cNvPr id="7" name="Imagem 6" descr="Uma imagem contendo luz, desenho&#10;&#10;Descrição gerada automaticamente">
+            <a:extLst>
+              <a:ext uri="{FF2B5EF4-FFF2-40B4-BE49-F238E27FC236}">
+                <a16:creationId xmlns:a16="http://schemas.microsoft.com/office/drawing/2014/main" id="{3FD6C9A3-B2D1-4C73-AFA5-325F16E6C0E7}"/>
+              </a:ext>
+            </a:extLst>
+          </p:cNvPr>
+          <p:cNvPicPr>
+            <a:picLocks noChangeAspect="1"/>
+          </p:cNvPicPr>
+          <p:nvPr/>
+        </p:nvPicPr>
+        <p:blipFill>
+          <a:blip r:embed="rId2">
+            <a:extLst>
+              <a:ext uri="{28A0092B-C50C-407E-A947-70E740481C1C}">
+                <a14:useLocalDpi xmlns:a14="http://schemas.microsoft.com/office/drawing/2010/main" val="0"/>
+              </a:ext>
+            </a:extLst>
+          </a:blip>
+          <a:stretch>
+            <a:fillRect/>
+          </a:stretch>
+        </p:blipFill>
+        <p:spPr>
+          <a:xfrm>
+            <a:off x="10229458" y="788862"/>
+            <a:ext cx="926222" cy="1028396"/>
+          </a:xfrm>
+          <a:prstGeom prst="rect">
+            <a:avLst/>
+          </a:prstGeom>
+        </p:spPr>
+      </p:pic>
+      <p:sp>
+        <p:nvSpPr>
+          <p:cNvPr id="5" name="Espaço Reservado para Conteúdo 4">
+            <a:extLst>
+              <a:ext uri="{FF2B5EF4-FFF2-40B4-BE49-F238E27FC236}">
+                <a16:creationId xmlns:a16="http://schemas.microsoft.com/office/drawing/2014/main" id="{8AD7827F-9FCF-4E92-8ECD-9537F41FFAD7}"/>
+              </a:ext>
+            </a:extLst>
+          </p:cNvPr>
+          <p:cNvSpPr>
+            <a:spLocks noGrp="1"/>
+          </p:cNvSpPr>
+          <p:nvPr>
+            <p:ph idx="1"/>
+          </p:nvPr>
+        </p:nvSpPr>
+        <p:spPr/>
+        <p:txBody>
+          <a:bodyPr/>
+          <a:lstStyle/>
+          <a:p>
+            <a:endParaRPr lang="pt-BR"/>
+          </a:p>
+        </p:txBody>
+      </p:sp>
+    </p:spTree>
+    <p:extLst>
+      <p:ext uri="{BB962C8B-B14F-4D97-AF65-F5344CB8AC3E}">
+        <p14:creationId xmlns:p14="http://schemas.microsoft.com/office/powerpoint/2010/main" val="793592461"/>
+      </p:ext>
+    </p:extLst>
+  </p:cSld>
+  <p:clrMapOvr>
+    <a:masterClrMapping/>
+  </p:clrMapOvr>
+</p:sld>
+</file>
+
+<file path=ppt/slides/slide22.xml><?xml version="1.0" encoding="utf-8"?>
+<p:sld xmlns:a="http://schemas.openxmlformats.org/drawingml/2006/main" xmlns:r="http://schemas.openxmlformats.org/officeDocument/2006/relationships" xmlns:p="http://schemas.openxmlformats.org/presentationml/2006/main">
+  <p:cSld>
+    <p:bg>
+      <p:bgPr>
+        <a:solidFill>
+          <a:schemeClr val="bg1"/>
+        </a:solidFill>
+        <a:effectLst/>
+      </p:bgPr>
+    </p:bg>
+    <p:spTree>
+      <p:nvGrpSpPr>
+        <p:cNvPr id="1" name=""/>
+        <p:cNvGrpSpPr/>
+        <p:nvPr/>
+      </p:nvGrpSpPr>
+      <p:grpSpPr>
+        <a:xfrm>
+          <a:off x="0" y="0"/>
+          <a:ext cx="0" cy="0"/>
+          <a:chOff x="0" y="0"/>
+          <a:chExt cx="0" cy="0"/>
+        </a:xfrm>
+      </p:grpSpPr>
+      <p:sp>
+        <p:nvSpPr>
+          <p:cNvPr id="2" name="Título 1">
+            <a:extLst>
+              <a:ext uri="{FF2B5EF4-FFF2-40B4-BE49-F238E27FC236}">
+                <a16:creationId xmlns:a16="http://schemas.microsoft.com/office/drawing/2014/main" id="{E0B7F696-990F-4A06-8F6A-14DCE2F6ECEA}"/>
+              </a:ext>
+            </a:extLst>
+          </p:cNvPr>
+          <p:cNvSpPr>
+            <a:spLocks noGrp="1"/>
+          </p:cNvSpPr>
+          <p:nvPr>
+            <p:ph type="title"/>
+          </p:nvPr>
+        </p:nvSpPr>
+        <p:spPr>
+          <a:xfrm>
+            <a:off x="870204" y="606564"/>
+            <a:ext cx="10451592" cy="1325563"/>
+          </a:xfrm>
+        </p:spPr>
+        <p:txBody>
+          <a:bodyPr anchor="ctr">
+            <a:normAutofit/>
+          </a:bodyPr>
+          <a:lstStyle/>
+          <a:p>
+            <a:r>
+              <a:rPr lang="pt-BR" dirty="0"/>
               <a:t>CONCLUSÃO</a:t>
             </a:r>
           </a:p>
@@ -36332,7 +36900,7 @@
 </p:sld>
 </file>
 
-<file path=ppt/slides/slide21.xml><?xml version="1.0" encoding="utf-8"?>
+<file path=ppt/slides/slide23.xml><?xml version="1.0" encoding="utf-8"?>
 <p:sld xmlns:a="http://schemas.openxmlformats.org/drawingml/2006/main" xmlns:r="http://schemas.openxmlformats.org/officeDocument/2006/relationships" xmlns:p="http://schemas.openxmlformats.org/presentationml/2006/main">
   <p:cSld>
     <p:spTree>

--- a/Documentação/Apresentação.pptx
+++ b/Documentação/Apresentação.pptx
@@ -5,32 +5,25 @@
     <p:sldMasterId id="2147483648" r:id="rId1"/>
   </p:sldMasterIdLst>
   <p:notesMasterIdLst>
-    <p:notesMasterId r:id="rId25"/>
+    <p:notesMasterId r:id="rId18"/>
   </p:notesMasterIdLst>
   <p:sldIdLst>
     <p:sldId id="258" r:id="rId2"/>
     <p:sldId id="289" r:id="rId3"/>
-    <p:sldId id="279" r:id="rId4"/>
-    <p:sldId id="309" r:id="rId5"/>
-    <p:sldId id="302" r:id="rId6"/>
-    <p:sldId id="303" r:id="rId7"/>
-    <p:sldId id="304" r:id="rId8"/>
-    <p:sldId id="278" r:id="rId9"/>
-    <p:sldId id="280" r:id="rId10"/>
-    <p:sldId id="281" r:id="rId11"/>
-    <p:sldId id="282" r:id="rId12"/>
-    <p:sldId id="284" r:id="rId13"/>
-    <p:sldId id="285" r:id="rId14"/>
-    <p:sldId id="305" r:id="rId15"/>
-    <p:sldId id="286" r:id="rId16"/>
-    <p:sldId id="307" r:id="rId17"/>
-    <p:sldId id="310" r:id="rId18"/>
-    <p:sldId id="311" r:id="rId19"/>
-    <p:sldId id="290" r:id="rId20"/>
-    <p:sldId id="275" r:id="rId21"/>
-    <p:sldId id="306" r:id="rId22"/>
-    <p:sldId id="288" r:id="rId23"/>
-    <p:sldId id="296" r:id="rId24"/>
+    <p:sldId id="313" r:id="rId4"/>
+    <p:sldId id="314" r:id="rId5"/>
+    <p:sldId id="315" r:id="rId6"/>
+    <p:sldId id="316" r:id="rId7"/>
+    <p:sldId id="317" r:id="rId8"/>
+    <p:sldId id="284" r:id="rId9"/>
+    <p:sldId id="312" r:id="rId10"/>
+    <p:sldId id="318" r:id="rId11"/>
+    <p:sldId id="319" r:id="rId12"/>
+    <p:sldId id="310" r:id="rId13"/>
+    <p:sldId id="311" r:id="rId14"/>
+    <p:sldId id="275" r:id="rId15"/>
+    <p:sldId id="288" r:id="rId16"/>
+    <p:sldId id="296" r:id="rId17"/>
   </p:sldIdLst>
   <p:sldSz cx="12192000" cy="6858000"/>
   <p:notesSz cx="6858000" cy="9144000"/>
@@ -10114,7 +10107,11 @@
     </dgm:pt>
     <dgm:pt modelId="{6694AF5F-A893-45B2-8C35-8F633C471865}">
       <dgm:prSet phldrT="[Texto]" custT="1"/>
-      <dgm:spPr/>
+      <dgm:spPr>
+        <a:solidFill>
+          <a:srgbClr val="39B300"/>
+        </a:solidFill>
+      </dgm:spPr>
       <dgm:t>
         <a:bodyPr/>
         <a:lstStyle/>
@@ -10623,7 +10620,7 @@
           </a:avLst>
         </a:prstGeom>
         <a:solidFill>
-          <a:srgbClr val="70AD47"/>
+          <a:srgbClr val="39B300"/>
         </a:solidFill>
       </dgm:spPr>
     </dgm:pt>
@@ -10762,7 +10759,7 @@
           </a:avLst>
         </a:prstGeom>
         <a:solidFill>
-          <a:srgbClr val="70AD47"/>
+          <a:srgbClr val="39B300"/>
         </a:solidFill>
         <a:ln>
           <a:solidFill>
@@ -10906,7 +10903,7 @@
           </a:avLst>
         </a:prstGeom>
         <a:solidFill>
-          <a:srgbClr val="70AD47"/>
+          <a:srgbClr val="39B300"/>
         </a:solidFill>
       </dgm:spPr>
     </dgm:pt>
@@ -10959,7 +10956,7 @@
   <dgm:whole/>
   <dgm:extLst>
     <a:ext uri="http://schemas.microsoft.com/office/drawing/2008/diagram">
-      <dsp:dataModelExt xmlns:dsp="http://schemas.microsoft.com/office/drawing/2008/diagram" relId="rId6" minVer="http://schemas.openxmlformats.org/drawingml/2006/diagram"/>
+      <dsp:dataModelExt xmlns:dsp="http://schemas.microsoft.com/office/drawing/2008/diagram" relId="rId7" minVer="http://schemas.openxmlformats.org/drawingml/2006/diagram"/>
     </a:ext>
   </dgm:extLst>
 </dgm:dataModel>
@@ -11044,7 +11041,7 @@
           </a:avLst>
         </a:prstGeom>
         <a:solidFill>
-          <a:srgbClr val="70AD47"/>
+          <a:srgbClr val="39B300"/>
         </a:solidFill>
       </dgm:spPr>
     </dgm:pt>
@@ -11097,7 +11094,7 @@
   <dgm:whole/>
   <dgm:extLst>
     <a:ext uri="http://schemas.microsoft.com/office/drawing/2008/diagram">
-      <dsp:dataModelExt xmlns:dsp="http://schemas.microsoft.com/office/drawing/2008/diagram" relId="rId11" minVer="http://schemas.openxmlformats.org/drawingml/2006/diagram"/>
+      <dsp:dataModelExt xmlns:dsp="http://schemas.microsoft.com/office/drawing/2008/diagram" relId="rId12" minVer="http://schemas.openxmlformats.org/drawingml/2006/diagram"/>
     </a:ext>
   </dgm:extLst>
 </dgm:dataModel>
@@ -11182,7 +11179,7 @@
           </a:avLst>
         </a:prstGeom>
         <a:solidFill>
-          <a:srgbClr val="70AD47"/>
+          <a:srgbClr val="39B300"/>
         </a:solidFill>
       </dgm:spPr>
     </dgm:pt>
@@ -11235,7 +11232,7 @@
   <dgm:whole/>
   <dgm:extLst>
     <a:ext uri="http://schemas.microsoft.com/office/drawing/2008/diagram">
-      <dsp:dataModelExt xmlns:dsp="http://schemas.microsoft.com/office/drawing/2008/diagram" relId="rId16" minVer="http://schemas.openxmlformats.org/drawingml/2006/diagram"/>
+      <dsp:dataModelExt xmlns:dsp="http://schemas.microsoft.com/office/drawing/2008/diagram" relId="rId17" minVer="http://schemas.openxmlformats.org/drawingml/2006/diagram"/>
     </a:ext>
   </dgm:extLst>
 </dgm:dataModel>
@@ -11320,7 +11317,7 @@
           </a:avLst>
         </a:prstGeom>
         <a:solidFill>
-          <a:srgbClr val="70AD47"/>
+          <a:srgbClr val="39B300"/>
         </a:solidFill>
       </dgm:spPr>
     </dgm:pt>
@@ -11459,7 +11456,7 @@
           </a:avLst>
         </a:prstGeom>
         <a:solidFill>
-          <a:srgbClr val="70AD47"/>
+          <a:srgbClr val="39B300"/>
         </a:solidFill>
       </dgm:spPr>
     </dgm:pt>
@@ -11512,7 +11509,7 @@
   <dgm:whole/>
   <dgm:extLst>
     <a:ext uri="http://schemas.microsoft.com/office/drawing/2008/diagram">
-      <dsp:dataModelExt xmlns:dsp="http://schemas.microsoft.com/office/drawing/2008/diagram" relId="rId6" minVer="http://schemas.openxmlformats.org/drawingml/2006/diagram"/>
+      <dsp:dataModelExt xmlns:dsp="http://schemas.microsoft.com/office/drawing/2008/diagram" relId="rId7" minVer="http://schemas.openxmlformats.org/drawingml/2006/diagram"/>
     </a:ext>
   </dgm:extLst>
 </dgm:dataModel>
@@ -11597,7 +11594,7 @@
           </a:avLst>
         </a:prstGeom>
         <a:solidFill>
-          <a:srgbClr val="70AD47"/>
+          <a:srgbClr val="39B300"/>
         </a:solidFill>
       </dgm:spPr>
     </dgm:pt>
@@ -11650,7 +11647,7 @@
   <dgm:whole/>
   <dgm:extLst>
     <a:ext uri="http://schemas.microsoft.com/office/drawing/2008/diagram">
-      <dsp:dataModelExt xmlns:dsp="http://schemas.microsoft.com/office/drawing/2008/diagram" relId="rId11" minVer="http://schemas.openxmlformats.org/drawingml/2006/diagram"/>
+      <dsp:dataModelExt xmlns:dsp="http://schemas.microsoft.com/office/drawing/2008/diagram" relId="rId12" minVer="http://schemas.openxmlformats.org/drawingml/2006/diagram"/>
     </a:ext>
   </dgm:extLst>
 </dgm:dataModel>
@@ -11735,7 +11732,7 @@
           </a:avLst>
         </a:prstGeom>
         <a:solidFill>
-          <a:srgbClr val="70AD47"/>
+          <a:srgbClr val="39B300"/>
         </a:solidFill>
       </dgm:spPr>
     </dgm:pt>
@@ -11788,7 +11785,7 @@
   <dgm:whole/>
   <dgm:extLst>
     <a:ext uri="http://schemas.microsoft.com/office/drawing/2008/diagram">
-      <dsp:dataModelExt xmlns:dsp="http://schemas.microsoft.com/office/drawing/2008/diagram" relId="rId16" minVer="http://schemas.openxmlformats.org/drawingml/2006/diagram"/>
+      <dsp:dataModelExt xmlns:dsp="http://schemas.microsoft.com/office/drawing/2008/diagram" relId="rId17" minVer="http://schemas.openxmlformats.org/drawingml/2006/diagram"/>
     </a:ext>
   </dgm:extLst>
 </dgm:dataModel>
@@ -11873,7 +11870,7 @@
           </a:avLst>
         </a:prstGeom>
         <a:solidFill>
-          <a:srgbClr val="70AD47"/>
+          <a:srgbClr val="39B300"/>
         </a:solidFill>
       </dgm:spPr>
     </dgm:pt>
@@ -11926,7 +11923,7 @@
   <dgm:whole/>
   <dgm:extLst>
     <a:ext uri="http://schemas.microsoft.com/office/drawing/2008/diagram">
-      <dsp:dataModelExt xmlns:dsp="http://schemas.microsoft.com/office/drawing/2008/diagram" relId="rId21" minVer="http://schemas.openxmlformats.org/drawingml/2006/diagram"/>
+      <dsp:dataModelExt xmlns:dsp="http://schemas.microsoft.com/office/drawing/2008/diagram" relId="rId22" minVer="http://schemas.openxmlformats.org/drawingml/2006/diagram"/>
     </a:ext>
   </dgm:extLst>
 </dgm:dataModel>
@@ -12000,12 +11997,7 @@
           <a:avLst/>
         </a:prstGeom>
         <a:solidFill>
-          <a:schemeClr val="accent1">
-            <a:hueOff val="0"/>
-            <a:satOff val="0"/>
-            <a:lumOff val="0"/>
-            <a:alphaOff val="0"/>
-          </a:schemeClr>
+          <a:srgbClr val="39B300"/>
         </a:solidFill>
         <a:ln w="12700" cap="flat" cmpd="sng" algn="ctr">
           <a:solidFill>
@@ -12783,7 +12775,7 @@
           </a:avLst>
         </a:prstGeom>
         <a:solidFill>
-          <a:srgbClr val="70AD47"/>
+          <a:srgbClr val="39B300"/>
         </a:solidFill>
         <a:ln>
           <a:noFill/>
@@ -12942,7 +12934,7 @@
           </a:avLst>
         </a:prstGeom>
         <a:solidFill>
-          <a:srgbClr val="70AD47"/>
+          <a:srgbClr val="39B300"/>
         </a:solidFill>
         <a:ln>
           <a:solidFill>
@@ -13103,7 +13095,7 @@
           </a:avLst>
         </a:prstGeom>
         <a:solidFill>
-          <a:srgbClr val="70AD47"/>
+          <a:srgbClr val="39B300"/>
         </a:solidFill>
         <a:ln>
           <a:noFill/>
@@ -13262,7 +13254,7 @@
           </a:avLst>
         </a:prstGeom>
         <a:solidFill>
-          <a:srgbClr val="70AD47"/>
+          <a:srgbClr val="39B300"/>
         </a:solidFill>
         <a:ln>
           <a:noFill/>
@@ -13420,7 +13412,7 @@
           </a:avLst>
         </a:prstGeom>
         <a:solidFill>
-          <a:srgbClr val="70AD47"/>
+          <a:srgbClr val="39B300"/>
         </a:solidFill>
         <a:ln>
           <a:noFill/>
@@ -13578,7 +13570,7 @@
           </a:avLst>
         </a:prstGeom>
         <a:solidFill>
-          <a:srgbClr val="70AD47"/>
+          <a:srgbClr val="39B300"/>
         </a:solidFill>
         <a:ln>
           <a:noFill/>
@@ -13736,7 +13728,7 @@
           </a:avLst>
         </a:prstGeom>
         <a:solidFill>
-          <a:srgbClr val="70AD47"/>
+          <a:srgbClr val="39B300"/>
         </a:solidFill>
         <a:ln>
           <a:noFill/>
@@ -13895,7 +13887,7 @@
           </a:avLst>
         </a:prstGeom>
         <a:solidFill>
-          <a:srgbClr val="70AD47"/>
+          <a:srgbClr val="39B300"/>
         </a:solidFill>
         <a:ln>
           <a:noFill/>
@@ -14053,7 +14045,7 @@
           </a:avLst>
         </a:prstGeom>
         <a:solidFill>
-          <a:srgbClr val="70AD47"/>
+          <a:srgbClr val="39B300"/>
         </a:solidFill>
         <a:ln>
           <a:noFill/>
@@ -14211,7 +14203,7 @@
           </a:avLst>
         </a:prstGeom>
         <a:solidFill>
-          <a:srgbClr val="70AD47"/>
+          <a:srgbClr val="39B300"/>
         </a:solidFill>
         <a:ln>
           <a:noFill/>
@@ -29348,7 +29340,7 @@
           <a:p>
             <a:fld id="{9B0668C0-2704-4EB4-9C25-B8C9552B8CBB}" type="datetimeFigureOut">
               <a:rPr lang="pt-BR" smtClean="0"/>
-              <a:t>13/11/2019</a:t>
+              <a:t>22/11/2019</a:t>
             </a:fld>
             <a:endParaRPr lang="pt-BR"/>
           </a:p>
@@ -29848,7 +29840,7 @@
           <a:p>
             <a:fld id="{5CF7CA47-18C6-4698-AAB6-6FBB128E5F85}" type="slidenum">
               <a:rPr lang="pt-BR" smtClean="0"/>
-              <a:t>23</a:t>
+              <a:t>16</a:t>
             </a:fld>
             <a:endParaRPr lang="pt-BR"/>
           </a:p>
@@ -30014,7 +30006,7 @@
           <a:p>
             <a:fld id="{D8BCA7B2-8C05-43B8-BABA-DC4379CBF90D}" type="datetimeFigureOut">
               <a:rPr lang="pt-BR" smtClean="0"/>
-              <a:t>13/11/2019</a:t>
+              <a:t>22/11/2019</a:t>
             </a:fld>
             <a:endParaRPr lang="pt-BR"/>
           </a:p>
@@ -30212,7 +30204,7 @@
           <a:p>
             <a:fld id="{D8BCA7B2-8C05-43B8-BABA-DC4379CBF90D}" type="datetimeFigureOut">
               <a:rPr lang="pt-BR" smtClean="0"/>
-              <a:t>13/11/2019</a:t>
+              <a:t>22/11/2019</a:t>
             </a:fld>
             <a:endParaRPr lang="pt-BR"/>
           </a:p>
@@ -30420,7 +30412,7 @@
           <a:p>
             <a:fld id="{D8BCA7B2-8C05-43B8-BABA-DC4379CBF90D}" type="datetimeFigureOut">
               <a:rPr lang="pt-BR" smtClean="0"/>
-              <a:t>13/11/2019</a:t>
+              <a:t>22/11/2019</a:t>
             </a:fld>
             <a:endParaRPr lang="pt-BR"/>
           </a:p>
@@ -30618,7 +30610,7 @@
           <a:p>
             <a:fld id="{D8BCA7B2-8C05-43B8-BABA-DC4379CBF90D}" type="datetimeFigureOut">
               <a:rPr lang="pt-BR" smtClean="0"/>
-              <a:t>13/11/2019</a:t>
+              <a:t>22/11/2019</a:t>
             </a:fld>
             <a:endParaRPr lang="pt-BR"/>
           </a:p>
@@ -30893,7 +30885,7 @@
           <a:p>
             <a:fld id="{D8BCA7B2-8C05-43B8-BABA-DC4379CBF90D}" type="datetimeFigureOut">
               <a:rPr lang="pt-BR" smtClean="0"/>
-              <a:t>13/11/2019</a:t>
+              <a:t>22/11/2019</a:t>
             </a:fld>
             <a:endParaRPr lang="pt-BR"/>
           </a:p>
@@ -31158,7 +31150,7 @@
           <a:p>
             <a:fld id="{D8BCA7B2-8C05-43B8-BABA-DC4379CBF90D}" type="datetimeFigureOut">
               <a:rPr lang="pt-BR" smtClean="0"/>
-              <a:t>13/11/2019</a:t>
+              <a:t>22/11/2019</a:t>
             </a:fld>
             <a:endParaRPr lang="pt-BR"/>
           </a:p>
@@ -31570,7 +31562,7 @@
           <a:p>
             <a:fld id="{D8BCA7B2-8C05-43B8-BABA-DC4379CBF90D}" type="datetimeFigureOut">
               <a:rPr lang="pt-BR" smtClean="0"/>
-              <a:t>13/11/2019</a:t>
+              <a:t>22/11/2019</a:t>
             </a:fld>
             <a:endParaRPr lang="pt-BR"/>
           </a:p>
@@ -31711,7 +31703,7 @@
           <a:p>
             <a:fld id="{D8BCA7B2-8C05-43B8-BABA-DC4379CBF90D}" type="datetimeFigureOut">
               <a:rPr lang="pt-BR" smtClean="0"/>
-              <a:t>13/11/2019</a:t>
+              <a:t>22/11/2019</a:t>
             </a:fld>
             <a:endParaRPr lang="pt-BR"/>
           </a:p>
@@ -31824,7 +31816,7 @@
           <a:p>
             <a:fld id="{D8BCA7B2-8C05-43B8-BABA-DC4379CBF90D}" type="datetimeFigureOut">
               <a:rPr lang="pt-BR" smtClean="0"/>
-              <a:t>13/11/2019</a:t>
+              <a:t>22/11/2019</a:t>
             </a:fld>
             <a:endParaRPr lang="pt-BR"/>
           </a:p>
@@ -32135,7 +32127,7 @@
           <a:p>
             <a:fld id="{D8BCA7B2-8C05-43B8-BABA-DC4379CBF90D}" type="datetimeFigureOut">
               <a:rPr lang="pt-BR" smtClean="0"/>
-              <a:t>13/11/2019</a:t>
+              <a:t>22/11/2019</a:t>
             </a:fld>
             <a:endParaRPr lang="pt-BR"/>
           </a:p>
@@ -32423,7 +32415,7 @@
           <a:p>
             <a:fld id="{D8BCA7B2-8C05-43B8-BABA-DC4379CBF90D}" type="datetimeFigureOut">
               <a:rPr lang="pt-BR" smtClean="0"/>
-              <a:t>13/11/2019</a:t>
+              <a:t>22/11/2019</a:t>
             </a:fld>
             <a:endParaRPr lang="pt-BR"/>
           </a:p>
@@ -32664,7 +32656,7 @@
           <a:p>
             <a:fld id="{D8BCA7B2-8C05-43B8-BABA-DC4379CBF90D}" type="datetimeFigureOut">
               <a:rPr lang="pt-BR" smtClean="0"/>
-              <a:t>13/11/2019</a:t>
+              <a:t>22/11/2019</a:t>
             </a:fld>
             <a:endParaRPr lang="pt-BR"/>
           </a:p>
@@ -33311,45 +33303,10 @@
       </p:grpSpPr>
       <p:sp>
         <p:nvSpPr>
-          <p:cNvPr id="2" name="Título 1">
+          <p:cNvPr id="13" name="Rectangle 12">
             <a:extLst>
               <a:ext uri="{FF2B5EF4-FFF2-40B4-BE49-F238E27FC236}">
-                <a16:creationId xmlns:a16="http://schemas.microsoft.com/office/drawing/2014/main" id="{E0B7F696-990F-4A06-8F6A-14DCE2F6ECEA}"/>
-              </a:ext>
-            </a:extLst>
-          </p:cNvPr>
-          <p:cNvSpPr>
-            <a:spLocks noGrp="1"/>
-          </p:cNvSpPr>
-          <p:nvPr>
-            <p:ph type="title"/>
-          </p:nvPr>
-        </p:nvSpPr>
-        <p:spPr>
-          <a:xfrm>
-            <a:off x="870204" y="606564"/>
-            <a:ext cx="10451592" cy="1325563"/>
-          </a:xfrm>
-        </p:spPr>
-        <p:txBody>
-          <a:bodyPr anchor="ctr">
-            <a:normAutofit/>
-          </a:bodyPr>
-          <a:lstStyle/>
-          <a:p>
-            <a:r>
-              <a:rPr lang="pt-BR" dirty="0"/>
-              <a:t>RISCOS</a:t>
-            </a:r>
-          </a:p>
-        </p:txBody>
-      </p:sp>
-      <p:sp>
-        <p:nvSpPr>
-          <p:cNvPr id="42" name="Rectangle 41">
-            <a:extLst>
-              <a:ext uri="{FF2B5EF4-FFF2-40B4-BE49-F238E27FC236}">
-                <a16:creationId xmlns:a16="http://schemas.microsoft.com/office/drawing/2014/main" id="{A5711A0E-A428-4ED1-96CB-33D69FD842E4}"/>
+                <a16:creationId xmlns:a16="http://schemas.microsoft.com/office/drawing/2014/main" id="{A4AC5506-6312-4701-8D3C-40187889A947}"/>
               </a:ext>
               <a:ext uri="{C183D7F6-B498-43B3-948B-1728B52AA6E4}">
                 <adec:decorative xmlns:adec="http://schemas.microsoft.com/office/drawing/2017/decorative" val="1"/>
@@ -33369,18 +33326,14 @@
         </p:nvSpPr>
         <p:spPr>
           <a:xfrm>
-            <a:off x="1000874" y="2043803"/>
-            <a:ext cx="10190252" cy="80683"/>
+            <a:off x="0" y="651752"/>
+            <a:ext cx="12192000" cy="736551"/>
           </a:xfrm>
           <a:prstGeom prst="rect">
             <a:avLst/>
           </a:prstGeom>
           <a:solidFill>
-            <a:schemeClr val="tx1">
-              <a:lumMod val="50000"/>
-              <a:lumOff val="50000"/>
-              <a:alpha val="65000"/>
-            </a:schemeClr>
+            <a:schemeClr val="tx1"/>
           </a:solidFill>
           <a:ln>
             <a:noFill/>
@@ -33406,46 +33359,60 @@
           <a:bodyPr rtlCol="0" anchor="ctr"/>
           <a:lstStyle/>
           <a:p>
-            <a:pPr marL="0" marR="0" lvl="0" indent="0" algn="ctr" defTabSz="457200" rtl="0" eaLnBrk="1" fontAlgn="auto" latinLnBrk="0" hangingPunct="1">
-              <a:lnSpc>
-                <a:spcPct val="100000"/>
-              </a:lnSpc>
-              <a:spcBef>
-                <a:spcPts val="0"/>
-              </a:spcBef>
-              <a:spcAft>
-                <a:spcPts val="0"/>
-              </a:spcAft>
-              <a:buClrTx/>
-              <a:buSzTx/>
-              <a:buFontTx/>
-              <a:buNone/>
-              <a:tabLst/>
-              <a:defRPr/>
-            </a:pPr>
-            <a:endParaRPr kumimoji="0" lang="en-US" sz="1800" b="0" i="0" u="none" strike="noStrike" kern="1200" cap="none" spc="0" normalizeH="0" baseline="0" noProof="0">
-              <a:ln>
-                <a:noFill/>
-              </a:ln>
-              <a:solidFill>
-                <a:prstClr val="white"/>
-              </a:solidFill>
-              <a:effectLst/>
-              <a:uLnTx/>
-              <a:uFillTx/>
-              <a:latin typeface="Calibri" panose="020F0502020204030204"/>
-              <a:ea typeface="+mn-ea"/>
-              <a:cs typeface="+mn-cs"/>
-            </a:endParaRPr>
+            <a:pPr algn="ctr"/>
+            <a:endParaRPr lang="en-US"/>
+          </a:p>
+        </p:txBody>
+      </p:sp>
+      <p:sp>
+        <p:nvSpPr>
+          <p:cNvPr id="2" name="Título 1">
+            <a:extLst>
+              <a:ext uri="{FF2B5EF4-FFF2-40B4-BE49-F238E27FC236}">
+                <a16:creationId xmlns:a16="http://schemas.microsoft.com/office/drawing/2014/main" id="{E0B7F696-990F-4A06-8F6A-14DCE2F6ECEA}"/>
+              </a:ext>
+            </a:extLst>
+          </p:cNvPr>
+          <p:cNvSpPr>
+            <a:spLocks noGrp="1"/>
+          </p:cNvSpPr>
+          <p:nvPr>
+            <p:ph type="title"/>
+          </p:nvPr>
+        </p:nvSpPr>
+        <p:spPr>
+          <a:xfrm>
+            <a:off x="556532" y="643467"/>
+            <a:ext cx="11210925" cy="744836"/>
+          </a:xfrm>
+        </p:spPr>
+        <p:txBody>
+          <a:bodyPr vert="horz" lIns="91440" tIns="45720" rIns="91440" bIns="45720" rtlCol="0" anchor="ctr">
+            <a:normAutofit/>
+          </a:bodyPr>
+          <a:lstStyle/>
+          <a:p>
+            <a:pPr algn="ctr"/>
+            <a:r>
+              <a:rPr lang="en-US" sz="3200" kern="1200" dirty="0">
+                <a:solidFill>
+                  <a:schemeClr val="bg1"/>
+                </a:solidFill>
+                <a:latin typeface="+mj-lt"/>
+                <a:ea typeface="+mj-ea"/>
+                <a:cs typeface="+mj-cs"/>
+              </a:rPr>
+              <a:t>MOCKUP DE TELAS</a:t>
+            </a:r>
           </a:p>
         </p:txBody>
       </p:sp>
       <p:pic>
         <p:nvPicPr>
-          <p:cNvPr id="7" name="Imagem 6" descr="Uma imagem contendo luz, desenho&#10;&#10;Descrição gerada automaticamente">
+          <p:cNvPr id="8" name="Imagem 7" descr="Uma imagem contendo luz, desenho&#10;&#10;Descrição gerada automaticamente">
             <a:extLst>
               <a:ext uri="{FF2B5EF4-FFF2-40B4-BE49-F238E27FC236}">
-                <a16:creationId xmlns:a16="http://schemas.microsoft.com/office/drawing/2014/main" id="{D48235F0-17F4-4FCF-A6A5-2CFDDD34AA37}"/>
+                <a16:creationId xmlns:a16="http://schemas.microsoft.com/office/drawing/2014/main" id="{65782BA6-080B-47BE-A78A-F5A29CEFBDBD}"/>
               </a:ext>
             </a:extLst>
           </p:cNvPr>
@@ -33468,8 +33435,8 @@
         </p:blipFill>
         <p:spPr>
           <a:xfrm>
-            <a:off x="10229458" y="788862"/>
-            <a:ext cx="926222" cy="1028396"/>
+            <a:off x="11194903" y="667336"/>
+            <a:ext cx="622595" cy="697098"/>
           </a:xfrm>
           <a:prstGeom prst="rect">
             <a:avLst/>
@@ -33478,32 +33445,58 @@
       </p:pic>
       <p:pic>
         <p:nvPicPr>
-          <p:cNvPr id="8" name="Imagem 7">
+          <p:cNvPr id="7" name="Imagem 6">
             <a:extLst>
               <a:ext uri="{FF2B5EF4-FFF2-40B4-BE49-F238E27FC236}">
-                <a16:creationId xmlns:a16="http://schemas.microsoft.com/office/drawing/2014/main" id="{7B40E328-FC72-43C3-9E8D-7987A93283B8}"/>
+                <a16:creationId xmlns:a16="http://schemas.microsoft.com/office/drawing/2014/main" id="{3CAC2B48-DC9D-4FDB-A338-9A4DC138522F}"/>
               </a:ext>
             </a:extLst>
           </p:cNvPr>
-          <p:cNvPicPr/>
+          <p:cNvPicPr>
+            <a:picLocks noChangeAspect="1"/>
+          </p:cNvPicPr>
           <p:nvPr/>
         </p:nvPicPr>
         <p:blipFill>
-          <a:blip r:embed="rId3" cstate="print">
-            <a:extLst>
-              <a:ext uri="{28A0092B-C50C-407E-A947-70E740481C1C}">
-                <a14:useLocalDpi xmlns:a14="http://schemas.microsoft.com/office/drawing/2010/main" val="0"/>
-              </a:ext>
-            </a:extLst>
-          </a:blip>
+          <a:blip r:embed="rId3"/>
           <a:stretch>
             <a:fillRect/>
           </a:stretch>
         </p:blipFill>
         <p:spPr>
           <a:xfrm>
-            <a:off x="328956" y="3109136"/>
-            <a:ext cx="11534088" cy="2144505"/>
+            <a:off x="0" y="2608868"/>
+            <a:ext cx="6096000" cy="3429000"/>
+          </a:xfrm>
+          <a:prstGeom prst="rect">
+            <a:avLst/>
+          </a:prstGeom>
+        </p:spPr>
+      </p:pic>
+      <p:pic>
+        <p:nvPicPr>
+          <p:cNvPr id="9" name="Imagem 8">
+            <a:extLst>
+              <a:ext uri="{FF2B5EF4-FFF2-40B4-BE49-F238E27FC236}">
+                <a16:creationId xmlns:a16="http://schemas.microsoft.com/office/drawing/2014/main" id="{7600E2DD-1563-4E3D-839B-255A7B6AC64D}"/>
+              </a:ext>
+            </a:extLst>
+          </p:cNvPr>
+          <p:cNvPicPr>
+            <a:picLocks noChangeAspect="1"/>
+          </p:cNvPicPr>
+          <p:nvPr/>
+        </p:nvPicPr>
+        <p:blipFill>
+          <a:blip r:embed="rId4"/>
+          <a:stretch>
+            <a:fillRect/>
+          </a:stretch>
+        </p:blipFill>
+        <p:spPr>
+          <a:xfrm>
+            <a:off x="6096000" y="2608868"/>
+            <a:ext cx="6096000" cy="3429000"/>
           </a:xfrm>
           <a:prstGeom prst="rect">
             <a:avLst/>
@@ -33513,7 +33506,7 @@
     </p:spTree>
     <p:extLst>
       <p:ext uri="{BB962C8B-B14F-4D97-AF65-F5344CB8AC3E}">
-        <p14:creationId xmlns:p14="http://schemas.microsoft.com/office/powerpoint/2010/main" val="4102191468"/>
+        <p14:creationId xmlns:p14="http://schemas.microsoft.com/office/powerpoint/2010/main" val="1026054938"/>
       </p:ext>
     </p:extLst>
   </p:cSld>
@@ -33548,81 +33541,12 @@
           <a:chExt cx="0" cy="0"/>
         </a:xfrm>
       </p:grpSpPr>
-      <p:pic>
-        <p:nvPicPr>
-          <p:cNvPr id="6" name="Imagem 5">
+      <p:sp>
+        <p:nvSpPr>
+          <p:cNvPr id="13" name="Rectangle 12">
             <a:extLst>
               <a:ext uri="{FF2B5EF4-FFF2-40B4-BE49-F238E27FC236}">
-                <a16:creationId xmlns:a16="http://schemas.microsoft.com/office/drawing/2014/main" id="{7949DDC3-8A1B-4955-90DC-69F986EED618}"/>
-              </a:ext>
-            </a:extLst>
-          </p:cNvPr>
-          <p:cNvPicPr/>
-          <p:nvPr/>
-        </p:nvPicPr>
-        <p:blipFill>
-          <a:blip r:embed="rId2" cstate="print">
-            <a:extLst>
-              <a:ext uri="{28A0092B-C50C-407E-A947-70E740481C1C}">
-                <a14:useLocalDpi xmlns:a14="http://schemas.microsoft.com/office/drawing/2010/main" val="0"/>
-              </a:ext>
-            </a:extLst>
-          </a:blip>
-          <a:stretch>
-            <a:fillRect/>
-          </a:stretch>
-        </p:blipFill>
-        <p:spPr>
-          <a:xfrm>
-            <a:off x="1444560" y="2650997"/>
-            <a:ext cx="9415118" cy="3732245"/>
-          </a:xfrm>
-          <a:prstGeom prst="rect">
-            <a:avLst/>
-          </a:prstGeom>
-        </p:spPr>
-      </p:pic>
-      <p:sp>
-        <p:nvSpPr>
-          <p:cNvPr id="2" name="Título 1">
-            <a:extLst>
-              <a:ext uri="{FF2B5EF4-FFF2-40B4-BE49-F238E27FC236}">
-                <a16:creationId xmlns:a16="http://schemas.microsoft.com/office/drawing/2014/main" id="{E0B7F696-990F-4A06-8F6A-14DCE2F6ECEA}"/>
-              </a:ext>
-            </a:extLst>
-          </p:cNvPr>
-          <p:cNvSpPr>
-            <a:spLocks noGrp="1"/>
-          </p:cNvSpPr>
-          <p:nvPr>
-            <p:ph type="title"/>
-          </p:nvPr>
-        </p:nvSpPr>
-        <p:spPr>
-          <a:xfrm>
-            <a:off x="870204" y="606564"/>
-            <a:ext cx="10451592" cy="1325563"/>
-          </a:xfrm>
-        </p:spPr>
-        <p:txBody>
-          <a:bodyPr anchor="ctr">
-            <a:normAutofit/>
-          </a:bodyPr>
-          <a:lstStyle/>
-          <a:p>
-            <a:r>
-              <a:rPr lang="pt-BR" dirty="0"/>
-              <a:t>REQUISITOS</a:t>
-            </a:r>
-          </a:p>
-        </p:txBody>
-      </p:sp>
-      <p:sp>
-        <p:nvSpPr>
-          <p:cNvPr id="42" name="Rectangle 41">
-            <a:extLst>
-              <a:ext uri="{FF2B5EF4-FFF2-40B4-BE49-F238E27FC236}">
-                <a16:creationId xmlns:a16="http://schemas.microsoft.com/office/drawing/2014/main" id="{A5711A0E-A428-4ED1-96CB-33D69FD842E4}"/>
+                <a16:creationId xmlns:a16="http://schemas.microsoft.com/office/drawing/2014/main" id="{A4AC5506-6312-4701-8D3C-40187889A947}"/>
               </a:ext>
               <a:ext uri="{C183D7F6-B498-43B3-948B-1728B52AA6E4}">
                 <adec:decorative xmlns:adec="http://schemas.microsoft.com/office/drawing/2017/decorative" val="1"/>
@@ -33642,18 +33566,14 @@
         </p:nvSpPr>
         <p:spPr>
           <a:xfrm>
-            <a:off x="1000874" y="2043803"/>
-            <a:ext cx="10190252" cy="80683"/>
+            <a:off x="0" y="651752"/>
+            <a:ext cx="12192000" cy="736551"/>
           </a:xfrm>
           <a:prstGeom prst="rect">
             <a:avLst/>
           </a:prstGeom>
           <a:solidFill>
-            <a:schemeClr val="tx1">
-              <a:lumMod val="50000"/>
-              <a:lumOff val="50000"/>
-              <a:alpha val="65000"/>
-            </a:schemeClr>
+            <a:schemeClr val="tx1"/>
           </a:solidFill>
           <a:ln>
             <a:noFill/>
@@ -33679,37 +33599,51 @@
           <a:bodyPr rtlCol="0" anchor="ctr"/>
           <a:lstStyle/>
           <a:p>
-            <a:pPr marL="0" marR="0" lvl="0" indent="0" algn="ctr" defTabSz="457200" rtl="0" eaLnBrk="1" fontAlgn="auto" latinLnBrk="0" hangingPunct="1">
-              <a:lnSpc>
-                <a:spcPct val="100000"/>
-              </a:lnSpc>
-              <a:spcBef>
-                <a:spcPts val="0"/>
-              </a:spcBef>
-              <a:spcAft>
-                <a:spcPts val="0"/>
-              </a:spcAft>
-              <a:buClrTx/>
-              <a:buSzTx/>
-              <a:buFontTx/>
-              <a:buNone/>
-              <a:tabLst/>
-              <a:defRPr/>
-            </a:pPr>
-            <a:endParaRPr kumimoji="0" lang="en-US" sz="1800" b="0" i="0" u="none" strike="noStrike" kern="1200" cap="none" spc="0" normalizeH="0" baseline="0" noProof="0">
-              <a:ln>
-                <a:noFill/>
-              </a:ln>
-              <a:solidFill>
-                <a:prstClr val="white"/>
-              </a:solidFill>
-              <a:effectLst/>
-              <a:uLnTx/>
-              <a:uFillTx/>
-              <a:latin typeface="Calibri" panose="020F0502020204030204"/>
-              <a:ea typeface="+mn-ea"/>
-              <a:cs typeface="+mn-cs"/>
-            </a:endParaRPr>
+            <a:pPr algn="ctr"/>
+            <a:endParaRPr lang="en-US"/>
+          </a:p>
+        </p:txBody>
+      </p:sp>
+      <p:sp>
+        <p:nvSpPr>
+          <p:cNvPr id="2" name="Título 1">
+            <a:extLst>
+              <a:ext uri="{FF2B5EF4-FFF2-40B4-BE49-F238E27FC236}">
+                <a16:creationId xmlns:a16="http://schemas.microsoft.com/office/drawing/2014/main" id="{E0B7F696-990F-4A06-8F6A-14DCE2F6ECEA}"/>
+              </a:ext>
+            </a:extLst>
+          </p:cNvPr>
+          <p:cNvSpPr>
+            <a:spLocks noGrp="1"/>
+          </p:cNvSpPr>
+          <p:nvPr>
+            <p:ph type="title"/>
+          </p:nvPr>
+        </p:nvSpPr>
+        <p:spPr>
+          <a:xfrm>
+            <a:off x="556532" y="643467"/>
+            <a:ext cx="11210925" cy="744836"/>
+          </a:xfrm>
+        </p:spPr>
+        <p:txBody>
+          <a:bodyPr vert="horz" lIns="91440" tIns="45720" rIns="91440" bIns="45720" rtlCol="0" anchor="ctr">
+            <a:normAutofit/>
+          </a:bodyPr>
+          <a:lstStyle/>
+          <a:p>
+            <a:pPr algn="ctr"/>
+            <a:r>
+              <a:rPr lang="en-US" sz="3200" kern="1200" dirty="0">
+                <a:solidFill>
+                  <a:schemeClr val="bg1"/>
+                </a:solidFill>
+                <a:latin typeface="+mj-lt"/>
+                <a:ea typeface="+mj-ea"/>
+                <a:cs typeface="+mj-cs"/>
+              </a:rPr>
+              <a:t>USE CASE</a:t>
+            </a:r>
           </a:p>
         </p:txBody>
       </p:sp>
@@ -33718,7 +33652,43 @@
           <p:cNvPr id="8" name="Imagem 7" descr="Uma imagem contendo luz, desenho&#10;&#10;Descrição gerada automaticamente">
             <a:extLst>
               <a:ext uri="{FF2B5EF4-FFF2-40B4-BE49-F238E27FC236}">
-                <a16:creationId xmlns:a16="http://schemas.microsoft.com/office/drawing/2014/main" id="{890AAB64-6F00-4636-8038-D1283F4B4657}"/>
+                <a16:creationId xmlns:a16="http://schemas.microsoft.com/office/drawing/2014/main" id="{65782BA6-080B-47BE-A78A-F5A29CEFBDBD}"/>
+              </a:ext>
+            </a:extLst>
+          </p:cNvPr>
+          <p:cNvPicPr>
+            <a:picLocks noChangeAspect="1"/>
+          </p:cNvPicPr>
+          <p:nvPr/>
+        </p:nvPicPr>
+        <p:blipFill>
+          <a:blip r:embed="rId2">
+            <a:extLst>
+              <a:ext uri="{28A0092B-C50C-407E-A947-70E740481C1C}">
+                <a14:useLocalDpi xmlns:a14="http://schemas.microsoft.com/office/drawing/2010/main" val="0"/>
+              </a:ext>
+            </a:extLst>
+          </a:blip>
+          <a:stretch>
+            <a:fillRect/>
+          </a:stretch>
+        </p:blipFill>
+        <p:spPr>
+          <a:xfrm>
+            <a:off x="11194903" y="667336"/>
+            <a:ext cx="622595" cy="697098"/>
+          </a:xfrm>
+          <a:prstGeom prst="rect">
+            <a:avLst/>
+          </a:prstGeom>
+        </p:spPr>
+      </p:pic>
+      <p:pic>
+        <p:nvPicPr>
+          <p:cNvPr id="10" name="Imagem 9" descr="Uma imagem contendo texto, mapa, traçado&#10;&#10;Descrição gerada automaticamente">
+            <a:extLst>
+              <a:ext uri="{FF2B5EF4-FFF2-40B4-BE49-F238E27FC236}">
+                <a16:creationId xmlns:a16="http://schemas.microsoft.com/office/drawing/2014/main" id="{D0FAA275-D44D-492A-822D-D86E87CF06BA}"/>
               </a:ext>
             </a:extLst>
           </p:cNvPr>
@@ -33741,8 +33711,8 @@
         </p:blipFill>
         <p:spPr>
           <a:xfrm>
-            <a:off x="10229458" y="788862"/>
-            <a:ext cx="926222" cy="1028396"/>
+            <a:off x="2464108" y="1818640"/>
+            <a:ext cx="7263784" cy="4749025"/>
           </a:xfrm>
           <a:prstGeom prst="rect">
             <a:avLst/>
@@ -33752,7 +33722,7 @@
     </p:spTree>
     <p:extLst>
       <p:ext uri="{BB962C8B-B14F-4D97-AF65-F5344CB8AC3E}">
-        <p14:creationId xmlns:p14="http://schemas.microsoft.com/office/powerpoint/2010/main" val="1960537697"/>
+        <p14:creationId xmlns:p14="http://schemas.microsoft.com/office/powerpoint/2010/main" val="2480215450"/>
       </p:ext>
     </p:extLst>
   </p:cSld>
@@ -33787,86 +33757,12 @@
           <a:chExt cx="0" cy="0"/>
         </a:xfrm>
       </p:grpSpPr>
-      <p:pic>
-        <p:nvPicPr>
-          <p:cNvPr id="6" name="Imagem 5">
+      <p:sp>
+        <p:nvSpPr>
+          <p:cNvPr id="20" name="Rectangle 19">
             <a:extLst>
               <a:ext uri="{FF2B5EF4-FFF2-40B4-BE49-F238E27FC236}">
-                <a16:creationId xmlns:a16="http://schemas.microsoft.com/office/drawing/2014/main" id="{73259F94-0F75-4C73-AC20-4C4EBF655E6E}"/>
-              </a:ext>
-            </a:extLst>
-          </p:cNvPr>
-          <p:cNvPicPr/>
-          <p:nvPr/>
-        </p:nvPicPr>
-        <p:blipFill>
-          <a:blip r:embed="rId2" cstate="print">
-            <a:extLst>
-              <a:ext uri="{28A0092B-C50C-407E-A947-70E740481C1C}">
-                <a14:useLocalDpi xmlns:a14="http://schemas.microsoft.com/office/drawing/2010/main" val="0"/>
-              </a:ext>
-            </a:extLst>
-          </a:blip>
-          <a:srcRect/>
-          <a:stretch>
-            <a:fillRect/>
-          </a:stretch>
-        </p:blipFill>
-        <p:spPr bwMode="auto">
-          <a:xfrm>
-            <a:off x="1124176" y="2144625"/>
-            <a:ext cx="10602768" cy="5170575"/>
-          </a:xfrm>
-          <a:prstGeom prst="rect">
-            <a:avLst/>
-          </a:prstGeom>
-          <a:noFill/>
-          <a:ln>
-            <a:noFill/>
-          </a:ln>
-        </p:spPr>
-      </p:pic>
-      <p:sp>
-        <p:nvSpPr>
-          <p:cNvPr id="2" name="Título 1">
-            <a:extLst>
-              <a:ext uri="{FF2B5EF4-FFF2-40B4-BE49-F238E27FC236}">
-                <a16:creationId xmlns:a16="http://schemas.microsoft.com/office/drawing/2014/main" id="{E0B7F696-990F-4A06-8F6A-14DCE2F6ECEA}"/>
-              </a:ext>
-            </a:extLst>
-          </p:cNvPr>
-          <p:cNvSpPr>
-            <a:spLocks noGrp="1"/>
-          </p:cNvSpPr>
-          <p:nvPr>
-            <p:ph type="title"/>
-          </p:nvPr>
-        </p:nvSpPr>
-        <p:spPr>
-          <a:xfrm>
-            <a:off x="870204" y="606564"/>
-            <a:ext cx="10451592" cy="1325563"/>
-          </a:xfrm>
-        </p:spPr>
-        <p:txBody>
-          <a:bodyPr anchor="ctr">
-            <a:normAutofit/>
-          </a:bodyPr>
-          <a:lstStyle/>
-          <a:p>
-            <a:r>
-              <a:rPr lang="pt-BR" dirty="0"/>
-              <a:t>SOLUÇÃO TÉCNICA</a:t>
-            </a:r>
-          </a:p>
-        </p:txBody>
-      </p:sp>
-      <p:sp>
-        <p:nvSpPr>
-          <p:cNvPr id="42" name="Rectangle 41">
-            <a:extLst>
-              <a:ext uri="{FF2B5EF4-FFF2-40B4-BE49-F238E27FC236}">
-                <a16:creationId xmlns:a16="http://schemas.microsoft.com/office/drawing/2014/main" id="{A5711A0E-A428-4ED1-96CB-33D69FD842E4}"/>
+                <a16:creationId xmlns:a16="http://schemas.microsoft.com/office/drawing/2014/main" id="{3BAFD176-D4C4-45B9-8D6E-C25F94C5CBE0}"/>
               </a:ext>
               <a:ext uri="{C183D7F6-B498-43B3-948B-1728B52AA6E4}">
                 <adec:decorative xmlns:adec="http://schemas.microsoft.com/office/drawing/2017/decorative" val="1"/>
@@ -33886,18 +33782,14 @@
         </p:nvSpPr>
         <p:spPr>
           <a:xfrm>
-            <a:off x="1000874" y="2043803"/>
-            <a:ext cx="10190252" cy="80683"/>
+            <a:off x="0" y="0"/>
+            <a:ext cx="12191999" cy="2285999"/>
           </a:xfrm>
           <a:prstGeom prst="rect">
             <a:avLst/>
           </a:prstGeom>
           <a:solidFill>
-            <a:schemeClr val="tx1">
-              <a:lumMod val="50000"/>
-              <a:lumOff val="50000"/>
-              <a:alpha val="65000"/>
-            </a:schemeClr>
+            <a:schemeClr val="tx1"/>
           </a:solidFill>
           <a:ln>
             <a:noFill/>
@@ -33923,7 +33815,7 @@
           <a:bodyPr rtlCol="0" anchor="ctr"/>
           <a:lstStyle/>
           <a:p>
-            <a:pPr marL="0" marR="0" lvl="0" indent="0" algn="ctr" defTabSz="457200" rtl="0" eaLnBrk="1" fontAlgn="auto" latinLnBrk="0" hangingPunct="1">
+            <a:pPr marL="0" marR="0" lvl="0" indent="0" algn="ctr" defTabSz="914400" rtl="0" eaLnBrk="1" fontAlgn="auto" latinLnBrk="0" hangingPunct="1">
               <a:lnSpc>
                 <a:spcPct val="100000"/>
               </a:lnSpc>
@@ -33957,12 +33849,397 @@
           </a:p>
         </p:txBody>
       </p:sp>
+      <p:sp>
+        <p:nvSpPr>
+          <p:cNvPr id="2" name="Título 1">
+            <a:extLst>
+              <a:ext uri="{FF2B5EF4-FFF2-40B4-BE49-F238E27FC236}">
+                <a16:creationId xmlns:a16="http://schemas.microsoft.com/office/drawing/2014/main" id="{E0B7F696-990F-4A06-8F6A-14DCE2F6ECEA}"/>
+              </a:ext>
+            </a:extLst>
+          </p:cNvPr>
+          <p:cNvSpPr>
+            <a:spLocks noGrp="1"/>
+          </p:cNvSpPr>
+          <p:nvPr>
+            <p:ph type="title"/>
+          </p:nvPr>
+        </p:nvSpPr>
+        <p:spPr>
+          <a:xfrm>
+            <a:off x="960120" y="434101"/>
+            <a:ext cx="9552448" cy="1232750"/>
+          </a:xfrm>
+        </p:spPr>
+        <p:txBody>
+          <a:bodyPr anchor="b">
+            <a:normAutofit/>
+          </a:bodyPr>
+          <a:lstStyle/>
+          <a:p>
+            <a:r>
+              <a:rPr lang="pt-BR">
+                <a:solidFill>
+                  <a:schemeClr val="bg1"/>
+                </a:solidFill>
+              </a:rPr>
+              <a:t>Power BI</a:t>
+            </a:r>
+          </a:p>
+        </p:txBody>
+      </p:sp>
+      <p:cxnSp>
+        <p:nvCxnSpPr>
+          <p:cNvPr id="22" name="Straight Connector 21">
+            <a:extLst>
+              <a:ext uri="{FF2B5EF4-FFF2-40B4-BE49-F238E27FC236}">
+                <a16:creationId xmlns:a16="http://schemas.microsoft.com/office/drawing/2014/main" id="{E85B2D6B-877E-4599-A643-756FB8601309}"/>
+              </a:ext>
+              <a:ext uri="{C183D7F6-B498-43B3-948B-1728B52AA6E4}">
+                <adec:decorative xmlns:adec="http://schemas.microsoft.com/office/drawing/2017/decorative" val="1"/>
+              </a:ext>
+            </a:extLst>
+          </p:cNvPr>
+          <p:cNvCxnSpPr>
+            <a:cxnSpLocks noGrp="1" noRot="1" noChangeAspect="1" noMove="1" noResize="1" noEditPoints="1" noAdjustHandles="1" noChangeArrowheads="1" noChangeShapeType="1"/>
+          </p:cNvCxnSpPr>
+          <p:nvPr>
+            <p:extLst>
+              <p:ext uri="{386F3935-93C4-4BCD-93E2-E3B085C9AB24}">
+                <p16:designElem xmlns:p16="http://schemas.microsoft.com/office/powerpoint/2015/main" val="1"/>
+              </p:ext>
+            </p:extLst>
+          </p:nvPr>
+        </p:nvCxnSpPr>
+        <p:spPr>
+          <a:xfrm>
+            <a:off x="-1" y="1676579"/>
+            <a:ext cx="10627630" cy="0"/>
+          </a:xfrm>
+          <a:prstGeom prst="line">
+            <a:avLst/>
+          </a:prstGeom>
+          <a:ln w="25400">
+            <a:solidFill>
+              <a:schemeClr val="bg1"/>
+            </a:solidFill>
+          </a:ln>
+        </p:spPr>
+        <p:style>
+          <a:lnRef idx="1">
+            <a:schemeClr val="accent1"/>
+          </a:lnRef>
+          <a:fillRef idx="0">
+            <a:schemeClr val="accent1"/>
+          </a:fillRef>
+          <a:effectRef idx="0">
+            <a:schemeClr val="accent1"/>
+          </a:effectRef>
+          <a:fontRef idx="minor">
+            <a:schemeClr val="tx1"/>
+          </a:fontRef>
+        </p:style>
+      </p:cxnSp>
+      <p:sp>
+        <p:nvSpPr>
+          <p:cNvPr id="24" name="Freeform 6">
+            <a:extLst>
+              <a:ext uri="{FF2B5EF4-FFF2-40B4-BE49-F238E27FC236}">
+                <a16:creationId xmlns:a16="http://schemas.microsoft.com/office/drawing/2014/main" id="{9514E575-433A-4266-8C2D-C2BD62D81BE6}"/>
+              </a:ext>
+              <a:ext uri="{C183D7F6-B498-43B3-948B-1728B52AA6E4}">
+                <adec:decorative xmlns:adec="http://schemas.microsoft.com/office/drawing/2017/decorative" val="1"/>
+              </a:ext>
+            </a:extLst>
+          </p:cNvPr>
+          <p:cNvSpPr>
+            <a:spLocks noGrp="1" noRot="1" noChangeAspect="1" noMove="1" noResize="1" noEditPoints="1" noAdjustHandles="1" noChangeArrowheads="1" noChangeShapeType="1" noTextEdit="1"/>
+          </p:cNvSpPr>
+          <p:nvPr>
+            <p:extLst>
+              <p:ext uri="{386F3935-93C4-4BCD-93E2-E3B085C9AB24}">
+                <p16:designElem xmlns:p16="http://schemas.microsoft.com/office/powerpoint/2015/main" val="1"/>
+              </p:ext>
+            </p:extLst>
+          </p:nvPr>
+        </p:nvSpPr>
+        <p:spPr bwMode="auto">
+          <a:xfrm>
+            <a:off x="11784011" y="938535"/>
+            <a:ext cx="407988" cy="819150"/>
+          </a:xfrm>
+          <a:custGeom>
+            <a:avLst/>
+            <a:gdLst/>
+            <a:ahLst/>
+            <a:cxnLst/>
+            <a:rect l="0" t="0" r="r" b="b"/>
+            <a:pathLst>
+              <a:path w="1799" h="3612">
+                <a:moveTo>
+                  <a:pt x="1799" y="0"/>
+                </a:moveTo>
+                <a:lnTo>
+                  <a:pt x="1799" y="3612"/>
+                </a:lnTo>
+                <a:lnTo>
+                  <a:pt x="1686" y="3609"/>
+                </a:lnTo>
+                <a:lnTo>
+                  <a:pt x="1574" y="3598"/>
+                </a:lnTo>
+                <a:lnTo>
+                  <a:pt x="1464" y="3581"/>
+                </a:lnTo>
+                <a:lnTo>
+                  <a:pt x="1357" y="3557"/>
+                </a:lnTo>
+                <a:lnTo>
+                  <a:pt x="1251" y="3527"/>
+                </a:lnTo>
+                <a:lnTo>
+                  <a:pt x="1150" y="3490"/>
+                </a:lnTo>
+                <a:lnTo>
+                  <a:pt x="1050" y="3448"/>
+                </a:lnTo>
+                <a:lnTo>
+                  <a:pt x="953" y="3401"/>
+                </a:lnTo>
+                <a:lnTo>
+                  <a:pt x="860" y="3347"/>
+                </a:lnTo>
+                <a:lnTo>
+                  <a:pt x="771" y="3289"/>
+                </a:lnTo>
+                <a:lnTo>
+                  <a:pt x="686" y="3224"/>
+                </a:lnTo>
+                <a:lnTo>
+                  <a:pt x="604" y="3156"/>
+                </a:lnTo>
+                <a:lnTo>
+                  <a:pt x="527" y="3083"/>
+                </a:lnTo>
+                <a:lnTo>
+                  <a:pt x="454" y="3005"/>
+                </a:lnTo>
+                <a:lnTo>
+                  <a:pt x="386" y="2923"/>
+                </a:lnTo>
+                <a:lnTo>
+                  <a:pt x="323" y="2838"/>
+                </a:lnTo>
+                <a:lnTo>
+                  <a:pt x="265" y="2748"/>
+                </a:lnTo>
+                <a:lnTo>
+                  <a:pt x="211" y="2655"/>
+                </a:lnTo>
+                <a:lnTo>
+                  <a:pt x="163" y="2559"/>
+                </a:lnTo>
+                <a:lnTo>
+                  <a:pt x="121" y="2459"/>
+                </a:lnTo>
+                <a:lnTo>
+                  <a:pt x="85" y="2356"/>
+                </a:lnTo>
+                <a:lnTo>
+                  <a:pt x="55" y="2251"/>
+                </a:lnTo>
+                <a:lnTo>
+                  <a:pt x="32" y="2143"/>
+                </a:lnTo>
+                <a:lnTo>
+                  <a:pt x="14" y="2033"/>
+                </a:lnTo>
+                <a:lnTo>
+                  <a:pt x="4" y="1920"/>
+                </a:lnTo>
+                <a:lnTo>
+                  <a:pt x="0" y="1806"/>
+                </a:lnTo>
+                <a:lnTo>
+                  <a:pt x="4" y="1692"/>
+                </a:lnTo>
+                <a:lnTo>
+                  <a:pt x="14" y="1580"/>
+                </a:lnTo>
+                <a:lnTo>
+                  <a:pt x="32" y="1469"/>
+                </a:lnTo>
+                <a:lnTo>
+                  <a:pt x="55" y="1362"/>
+                </a:lnTo>
+                <a:lnTo>
+                  <a:pt x="85" y="1256"/>
+                </a:lnTo>
+                <a:lnTo>
+                  <a:pt x="121" y="1154"/>
+                </a:lnTo>
+                <a:lnTo>
+                  <a:pt x="163" y="1054"/>
+                </a:lnTo>
+                <a:lnTo>
+                  <a:pt x="211" y="958"/>
+                </a:lnTo>
+                <a:lnTo>
+                  <a:pt x="265" y="864"/>
+                </a:lnTo>
+                <a:lnTo>
+                  <a:pt x="323" y="774"/>
+                </a:lnTo>
+                <a:lnTo>
+                  <a:pt x="386" y="689"/>
+                </a:lnTo>
+                <a:lnTo>
+                  <a:pt x="454" y="607"/>
+                </a:lnTo>
+                <a:lnTo>
+                  <a:pt x="527" y="529"/>
+                </a:lnTo>
+                <a:lnTo>
+                  <a:pt x="604" y="456"/>
+                </a:lnTo>
+                <a:lnTo>
+                  <a:pt x="686" y="388"/>
+                </a:lnTo>
+                <a:lnTo>
+                  <a:pt x="771" y="325"/>
+                </a:lnTo>
+                <a:lnTo>
+                  <a:pt x="860" y="266"/>
+                </a:lnTo>
+                <a:lnTo>
+                  <a:pt x="953" y="212"/>
+                </a:lnTo>
+                <a:lnTo>
+                  <a:pt x="1050" y="164"/>
+                </a:lnTo>
+                <a:lnTo>
+                  <a:pt x="1150" y="122"/>
+                </a:lnTo>
+                <a:lnTo>
+                  <a:pt x="1251" y="85"/>
+                </a:lnTo>
+                <a:lnTo>
+                  <a:pt x="1357" y="55"/>
+                </a:lnTo>
+                <a:lnTo>
+                  <a:pt x="1464" y="32"/>
+                </a:lnTo>
+                <a:lnTo>
+                  <a:pt x="1574" y="14"/>
+                </a:lnTo>
+                <a:lnTo>
+                  <a:pt x="1686" y="5"/>
+                </a:lnTo>
+                <a:lnTo>
+                  <a:pt x="1799" y="0"/>
+                </a:lnTo>
+                <a:close/>
+              </a:path>
+            </a:pathLst>
+          </a:custGeom>
+          <a:solidFill>
+            <a:schemeClr val="bg1"/>
+          </a:solidFill>
+          <a:ln w="0">
+            <a:noFill/>
+            <a:prstDash val="solid"/>
+            <a:round/>
+            <a:headEnd/>
+            <a:tailEnd/>
+          </a:ln>
+        </p:spPr>
+      </p:sp>
+      <p:sp>
+        <p:nvSpPr>
+          <p:cNvPr id="8" name="Espaço Reservado para Conteúdo 2">
+            <a:extLst>
+              <a:ext uri="{FF2B5EF4-FFF2-40B4-BE49-F238E27FC236}">
+                <a16:creationId xmlns:a16="http://schemas.microsoft.com/office/drawing/2014/main" id="{9ADC2E69-CA9A-45D3-BC10-5A389B7FA333}"/>
+              </a:ext>
+            </a:extLst>
+          </p:cNvPr>
+          <p:cNvSpPr>
+            <a:spLocks noGrp="1"/>
+          </p:cNvSpPr>
+          <p:nvPr>
+            <p:ph idx="1"/>
+          </p:nvPr>
+        </p:nvSpPr>
+        <p:spPr>
+          <a:xfrm>
+            <a:off x="960119" y="2919937"/>
+            <a:ext cx="5943191" cy="3341164"/>
+          </a:xfrm>
+        </p:spPr>
+        <p:txBody>
+          <a:bodyPr>
+            <a:normAutofit/>
+          </a:bodyPr>
+          <a:lstStyle/>
+          <a:p>
+            <a:r>
+              <a:rPr lang="pt-BR" sz="2200">
+                <a:latin typeface="+mj-lt"/>
+              </a:rPr>
+              <a:t>Analisar, visualizar e compartilhar dados</a:t>
+            </a:r>
+          </a:p>
+          <a:p>
+            <a:r>
+              <a:rPr lang="pt-BR" sz="2200">
+                <a:latin typeface="+mj-lt"/>
+              </a:rPr>
+              <a:t>Se conecta com praticamente todas as fontes de dados existentes</a:t>
+            </a:r>
+          </a:p>
+          <a:p>
+            <a:r>
+              <a:rPr lang="pt-BR" sz="2200">
+                <a:latin typeface="+mj-lt"/>
+              </a:rPr>
+              <a:t>Receber relatórios via e-mail automaticamente</a:t>
+            </a:r>
+          </a:p>
+          <a:p>
+            <a:r>
+              <a:rPr lang="pt-BR" sz="2200">
+                <a:latin typeface="+mj-lt"/>
+              </a:rPr>
+              <a:t>Stream analytics em tempo real</a:t>
+            </a:r>
+          </a:p>
+          <a:p>
+            <a:r>
+              <a:rPr lang="pt-BR" sz="2200">
+                <a:latin typeface="+mj-lt"/>
+              </a:rPr>
+              <a:t>Visão de 360 graus</a:t>
+            </a:r>
+          </a:p>
+          <a:p>
+            <a:r>
+              <a:rPr lang="pt-BR" sz="2200">
+                <a:latin typeface="+mj-lt"/>
+              </a:rPr>
+              <a:t>Tomada de decisões</a:t>
+            </a:r>
+          </a:p>
+          <a:p>
+            <a:endParaRPr lang="pt-BR" sz="2200"/>
+          </a:p>
+        </p:txBody>
+      </p:sp>
       <p:pic>
         <p:nvPicPr>
-          <p:cNvPr id="8" name="Imagem 7" descr="Uma imagem contendo luz, desenho&#10;&#10;Descrição gerada automaticamente">
+          <p:cNvPr id="7" name="Imagem 6" descr="Uma imagem contendo luz, desenho&#10;&#10;Descrição gerada automaticamente">
             <a:extLst>
               <a:ext uri="{FF2B5EF4-FFF2-40B4-BE49-F238E27FC236}">
-                <a16:creationId xmlns:a16="http://schemas.microsoft.com/office/drawing/2014/main" id="{65782BA6-080B-47BE-A78A-F5A29CEFBDBD}"/>
+                <a16:creationId xmlns:a16="http://schemas.microsoft.com/office/drawing/2014/main" id="{4BBAED0D-DA47-485B-B961-5992667A428B}"/>
               </a:ext>
             </a:extLst>
           </p:cNvPr>
@@ -33972,7 +34249,7 @@
           <p:nvPr/>
         </p:nvPicPr>
         <p:blipFill>
-          <a:blip r:embed="rId3">
+          <a:blip r:embed="rId2">
             <a:extLst>
               <a:ext uri="{28A0092B-C50C-407E-A947-70E740481C1C}">
                 <a14:useLocalDpi xmlns:a14="http://schemas.microsoft.com/office/drawing/2010/main" val="0"/>
@@ -33985,8 +34262,8 @@
         </p:blipFill>
         <p:spPr>
           <a:xfrm>
-            <a:off x="10229458" y="788862"/>
-            <a:ext cx="926222" cy="1028396"/>
+            <a:off x="8010583" y="3013658"/>
+            <a:ext cx="2486265" cy="2762517"/>
           </a:xfrm>
           <a:prstGeom prst="rect">
             <a:avLst/>
@@ -33996,7 +34273,7 @@
     </p:spTree>
     <p:extLst>
       <p:ext uri="{BB962C8B-B14F-4D97-AF65-F5344CB8AC3E}">
-        <p14:creationId xmlns:p14="http://schemas.microsoft.com/office/powerpoint/2010/main" val="3475096275"/>
+        <p14:creationId xmlns:p14="http://schemas.microsoft.com/office/powerpoint/2010/main" val="1298932341"/>
       </p:ext>
     </p:extLst>
   </p:cSld>
@@ -34061,1389 +34338,8 @@
           <a:p>
             <a:r>
               <a:rPr lang="pt-BR" dirty="0"/>
-              <a:t>BANCO DE DADOS</a:t>
-            </a:r>
-          </a:p>
-        </p:txBody>
-      </p:sp>
-      <p:sp>
-        <p:nvSpPr>
-          <p:cNvPr id="42" name="Rectangle 41">
-            <a:extLst>
-              <a:ext uri="{FF2B5EF4-FFF2-40B4-BE49-F238E27FC236}">
-                <a16:creationId xmlns:a16="http://schemas.microsoft.com/office/drawing/2014/main" id="{A5711A0E-A428-4ED1-96CB-33D69FD842E4}"/>
-              </a:ext>
-              <a:ext uri="{C183D7F6-B498-43B3-948B-1728B52AA6E4}">
-                <adec:decorative xmlns:adec="http://schemas.microsoft.com/office/drawing/2017/decorative" val="1"/>
-              </a:ext>
-            </a:extLst>
-          </p:cNvPr>
-          <p:cNvSpPr>
-            <a:spLocks noGrp="1" noRot="1" noChangeAspect="1" noMove="1" noResize="1" noEditPoints="1" noAdjustHandles="1" noChangeArrowheads="1" noChangeShapeType="1" noTextEdit="1"/>
-          </p:cNvSpPr>
-          <p:nvPr>
-            <p:extLst>
-              <p:ext uri="{386F3935-93C4-4BCD-93E2-E3B085C9AB24}">
-                <p16:designElem xmlns:p16="http://schemas.microsoft.com/office/powerpoint/2015/main" val="1"/>
-              </p:ext>
-            </p:extLst>
-          </p:nvPr>
-        </p:nvSpPr>
-        <p:spPr>
-          <a:xfrm>
-            <a:off x="1000874" y="2043803"/>
-            <a:ext cx="10190252" cy="80683"/>
-          </a:xfrm>
-          <a:prstGeom prst="rect">
-            <a:avLst/>
-          </a:prstGeom>
-          <a:solidFill>
-            <a:schemeClr val="tx1">
-              <a:lumMod val="50000"/>
-              <a:lumOff val="50000"/>
-              <a:alpha val="65000"/>
-            </a:schemeClr>
-          </a:solidFill>
-          <a:ln>
-            <a:noFill/>
-          </a:ln>
-        </p:spPr>
-        <p:style>
-          <a:lnRef idx="2">
-            <a:schemeClr val="accent1">
-              <a:shade val="50000"/>
-            </a:schemeClr>
-          </a:lnRef>
-          <a:fillRef idx="1">
-            <a:schemeClr val="accent1"/>
-          </a:fillRef>
-          <a:effectRef idx="0">
-            <a:schemeClr val="accent1"/>
-          </a:effectRef>
-          <a:fontRef idx="minor">
-            <a:schemeClr val="lt1"/>
-          </a:fontRef>
-        </p:style>
-        <p:txBody>
-          <a:bodyPr rtlCol="0" anchor="ctr"/>
-          <a:lstStyle/>
-          <a:p>
-            <a:pPr marL="0" marR="0" lvl="0" indent="0" algn="ctr" defTabSz="457200" rtl="0" eaLnBrk="1" fontAlgn="auto" latinLnBrk="0" hangingPunct="1">
-              <a:lnSpc>
-                <a:spcPct val="100000"/>
-              </a:lnSpc>
-              <a:spcBef>
-                <a:spcPts val="0"/>
-              </a:spcBef>
-              <a:spcAft>
-                <a:spcPts val="0"/>
-              </a:spcAft>
-              <a:buClrTx/>
-              <a:buSzTx/>
-              <a:buFontTx/>
-              <a:buNone/>
-              <a:tabLst/>
-              <a:defRPr/>
-            </a:pPr>
-            <a:endParaRPr kumimoji="0" lang="en-US" sz="1800" b="0" i="0" u="none" strike="noStrike" kern="1200" cap="none" spc="0" normalizeH="0" baseline="0" noProof="0">
-              <a:ln>
-                <a:noFill/>
-              </a:ln>
-              <a:solidFill>
-                <a:prstClr val="white"/>
-              </a:solidFill>
-              <a:effectLst/>
-              <a:uLnTx/>
-              <a:uFillTx/>
-              <a:latin typeface="Calibri" panose="020F0502020204030204"/>
-              <a:ea typeface="+mn-ea"/>
-              <a:cs typeface="+mn-cs"/>
-            </a:endParaRPr>
-          </a:p>
-        </p:txBody>
-      </p:sp>
-      <p:pic>
-        <p:nvPicPr>
-          <p:cNvPr id="6" name="Imagem 5" descr="Uma imagem contendo luz, desenho&#10;&#10;Descrição gerada automaticamente">
-            <a:extLst>
-              <a:ext uri="{FF2B5EF4-FFF2-40B4-BE49-F238E27FC236}">
-                <a16:creationId xmlns:a16="http://schemas.microsoft.com/office/drawing/2014/main" id="{166E1F85-05F3-4007-B5C1-E83D9E1C5158}"/>
-              </a:ext>
-            </a:extLst>
-          </p:cNvPr>
-          <p:cNvPicPr>
-            <a:picLocks noChangeAspect="1"/>
-          </p:cNvPicPr>
-          <p:nvPr/>
-        </p:nvPicPr>
-        <p:blipFill>
-          <a:blip r:embed="rId2">
-            <a:extLst>
-              <a:ext uri="{28A0092B-C50C-407E-A947-70E740481C1C}">
-                <a14:useLocalDpi xmlns:a14="http://schemas.microsoft.com/office/drawing/2010/main" val="0"/>
-              </a:ext>
-            </a:extLst>
-          </a:blip>
-          <a:stretch>
-            <a:fillRect/>
-          </a:stretch>
-        </p:blipFill>
-        <p:spPr>
-          <a:xfrm>
-            <a:off x="10229458" y="788862"/>
-            <a:ext cx="926222" cy="1028396"/>
-          </a:xfrm>
-          <a:prstGeom prst="rect">
-            <a:avLst/>
-          </a:prstGeom>
-        </p:spPr>
-      </p:pic>
-      <p:pic>
-        <p:nvPicPr>
-          <p:cNvPr id="4" name="Imagem 3" descr="Tela de celular com texto preto sobre fundo branco&#10;&#10;Descrição gerada automaticamente">
-            <a:extLst>
-              <a:ext uri="{FF2B5EF4-FFF2-40B4-BE49-F238E27FC236}">
-                <a16:creationId xmlns:a16="http://schemas.microsoft.com/office/drawing/2014/main" id="{373F7ACE-A70A-4E69-A4F3-CBFC6E0F8F8F}"/>
-              </a:ext>
-            </a:extLst>
-          </p:cNvPr>
-          <p:cNvPicPr>
-            <a:picLocks noChangeAspect="1"/>
-          </p:cNvPicPr>
-          <p:nvPr/>
-        </p:nvPicPr>
-        <p:blipFill>
-          <a:blip r:embed="rId3">
-            <a:extLst>
-              <a:ext uri="{28A0092B-C50C-407E-A947-70E740481C1C}">
-                <a14:useLocalDpi xmlns:a14="http://schemas.microsoft.com/office/drawing/2010/main" val="0"/>
-              </a:ext>
-            </a:extLst>
-          </a:blip>
-          <a:stretch>
-            <a:fillRect/>
-          </a:stretch>
-        </p:blipFill>
-        <p:spPr>
-          <a:xfrm>
-            <a:off x="3019425" y="2275694"/>
-            <a:ext cx="6153150" cy="4582306"/>
-          </a:xfrm>
-          <a:prstGeom prst="rect">
-            <a:avLst/>
-          </a:prstGeom>
-        </p:spPr>
-      </p:pic>
-    </p:spTree>
-    <p:extLst>
-      <p:ext uri="{BB962C8B-B14F-4D97-AF65-F5344CB8AC3E}">
-        <p14:creationId xmlns:p14="http://schemas.microsoft.com/office/powerpoint/2010/main" val="2715893793"/>
-      </p:ext>
-    </p:extLst>
-  </p:cSld>
-  <p:clrMapOvr>
-    <a:masterClrMapping/>
-  </p:clrMapOvr>
-</p:sld>
-</file>
-
-<file path=ppt/slides/slide14.xml><?xml version="1.0" encoding="utf-8"?>
-<p:sld xmlns:a="http://schemas.openxmlformats.org/drawingml/2006/main" xmlns:r="http://schemas.openxmlformats.org/officeDocument/2006/relationships" xmlns:p="http://schemas.openxmlformats.org/presentationml/2006/main">
-  <p:cSld>
-    <p:bg>
-      <p:bgPr>
-        <a:solidFill>
-          <a:schemeClr val="bg1"/>
-        </a:solidFill>
-        <a:effectLst/>
-      </p:bgPr>
-    </p:bg>
-    <p:spTree>
-      <p:nvGrpSpPr>
-        <p:cNvPr id="1" name=""/>
-        <p:cNvGrpSpPr/>
-        <p:nvPr/>
-      </p:nvGrpSpPr>
-      <p:grpSpPr>
-        <a:xfrm>
-          <a:off x="0" y="0"/>
-          <a:ext cx="0" cy="0"/>
-          <a:chOff x="0" y="0"/>
-          <a:chExt cx="0" cy="0"/>
-        </a:xfrm>
-      </p:grpSpPr>
-      <p:sp>
-        <p:nvSpPr>
-          <p:cNvPr id="2" name="Título 1">
-            <a:extLst>
-              <a:ext uri="{FF2B5EF4-FFF2-40B4-BE49-F238E27FC236}">
-                <a16:creationId xmlns:a16="http://schemas.microsoft.com/office/drawing/2014/main" id="{E0B7F696-990F-4A06-8F6A-14DCE2F6ECEA}"/>
-              </a:ext>
-            </a:extLst>
-          </p:cNvPr>
-          <p:cNvSpPr>
-            <a:spLocks noGrp="1"/>
-          </p:cNvSpPr>
-          <p:nvPr>
-            <p:ph type="title"/>
-          </p:nvPr>
-        </p:nvSpPr>
-        <p:spPr>
-          <a:xfrm>
-            <a:off x="870204" y="606564"/>
-            <a:ext cx="10451592" cy="1325563"/>
-          </a:xfrm>
-        </p:spPr>
-        <p:txBody>
-          <a:bodyPr anchor="ctr">
-            <a:normAutofit/>
-          </a:bodyPr>
-          <a:lstStyle/>
-          <a:p>
-            <a:r>
-              <a:rPr lang="pt-BR" dirty="0"/>
-              <a:t>MOCKUP DE TELAS</a:t>
-            </a:r>
-          </a:p>
-        </p:txBody>
-      </p:sp>
-      <p:sp>
-        <p:nvSpPr>
-          <p:cNvPr id="42" name="Rectangle 41">
-            <a:extLst>
-              <a:ext uri="{FF2B5EF4-FFF2-40B4-BE49-F238E27FC236}">
-                <a16:creationId xmlns:a16="http://schemas.microsoft.com/office/drawing/2014/main" id="{A5711A0E-A428-4ED1-96CB-33D69FD842E4}"/>
-              </a:ext>
-              <a:ext uri="{C183D7F6-B498-43B3-948B-1728B52AA6E4}">
-                <adec:decorative xmlns:adec="http://schemas.microsoft.com/office/drawing/2017/decorative" val="1"/>
-              </a:ext>
-            </a:extLst>
-          </p:cNvPr>
-          <p:cNvSpPr>
-            <a:spLocks noGrp="1" noRot="1" noChangeAspect="1" noMove="1" noResize="1" noEditPoints="1" noAdjustHandles="1" noChangeArrowheads="1" noChangeShapeType="1" noTextEdit="1"/>
-          </p:cNvSpPr>
-          <p:nvPr>
-            <p:extLst>
-              <p:ext uri="{386F3935-93C4-4BCD-93E2-E3B085C9AB24}">
-                <p16:designElem xmlns:p16="http://schemas.microsoft.com/office/powerpoint/2015/main" val="1"/>
-              </p:ext>
-            </p:extLst>
-          </p:nvPr>
-        </p:nvSpPr>
-        <p:spPr>
-          <a:xfrm>
-            <a:off x="1000874" y="2043803"/>
-            <a:ext cx="10190252" cy="80683"/>
-          </a:xfrm>
-          <a:prstGeom prst="rect">
-            <a:avLst/>
-          </a:prstGeom>
-          <a:solidFill>
-            <a:schemeClr val="tx1">
-              <a:lumMod val="50000"/>
-              <a:lumOff val="50000"/>
-              <a:alpha val="65000"/>
-            </a:schemeClr>
-          </a:solidFill>
-          <a:ln>
-            <a:noFill/>
-          </a:ln>
-        </p:spPr>
-        <p:style>
-          <a:lnRef idx="2">
-            <a:schemeClr val="accent1">
-              <a:shade val="50000"/>
-            </a:schemeClr>
-          </a:lnRef>
-          <a:fillRef idx="1">
-            <a:schemeClr val="accent1"/>
-          </a:fillRef>
-          <a:effectRef idx="0">
-            <a:schemeClr val="accent1"/>
-          </a:effectRef>
-          <a:fontRef idx="minor">
-            <a:schemeClr val="lt1"/>
-          </a:fontRef>
-        </p:style>
-        <p:txBody>
-          <a:bodyPr rtlCol="0" anchor="ctr"/>
-          <a:lstStyle/>
-          <a:p>
-            <a:pPr marL="0" marR="0" lvl="0" indent="0" algn="ctr" defTabSz="457200" rtl="0" eaLnBrk="1" fontAlgn="auto" latinLnBrk="0" hangingPunct="1">
-              <a:lnSpc>
-                <a:spcPct val="100000"/>
-              </a:lnSpc>
-              <a:spcBef>
-                <a:spcPts val="0"/>
-              </a:spcBef>
-              <a:spcAft>
-                <a:spcPts val="0"/>
-              </a:spcAft>
-              <a:buClrTx/>
-              <a:buSzTx/>
-              <a:buFontTx/>
-              <a:buNone/>
-              <a:tabLst/>
-              <a:defRPr/>
-            </a:pPr>
-            <a:endParaRPr kumimoji="0" lang="en-US" sz="1800" b="0" i="0" u="none" strike="noStrike" kern="1200" cap="none" spc="0" normalizeH="0" baseline="0" noProof="0">
-              <a:ln>
-                <a:noFill/>
-              </a:ln>
-              <a:solidFill>
-                <a:prstClr val="white"/>
-              </a:solidFill>
-              <a:effectLst/>
-              <a:uLnTx/>
-              <a:uFillTx/>
-              <a:latin typeface="Calibri" panose="020F0502020204030204"/>
-              <a:ea typeface="+mn-ea"/>
-              <a:cs typeface="+mn-cs"/>
-            </a:endParaRPr>
-          </a:p>
-        </p:txBody>
-      </p:sp>
-      <p:pic>
-        <p:nvPicPr>
-          <p:cNvPr id="6" name="Imagem 5" descr="Uma imagem contendo luz, desenho&#10;&#10;Descrição gerada automaticamente">
-            <a:extLst>
-              <a:ext uri="{FF2B5EF4-FFF2-40B4-BE49-F238E27FC236}">
-                <a16:creationId xmlns:a16="http://schemas.microsoft.com/office/drawing/2014/main" id="{166E1F85-05F3-4007-B5C1-E83D9E1C5158}"/>
-              </a:ext>
-            </a:extLst>
-          </p:cNvPr>
-          <p:cNvPicPr>
-            <a:picLocks noChangeAspect="1"/>
-          </p:cNvPicPr>
-          <p:nvPr/>
-        </p:nvPicPr>
-        <p:blipFill>
-          <a:blip r:embed="rId2">
-            <a:extLst>
-              <a:ext uri="{28A0092B-C50C-407E-A947-70E740481C1C}">
-                <a14:useLocalDpi xmlns:a14="http://schemas.microsoft.com/office/drawing/2010/main" val="0"/>
-              </a:ext>
-            </a:extLst>
-          </a:blip>
-          <a:stretch>
-            <a:fillRect/>
-          </a:stretch>
-        </p:blipFill>
-        <p:spPr>
-          <a:xfrm>
-            <a:off x="10229458" y="788862"/>
-            <a:ext cx="926222" cy="1028396"/>
-          </a:xfrm>
-          <a:prstGeom prst="rect">
-            <a:avLst/>
-          </a:prstGeom>
-        </p:spPr>
-      </p:pic>
-      <p:pic>
-        <p:nvPicPr>
-          <p:cNvPr id="3" name="Imagem 2">
-            <a:extLst>
-              <a:ext uri="{FF2B5EF4-FFF2-40B4-BE49-F238E27FC236}">
-                <a16:creationId xmlns:a16="http://schemas.microsoft.com/office/drawing/2014/main" id="{C4723E23-D82F-45B0-88EC-DDDFE8832466}"/>
-              </a:ext>
-            </a:extLst>
-          </p:cNvPr>
-          <p:cNvPicPr>
-            <a:picLocks noChangeAspect="1"/>
-          </p:cNvPicPr>
-          <p:nvPr/>
-        </p:nvPicPr>
-        <p:blipFill>
-          <a:blip r:embed="rId3"/>
-          <a:stretch>
-            <a:fillRect/>
-          </a:stretch>
-        </p:blipFill>
-        <p:spPr>
-          <a:xfrm>
-            <a:off x="0" y="2608868"/>
-            <a:ext cx="6096000" cy="3429000"/>
-          </a:xfrm>
-          <a:prstGeom prst="rect">
-            <a:avLst/>
-          </a:prstGeom>
-        </p:spPr>
-      </p:pic>
-      <p:pic>
-        <p:nvPicPr>
-          <p:cNvPr id="4" name="Imagem 3">
-            <a:extLst>
-              <a:ext uri="{FF2B5EF4-FFF2-40B4-BE49-F238E27FC236}">
-                <a16:creationId xmlns:a16="http://schemas.microsoft.com/office/drawing/2014/main" id="{B36DB973-ADA8-4BD8-A0D5-B09EA980C2B5}"/>
-              </a:ext>
-            </a:extLst>
-          </p:cNvPr>
-          <p:cNvPicPr>
-            <a:picLocks noChangeAspect="1"/>
-          </p:cNvPicPr>
-          <p:nvPr/>
-        </p:nvPicPr>
-        <p:blipFill>
-          <a:blip r:embed="rId4"/>
-          <a:stretch>
-            <a:fillRect/>
-          </a:stretch>
-        </p:blipFill>
-        <p:spPr>
-          <a:xfrm>
-            <a:off x="6096000" y="2608868"/>
-            <a:ext cx="6096000" cy="3429000"/>
-          </a:xfrm>
-          <a:prstGeom prst="rect">
-            <a:avLst/>
-          </a:prstGeom>
-        </p:spPr>
-      </p:pic>
-    </p:spTree>
-    <p:extLst>
-      <p:ext uri="{BB962C8B-B14F-4D97-AF65-F5344CB8AC3E}">
-        <p14:creationId xmlns:p14="http://schemas.microsoft.com/office/powerpoint/2010/main" val="142711602"/>
-      </p:ext>
-    </p:extLst>
-  </p:cSld>
-  <p:clrMapOvr>
-    <a:masterClrMapping/>
-  </p:clrMapOvr>
-</p:sld>
-</file>
-
-<file path=ppt/slides/slide15.xml><?xml version="1.0" encoding="utf-8"?>
-<p:sld xmlns:a="http://schemas.openxmlformats.org/drawingml/2006/main" xmlns:r="http://schemas.openxmlformats.org/officeDocument/2006/relationships" xmlns:p="http://schemas.openxmlformats.org/presentationml/2006/main">
-  <p:cSld>
-    <p:bg>
-      <p:bgPr>
-        <a:solidFill>
-          <a:schemeClr val="bg1"/>
-        </a:solidFill>
-        <a:effectLst/>
-      </p:bgPr>
-    </p:bg>
-    <p:spTree>
-      <p:nvGrpSpPr>
-        <p:cNvPr id="1" name=""/>
-        <p:cNvGrpSpPr/>
-        <p:nvPr/>
-      </p:nvGrpSpPr>
-      <p:grpSpPr>
-        <a:xfrm>
-          <a:off x="0" y="0"/>
-          <a:ext cx="0" cy="0"/>
-          <a:chOff x="0" y="0"/>
-          <a:chExt cx="0" cy="0"/>
-        </a:xfrm>
-      </p:grpSpPr>
-      <p:sp>
-        <p:nvSpPr>
-          <p:cNvPr id="2" name="Título 1">
-            <a:extLst>
-              <a:ext uri="{FF2B5EF4-FFF2-40B4-BE49-F238E27FC236}">
-                <a16:creationId xmlns:a16="http://schemas.microsoft.com/office/drawing/2014/main" id="{E0B7F696-990F-4A06-8F6A-14DCE2F6ECEA}"/>
-              </a:ext>
-            </a:extLst>
-          </p:cNvPr>
-          <p:cNvSpPr>
-            <a:spLocks noGrp="1"/>
-          </p:cNvSpPr>
-          <p:nvPr>
-            <p:ph type="title"/>
-          </p:nvPr>
-        </p:nvSpPr>
-        <p:spPr>
-          <a:xfrm>
-            <a:off x="870204" y="606564"/>
-            <a:ext cx="10451592" cy="1325563"/>
-          </a:xfrm>
-        </p:spPr>
-        <p:txBody>
-          <a:bodyPr anchor="ctr">
-            <a:normAutofit/>
-          </a:bodyPr>
-          <a:lstStyle/>
-          <a:p>
-            <a:r>
-              <a:rPr lang="pt-BR" dirty="0"/>
-              <a:t>SITE</a:t>
-            </a:r>
-          </a:p>
-        </p:txBody>
-      </p:sp>
-      <p:sp>
-        <p:nvSpPr>
-          <p:cNvPr id="42" name="Rectangle 41">
-            <a:extLst>
-              <a:ext uri="{FF2B5EF4-FFF2-40B4-BE49-F238E27FC236}">
-                <a16:creationId xmlns:a16="http://schemas.microsoft.com/office/drawing/2014/main" id="{A5711A0E-A428-4ED1-96CB-33D69FD842E4}"/>
-              </a:ext>
-              <a:ext uri="{C183D7F6-B498-43B3-948B-1728B52AA6E4}">
-                <adec:decorative xmlns:adec="http://schemas.microsoft.com/office/drawing/2017/decorative" val="1"/>
-              </a:ext>
-            </a:extLst>
-          </p:cNvPr>
-          <p:cNvSpPr>
-            <a:spLocks noGrp="1" noRot="1" noChangeAspect="1" noMove="1" noResize="1" noEditPoints="1" noAdjustHandles="1" noChangeArrowheads="1" noChangeShapeType="1" noTextEdit="1"/>
-          </p:cNvSpPr>
-          <p:nvPr>
-            <p:extLst>
-              <p:ext uri="{386F3935-93C4-4BCD-93E2-E3B085C9AB24}">
-                <p16:designElem xmlns:p16="http://schemas.microsoft.com/office/powerpoint/2015/main" val="1"/>
-              </p:ext>
-            </p:extLst>
-          </p:nvPr>
-        </p:nvSpPr>
-        <p:spPr>
-          <a:xfrm>
-            <a:off x="1000874" y="2043803"/>
-            <a:ext cx="10190252" cy="80683"/>
-          </a:xfrm>
-          <a:prstGeom prst="rect">
-            <a:avLst/>
-          </a:prstGeom>
-          <a:solidFill>
-            <a:schemeClr val="tx1">
-              <a:lumMod val="50000"/>
-              <a:lumOff val="50000"/>
-              <a:alpha val="65000"/>
-            </a:schemeClr>
-          </a:solidFill>
-          <a:ln>
-            <a:noFill/>
-          </a:ln>
-        </p:spPr>
-        <p:style>
-          <a:lnRef idx="2">
-            <a:schemeClr val="accent1">
-              <a:shade val="50000"/>
-            </a:schemeClr>
-          </a:lnRef>
-          <a:fillRef idx="1">
-            <a:schemeClr val="accent1"/>
-          </a:fillRef>
-          <a:effectRef idx="0">
-            <a:schemeClr val="accent1"/>
-          </a:effectRef>
-          <a:fontRef idx="minor">
-            <a:schemeClr val="lt1"/>
-          </a:fontRef>
-        </p:style>
-        <p:txBody>
-          <a:bodyPr rtlCol="0" anchor="ctr"/>
-          <a:lstStyle/>
-          <a:p>
-            <a:pPr marL="0" marR="0" lvl="0" indent="0" algn="ctr" defTabSz="457200" rtl="0" eaLnBrk="1" fontAlgn="auto" latinLnBrk="0" hangingPunct="1">
-              <a:lnSpc>
-                <a:spcPct val="100000"/>
-              </a:lnSpc>
-              <a:spcBef>
-                <a:spcPts val="0"/>
-              </a:spcBef>
-              <a:spcAft>
-                <a:spcPts val="0"/>
-              </a:spcAft>
-              <a:buClrTx/>
-              <a:buSzTx/>
-              <a:buFontTx/>
-              <a:buNone/>
-              <a:tabLst/>
-              <a:defRPr/>
-            </a:pPr>
-            <a:endParaRPr kumimoji="0" lang="en-US" sz="1800" b="0" i="0" u="none" strike="noStrike" kern="1200" cap="none" spc="0" normalizeH="0" baseline="0" noProof="0">
-              <a:ln>
-                <a:noFill/>
-              </a:ln>
-              <a:solidFill>
-                <a:prstClr val="white"/>
-              </a:solidFill>
-              <a:effectLst/>
-              <a:uLnTx/>
-              <a:uFillTx/>
-              <a:latin typeface="Calibri" panose="020F0502020204030204"/>
-              <a:ea typeface="+mn-ea"/>
-              <a:cs typeface="+mn-cs"/>
-            </a:endParaRPr>
-          </a:p>
-        </p:txBody>
-      </p:sp>
-      <p:sp>
-        <p:nvSpPr>
-          <p:cNvPr id="5" name="Espaço Reservado para Conteúdo 2">
-            <a:extLst>
-              <a:ext uri="{FF2B5EF4-FFF2-40B4-BE49-F238E27FC236}">
-                <a16:creationId xmlns:a16="http://schemas.microsoft.com/office/drawing/2014/main" id="{980DDC97-4E38-4DA0-ADF6-6DB47EEA820F}"/>
-              </a:ext>
-            </a:extLst>
-          </p:cNvPr>
-          <p:cNvSpPr>
-            <a:spLocks noGrp="1"/>
-          </p:cNvSpPr>
-          <p:nvPr>
-            <p:ph idx="1"/>
-          </p:nvPr>
-        </p:nvSpPr>
-        <p:spPr>
-          <a:xfrm>
-            <a:off x="1000874" y="2336902"/>
-            <a:ext cx="3797807" cy="4351338"/>
-          </a:xfrm>
-        </p:spPr>
-        <p:txBody>
-          <a:bodyPr>
-            <a:normAutofit/>
-          </a:bodyPr>
-          <a:lstStyle/>
-          <a:p>
-            <a:endParaRPr lang="pt-BR" sz="2000" dirty="0"/>
-          </a:p>
-        </p:txBody>
-      </p:sp>
-      <p:pic>
-        <p:nvPicPr>
-          <p:cNvPr id="7" name="Imagem 6" descr="Uma imagem contendo luz, desenho&#10;&#10;Descrição gerada automaticamente">
-            <a:extLst>
-              <a:ext uri="{FF2B5EF4-FFF2-40B4-BE49-F238E27FC236}">
-                <a16:creationId xmlns:a16="http://schemas.microsoft.com/office/drawing/2014/main" id="{4BBAED0D-DA47-485B-B961-5992667A428B}"/>
-              </a:ext>
-            </a:extLst>
-          </p:cNvPr>
-          <p:cNvPicPr>
-            <a:picLocks noChangeAspect="1"/>
-          </p:cNvPicPr>
-          <p:nvPr/>
-        </p:nvPicPr>
-        <p:blipFill>
-          <a:blip r:embed="rId2">
-            <a:extLst>
-              <a:ext uri="{28A0092B-C50C-407E-A947-70E740481C1C}">
-                <a14:useLocalDpi xmlns:a14="http://schemas.microsoft.com/office/drawing/2010/main" val="0"/>
-              </a:ext>
-            </a:extLst>
-          </a:blip>
-          <a:stretch>
-            <a:fillRect/>
-          </a:stretch>
-        </p:blipFill>
-        <p:spPr>
-          <a:xfrm>
-            <a:off x="10229458" y="788862"/>
-            <a:ext cx="926222" cy="1028396"/>
-          </a:xfrm>
-          <a:prstGeom prst="rect">
-            <a:avLst/>
-          </a:prstGeom>
-        </p:spPr>
-      </p:pic>
-    </p:spTree>
-    <p:extLst>
-      <p:ext uri="{BB962C8B-B14F-4D97-AF65-F5344CB8AC3E}">
-        <p14:creationId xmlns:p14="http://schemas.microsoft.com/office/powerpoint/2010/main" val="3898445497"/>
-      </p:ext>
-    </p:extLst>
-  </p:cSld>
-  <p:clrMapOvr>
-    <a:masterClrMapping/>
-  </p:clrMapOvr>
-</p:sld>
-</file>
-
-<file path=ppt/slides/slide16.xml><?xml version="1.0" encoding="utf-8"?>
-<p:sld xmlns:a="http://schemas.openxmlformats.org/drawingml/2006/main" xmlns:r="http://schemas.openxmlformats.org/officeDocument/2006/relationships" xmlns:p="http://schemas.openxmlformats.org/presentationml/2006/main">
-  <p:cSld>
-    <p:bg>
-      <p:bgPr>
-        <a:solidFill>
-          <a:schemeClr val="bg1"/>
-        </a:solidFill>
-        <a:effectLst/>
-      </p:bgPr>
-    </p:bg>
-    <p:spTree>
-      <p:nvGrpSpPr>
-        <p:cNvPr id="1" name=""/>
-        <p:cNvGrpSpPr/>
-        <p:nvPr/>
-      </p:nvGrpSpPr>
-      <p:grpSpPr>
-        <a:xfrm>
-          <a:off x="0" y="0"/>
-          <a:ext cx="0" cy="0"/>
-          <a:chOff x="0" y="0"/>
-          <a:chExt cx="0" cy="0"/>
-        </a:xfrm>
-      </p:grpSpPr>
-      <p:sp>
-        <p:nvSpPr>
-          <p:cNvPr id="2" name="Título 1">
-            <a:extLst>
-              <a:ext uri="{FF2B5EF4-FFF2-40B4-BE49-F238E27FC236}">
-                <a16:creationId xmlns:a16="http://schemas.microsoft.com/office/drawing/2014/main" id="{E0B7F696-990F-4A06-8F6A-14DCE2F6ECEA}"/>
-              </a:ext>
-            </a:extLst>
-          </p:cNvPr>
-          <p:cNvSpPr>
-            <a:spLocks noGrp="1"/>
-          </p:cNvSpPr>
-          <p:nvPr>
-            <p:ph type="title"/>
-          </p:nvPr>
-        </p:nvSpPr>
-        <p:spPr>
-          <a:xfrm>
-            <a:off x="870204" y="606564"/>
-            <a:ext cx="10451592" cy="1325563"/>
-          </a:xfrm>
-        </p:spPr>
-        <p:txBody>
-          <a:bodyPr anchor="ctr">
-            <a:normAutofit/>
-          </a:bodyPr>
-          <a:lstStyle/>
-          <a:p>
-            <a:r>
-              <a:rPr lang="pt-BR" dirty="0"/>
-              <a:t>USE CASE</a:t>
-            </a:r>
-          </a:p>
-        </p:txBody>
-      </p:sp>
-      <p:sp>
-        <p:nvSpPr>
-          <p:cNvPr id="42" name="Rectangle 41">
-            <a:extLst>
-              <a:ext uri="{FF2B5EF4-FFF2-40B4-BE49-F238E27FC236}">
-                <a16:creationId xmlns:a16="http://schemas.microsoft.com/office/drawing/2014/main" id="{A5711A0E-A428-4ED1-96CB-33D69FD842E4}"/>
-              </a:ext>
-              <a:ext uri="{C183D7F6-B498-43B3-948B-1728B52AA6E4}">
-                <adec:decorative xmlns:adec="http://schemas.microsoft.com/office/drawing/2017/decorative" val="1"/>
-              </a:ext>
-            </a:extLst>
-          </p:cNvPr>
-          <p:cNvSpPr>
-            <a:spLocks noGrp="1" noRot="1" noChangeAspect="1" noMove="1" noResize="1" noEditPoints="1" noAdjustHandles="1" noChangeArrowheads="1" noChangeShapeType="1" noTextEdit="1"/>
-          </p:cNvSpPr>
-          <p:nvPr>
-            <p:extLst>
-              <p:ext uri="{386F3935-93C4-4BCD-93E2-E3B085C9AB24}">
-                <p16:designElem xmlns:p16="http://schemas.microsoft.com/office/powerpoint/2015/main" val="1"/>
-              </p:ext>
-            </p:extLst>
-          </p:nvPr>
-        </p:nvSpPr>
-        <p:spPr>
-          <a:xfrm>
-            <a:off x="1000874" y="2043803"/>
-            <a:ext cx="10190252" cy="80683"/>
-          </a:xfrm>
-          <a:prstGeom prst="rect">
-            <a:avLst/>
-          </a:prstGeom>
-          <a:solidFill>
-            <a:schemeClr val="tx1">
-              <a:lumMod val="50000"/>
-              <a:lumOff val="50000"/>
-              <a:alpha val="65000"/>
-            </a:schemeClr>
-          </a:solidFill>
-          <a:ln>
-            <a:noFill/>
-          </a:ln>
-        </p:spPr>
-        <p:style>
-          <a:lnRef idx="2">
-            <a:schemeClr val="accent1">
-              <a:shade val="50000"/>
-            </a:schemeClr>
-          </a:lnRef>
-          <a:fillRef idx="1">
-            <a:schemeClr val="accent1"/>
-          </a:fillRef>
-          <a:effectRef idx="0">
-            <a:schemeClr val="accent1"/>
-          </a:effectRef>
-          <a:fontRef idx="minor">
-            <a:schemeClr val="lt1"/>
-          </a:fontRef>
-        </p:style>
-        <p:txBody>
-          <a:bodyPr rtlCol="0" anchor="ctr"/>
-          <a:lstStyle/>
-          <a:p>
-            <a:pPr marL="0" marR="0" lvl="0" indent="0" algn="ctr" defTabSz="457200" rtl="0" eaLnBrk="1" fontAlgn="auto" latinLnBrk="0" hangingPunct="1">
-              <a:lnSpc>
-                <a:spcPct val="100000"/>
-              </a:lnSpc>
-              <a:spcBef>
-                <a:spcPts val="0"/>
-              </a:spcBef>
-              <a:spcAft>
-                <a:spcPts val="0"/>
-              </a:spcAft>
-              <a:buClrTx/>
-              <a:buSzTx/>
-              <a:buFontTx/>
-              <a:buNone/>
-              <a:tabLst/>
-              <a:defRPr/>
-            </a:pPr>
-            <a:endParaRPr kumimoji="0" lang="en-US" sz="1800" b="0" i="0" u="none" strike="noStrike" kern="1200" cap="none" spc="0" normalizeH="0" baseline="0" noProof="0">
-              <a:ln>
-                <a:noFill/>
-              </a:ln>
-              <a:solidFill>
-                <a:prstClr val="white"/>
-              </a:solidFill>
-              <a:effectLst/>
-              <a:uLnTx/>
-              <a:uFillTx/>
-              <a:latin typeface="Calibri" panose="020F0502020204030204"/>
-              <a:ea typeface="+mn-ea"/>
-              <a:cs typeface="+mn-cs"/>
-            </a:endParaRPr>
-          </a:p>
-        </p:txBody>
-      </p:sp>
-      <p:pic>
-        <p:nvPicPr>
-          <p:cNvPr id="7" name="Imagem 6" descr="Uma imagem contendo luz, desenho&#10;&#10;Descrição gerada automaticamente">
-            <a:extLst>
-              <a:ext uri="{FF2B5EF4-FFF2-40B4-BE49-F238E27FC236}">
-                <a16:creationId xmlns:a16="http://schemas.microsoft.com/office/drawing/2014/main" id="{4BBAED0D-DA47-485B-B961-5992667A428B}"/>
-              </a:ext>
-            </a:extLst>
-          </p:cNvPr>
-          <p:cNvPicPr>
-            <a:picLocks noChangeAspect="1"/>
-          </p:cNvPicPr>
-          <p:nvPr/>
-        </p:nvPicPr>
-        <p:blipFill>
-          <a:blip r:embed="rId2">
-            <a:extLst>
-              <a:ext uri="{28A0092B-C50C-407E-A947-70E740481C1C}">
-                <a14:useLocalDpi xmlns:a14="http://schemas.microsoft.com/office/drawing/2010/main" val="0"/>
-              </a:ext>
-            </a:extLst>
-          </a:blip>
-          <a:stretch>
-            <a:fillRect/>
-          </a:stretch>
-        </p:blipFill>
-        <p:spPr>
-          <a:xfrm>
-            <a:off x="10229458" y="788862"/>
-            <a:ext cx="926222" cy="1028396"/>
-          </a:xfrm>
-          <a:prstGeom prst="rect">
-            <a:avLst/>
-          </a:prstGeom>
-        </p:spPr>
-      </p:pic>
-      <p:pic>
-        <p:nvPicPr>
-          <p:cNvPr id="4" name="Imagem 3" descr="Uma imagem contendo texto, mapa, traçado&#10;&#10;Descrição gerada automaticamente">
-            <a:extLst>
-              <a:ext uri="{FF2B5EF4-FFF2-40B4-BE49-F238E27FC236}">
-                <a16:creationId xmlns:a16="http://schemas.microsoft.com/office/drawing/2014/main" id="{EE85C85E-C6D2-4592-9A16-40AEC16E57B6}"/>
-              </a:ext>
-            </a:extLst>
-          </p:cNvPr>
-          <p:cNvPicPr>
-            <a:picLocks noChangeAspect="1"/>
-          </p:cNvPicPr>
-          <p:nvPr/>
-        </p:nvPicPr>
-        <p:blipFill>
-          <a:blip r:embed="rId3">
-            <a:extLst>
-              <a:ext uri="{28A0092B-C50C-407E-A947-70E740481C1C}">
-                <a14:useLocalDpi xmlns:a14="http://schemas.microsoft.com/office/drawing/2010/main" val="0"/>
-              </a:ext>
-            </a:extLst>
-          </a:blip>
-          <a:stretch>
-            <a:fillRect/>
-          </a:stretch>
-        </p:blipFill>
-        <p:spPr>
-          <a:xfrm>
-            <a:off x="2862238" y="2461151"/>
-            <a:ext cx="6467524" cy="4228434"/>
-          </a:xfrm>
-          <a:prstGeom prst="rect">
-            <a:avLst/>
-          </a:prstGeom>
-        </p:spPr>
-      </p:pic>
-    </p:spTree>
-    <p:extLst>
-      <p:ext uri="{BB962C8B-B14F-4D97-AF65-F5344CB8AC3E}">
-        <p14:creationId xmlns:p14="http://schemas.microsoft.com/office/powerpoint/2010/main" val="3456330989"/>
-      </p:ext>
-    </p:extLst>
-  </p:cSld>
-  <p:clrMapOvr>
-    <a:masterClrMapping/>
-  </p:clrMapOvr>
-</p:sld>
-</file>
-
-<file path=ppt/slides/slide17.xml><?xml version="1.0" encoding="utf-8"?>
-<p:sld xmlns:a="http://schemas.openxmlformats.org/drawingml/2006/main" xmlns:r="http://schemas.openxmlformats.org/officeDocument/2006/relationships" xmlns:p="http://schemas.openxmlformats.org/presentationml/2006/main">
-  <p:cSld>
-    <p:bg>
-      <p:bgPr>
-        <a:solidFill>
-          <a:schemeClr val="bg1"/>
-        </a:solidFill>
-        <a:effectLst/>
-      </p:bgPr>
-    </p:bg>
-    <p:spTree>
-      <p:nvGrpSpPr>
-        <p:cNvPr id="1" name=""/>
-        <p:cNvGrpSpPr/>
-        <p:nvPr/>
-      </p:nvGrpSpPr>
-      <p:grpSpPr>
-        <a:xfrm>
-          <a:off x="0" y="0"/>
-          <a:ext cx="0" cy="0"/>
-          <a:chOff x="0" y="0"/>
-          <a:chExt cx="0" cy="0"/>
-        </a:xfrm>
-      </p:grpSpPr>
-      <p:sp>
-        <p:nvSpPr>
-          <p:cNvPr id="2" name="Título 1">
-            <a:extLst>
-              <a:ext uri="{FF2B5EF4-FFF2-40B4-BE49-F238E27FC236}">
-                <a16:creationId xmlns:a16="http://schemas.microsoft.com/office/drawing/2014/main" id="{E0B7F696-990F-4A06-8F6A-14DCE2F6ECEA}"/>
-              </a:ext>
-            </a:extLst>
-          </p:cNvPr>
-          <p:cNvSpPr>
-            <a:spLocks noGrp="1"/>
-          </p:cNvSpPr>
-          <p:nvPr>
-            <p:ph type="title"/>
-          </p:nvPr>
-        </p:nvSpPr>
-        <p:spPr>
-          <a:xfrm>
-            <a:off x="870204" y="606564"/>
-            <a:ext cx="10451592" cy="1325563"/>
-          </a:xfrm>
-        </p:spPr>
-        <p:txBody>
-          <a:bodyPr anchor="ctr">
-            <a:normAutofit/>
-          </a:bodyPr>
-          <a:lstStyle/>
-          <a:p>
-            <a:r>
-              <a:rPr lang="pt-BR" dirty="0"/>
               <a:t>Power BI</a:t>
             </a:r>
-          </a:p>
-        </p:txBody>
-      </p:sp>
-      <p:sp>
-        <p:nvSpPr>
-          <p:cNvPr id="42" name="Rectangle 41">
-            <a:extLst>
-              <a:ext uri="{FF2B5EF4-FFF2-40B4-BE49-F238E27FC236}">
-                <a16:creationId xmlns:a16="http://schemas.microsoft.com/office/drawing/2014/main" id="{A5711A0E-A428-4ED1-96CB-33D69FD842E4}"/>
-              </a:ext>
-              <a:ext uri="{C183D7F6-B498-43B3-948B-1728B52AA6E4}">
-                <adec:decorative xmlns:adec="http://schemas.microsoft.com/office/drawing/2017/decorative" val="1"/>
-              </a:ext>
-            </a:extLst>
-          </p:cNvPr>
-          <p:cNvSpPr>
-            <a:spLocks noGrp="1" noRot="1" noChangeAspect="1" noMove="1" noResize="1" noEditPoints="1" noAdjustHandles="1" noChangeArrowheads="1" noChangeShapeType="1" noTextEdit="1"/>
-          </p:cNvSpPr>
-          <p:nvPr>
-            <p:extLst>
-              <p:ext uri="{386F3935-93C4-4BCD-93E2-E3B085C9AB24}">
-                <p16:designElem xmlns:p16="http://schemas.microsoft.com/office/powerpoint/2015/main" val="1"/>
-              </p:ext>
-            </p:extLst>
-          </p:nvPr>
-        </p:nvSpPr>
-        <p:spPr>
-          <a:xfrm>
-            <a:off x="1000874" y="2043803"/>
-            <a:ext cx="10190252" cy="80683"/>
-          </a:xfrm>
-          <a:prstGeom prst="rect">
-            <a:avLst/>
-          </a:prstGeom>
-          <a:solidFill>
-            <a:schemeClr val="tx1">
-              <a:lumMod val="50000"/>
-              <a:lumOff val="50000"/>
-              <a:alpha val="65000"/>
-            </a:schemeClr>
-          </a:solidFill>
-          <a:ln>
-            <a:noFill/>
-          </a:ln>
-        </p:spPr>
-        <p:style>
-          <a:lnRef idx="2">
-            <a:schemeClr val="accent1">
-              <a:shade val="50000"/>
-            </a:schemeClr>
-          </a:lnRef>
-          <a:fillRef idx="1">
-            <a:schemeClr val="accent1"/>
-          </a:fillRef>
-          <a:effectRef idx="0">
-            <a:schemeClr val="accent1"/>
-          </a:effectRef>
-          <a:fontRef idx="minor">
-            <a:schemeClr val="lt1"/>
-          </a:fontRef>
-        </p:style>
-        <p:txBody>
-          <a:bodyPr rtlCol="0" anchor="ctr"/>
-          <a:lstStyle/>
-          <a:p>
-            <a:pPr marL="0" marR="0" lvl="0" indent="0" algn="ctr" defTabSz="457200" rtl="0" eaLnBrk="1" fontAlgn="auto" latinLnBrk="0" hangingPunct="1">
-              <a:lnSpc>
-                <a:spcPct val="100000"/>
-              </a:lnSpc>
-              <a:spcBef>
-                <a:spcPts val="0"/>
-              </a:spcBef>
-              <a:spcAft>
-                <a:spcPts val="0"/>
-              </a:spcAft>
-              <a:buClrTx/>
-              <a:buSzTx/>
-              <a:buFontTx/>
-              <a:buNone/>
-              <a:tabLst/>
-              <a:defRPr/>
-            </a:pPr>
-            <a:endParaRPr kumimoji="0" lang="en-US" sz="1800" b="0" i="0" u="none" strike="noStrike" kern="1200" cap="none" spc="0" normalizeH="0" baseline="0" noProof="0">
-              <a:ln>
-                <a:noFill/>
-              </a:ln>
-              <a:solidFill>
-                <a:prstClr val="white"/>
-              </a:solidFill>
-              <a:effectLst/>
-              <a:uLnTx/>
-              <a:uFillTx/>
-              <a:latin typeface="Calibri" panose="020F0502020204030204"/>
-              <a:ea typeface="+mn-ea"/>
-              <a:cs typeface="+mn-cs"/>
-            </a:endParaRPr>
-          </a:p>
-        </p:txBody>
-      </p:sp>
-      <p:pic>
-        <p:nvPicPr>
-          <p:cNvPr id="7" name="Imagem 6" descr="Uma imagem contendo luz, desenho&#10;&#10;Descrição gerada automaticamente">
-            <a:extLst>
-              <a:ext uri="{FF2B5EF4-FFF2-40B4-BE49-F238E27FC236}">
-                <a16:creationId xmlns:a16="http://schemas.microsoft.com/office/drawing/2014/main" id="{4BBAED0D-DA47-485B-B961-5992667A428B}"/>
-              </a:ext>
-            </a:extLst>
-          </p:cNvPr>
-          <p:cNvPicPr>
-            <a:picLocks noChangeAspect="1"/>
-          </p:cNvPicPr>
-          <p:nvPr/>
-        </p:nvPicPr>
-        <p:blipFill>
-          <a:blip r:embed="rId2">
-            <a:extLst>
-              <a:ext uri="{28A0092B-C50C-407E-A947-70E740481C1C}">
-                <a14:useLocalDpi xmlns:a14="http://schemas.microsoft.com/office/drawing/2010/main" val="0"/>
-              </a:ext>
-            </a:extLst>
-          </a:blip>
-          <a:stretch>
-            <a:fillRect/>
-          </a:stretch>
-        </p:blipFill>
-        <p:spPr>
-          <a:xfrm>
-            <a:off x="10229458" y="788862"/>
-            <a:ext cx="926222" cy="1028396"/>
-          </a:xfrm>
-          <a:prstGeom prst="rect">
-            <a:avLst/>
-          </a:prstGeom>
-        </p:spPr>
-      </p:pic>
-      <p:sp>
-        <p:nvSpPr>
-          <p:cNvPr id="8" name="Espaço Reservado para Conteúdo 2">
-            <a:extLst>
-              <a:ext uri="{FF2B5EF4-FFF2-40B4-BE49-F238E27FC236}">
-                <a16:creationId xmlns:a16="http://schemas.microsoft.com/office/drawing/2014/main" id="{9ADC2E69-CA9A-45D3-BC10-5A389B7FA333}"/>
-              </a:ext>
-            </a:extLst>
-          </p:cNvPr>
-          <p:cNvSpPr>
-            <a:spLocks noGrp="1"/>
-          </p:cNvSpPr>
-          <p:nvPr>
-            <p:ph idx="1"/>
-          </p:nvPr>
-        </p:nvSpPr>
-        <p:spPr>
-          <a:xfrm>
-            <a:off x="1000874" y="2358710"/>
-            <a:ext cx="10515600" cy="4351338"/>
-          </a:xfrm>
-        </p:spPr>
-        <p:txBody>
-          <a:bodyPr/>
-          <a:lstStyle/>
-          <a:p>
-            <a:r>
-              <a:rPr lang="pt-BR" sz="2400" dirty="0">
-                <a:latin typeface="+mj-lt"/>
-              </a:rPr>
-              <a:t>Analisar, visualizar e compartilhar dados</a:t>
-            </a:r>
-          </a:p>
-          <a:p>
-            <a:r>
-              <a:rPr lang="pt-BR" sz="2400" dirty="0">
-                <a:latin typeface="+mj-lt"/>
-              </a:rPr>
-              <a:t>Se conecta com praticamente todas as fontes de dados existentes</a:t>
-            </a:r>
-          </a:p>
-          <a:p>
-            <a:r>
-              <a:rPr lang="pt-BR" sz="2400" dirty="0">
-                <a:latin typeface="+mj-lt"/>
-              </a:rPr>
-              <a:t>Receber relatórios via e-mail automaticamente</a:t>
-            </a:r>
-          </a:p>
-          <a:p>
-            <a:r>
-              <a:rPr lang="pt-BR" sz="2400" dirty="0" err="1">
-                <a:latin typeface="+mj-lt"/>
-              </a:rPr>
-              <a:t>Stream</a:t>
-            </a:r>
-            <a:r>
-              <a:rPr lang="pt-BR" sz="2400" dirty="0">
-                <a:latin typeface="+mj-lt"/>
-              </a:rPr>
-              <a:t> </a:t>
-            </a:r>
-            <a:r>
-              <a:rPr lang="pt-BR" sz="2400" dirty="0" err="1">
-                <a:latin typeface="+mj-lt"/>
-              </a:rPr>
-              <a:t>analytics</a:t>
-            </a:r>
-            <a:r>
-              <a:rPr lang="pt-BR" sz="2400" dirty="0">
-                <a:latin typeface="+mj-lt"/>
-              </a:rPr>
-              <a:t> em tempo real</a:t>
-            </a:r>
-          </a:p>
-          <a:p>
-            <a:r>
-              <a:rPr lang="pt-BR" sz="2400" dirty="0">
-                <a:latin typeface="+mj-lt"/>
-              </a:rPr>
-              <a:t>Visão de 360 graus</a:t>
-            </a:r>
-          </a:p>
-          <a:p>
-            <a:r>
-              <a:rPr lang="pt-BR" sz="2400" dirty="0">
-                <a:latin typeface="+mj-lt"/>
-              </a:rPr>
-              <a:t>Tomada de decisões</a:t>
-            </a:r>
-          </a:p>
-          <a:p>
-            <a:endParaRPr lang="pt-BR" dirty="0"/>
-          </a:p>
-        </p:txBody>
-      </p:sp>
-    </p:spTree>
-    <p:extLst>
-      <p:ext uri="{BB962C8B-B14F-4D97-AF65-F5344CB8AC3E}">
-        <p14:creationId xmlns:p14="http://schemas.microsoft.com/office/powerpoint/2010/main" val="1298932341"/>
-      </p:ext>
-    </p:extLst>
-  </p:cSld>
-  <p:clrMapOvr>
-    <a:masterClrMapping/>
-  </p:clrMapOvr>
-</p:sld>
-</file>
-
-<file path=ppt/slides/slide18.xml><?xml version="1.0" encoding="utf-8"?>
-<p:sld xmlns:a="http://schemas.openxmlformats.org/drawingml/2006/main" xmlns:r="http://schemas.openxmlformats.org/officeDocument/2006/relationships" xmlns:p="http://schemas.openxmlformats.org/presentationml/2006/main">
-  <p:cSld>
-    <p:bg>
-      <p:bgPr>
-        <a:solidFill>
-          <a:schemeClr val="bg1"/>
-        </a:solidFill>
-        <a:effectLst/>
-      </p:bgPr>
-    </p:bg>
-    <p:spTree>
-      <p:nvGrpSpPr>
-        <p:cNvPr id="1" name=""/>
-        <p:cNvGrpSpPr/>
-        <p:nvPr/>
-      </p:nvGrpSpPr>
-      <p:grpSpPr>
-        <a:xfrm>
-          <a:off x="0" y="0"/>
-          <a:ext cx="0" cy="0"/>
-          <a:chOff x="0" y="0"/>
-          <a:chExt cx="0" cy="0"/>
-        </a:xfrm>
-      </p:grpSpPr>
-      <p:sp>
-        <p:nvSpPr>
-          <p:cNvPr id="2" name="Título 1">
-            <a:extLst>
-              <a:ext uri="{FF2B5EF4-FFF2-40B4-BE49-F238E27FC236}">
-                <a16:creationId xmlns:a16="http://schemas.microsoft.com/office/drawing/2014/main" id="{E0B7F696-990F-4A06-8F6A-14DCE2F6ECEA}"/>
-              </a:ext>
-            </a:extLst>
-          </p:cNvPr>
-          <p:cNvSpPr>
-            <a:spLocks noGrp="1"/>
-          </p:cNvSpPr>
-          <p:nvPr>
-            <p:ph type="title"/>
-          </p:nvPr>
-        </p:nvSpPr>
-        <p:spPr>
-          <a:xfrm>
-            <a:off x="870204" y="606564"/>
-            <a:ext cx="10451592" cy="1325563"/>
-          </a:xfrm>
-        </p:spPr>
-        <p:txBody>
-          <a:bodyPr anchor="ctr">
-            <a:normAutofit/>
-          </a:bodyPr>
-          <a:lstStyle/>
-          <a:p>
-            <a:r>
-              <a:rPr lang="pt-BR" dirty="0"/>
-              <a:t>Power BI</a:t>
-            </a:r>
-          </a:p>
-        </p:txBody>
-      </p:sp>
-      <p:sp>
-        <p:nvSpPr>
-          <p:cNvPr id="42" name="Rectangle 41">
-            <a:extLst>
-              <a:ext uri="{FF2B5EF4-FFF2-40B4-BE49-F238E27FC236}">
-                <a16:creationId xmlns:a16="http://schemas.microsoft.com/office/drawing/2014/main" id="{A5711A0E-A428-4ED1-96CB-33D69FD842E4}"/>
-              </a:ext>
-              <a:ext uri="{C183D7F6-B498-43B3-948B-1728B52AA6E4}">
-                <adec:decorative xmlns:adec="http://schemas.microsoft.com/office/drawing/2017/decorative" val="1"/>
-              </a:ext>
-            </a:extLst>
-          </p:cNvPr>
-          <p:cNvSpPr>
-            <a:spLocks noGrp="1" noRot="1" noChangeAspect="1" noMove="1" noResize="1" noEditPoints="1" noAdjustHandles="1" noChangeArrowheads="1" noChangeShapeType="1" noTextEdit="1"/>
-          </p:cNvSpPr>
-          <p:nvPr>
-            <p:extLst>
-              <p:ext uri="{386F3935-93C4-4BCD-93E2-E3B085C9AB24}">
-                <p16:designElem xmlns:p16="http://schemas.microsoft.com/office/powerpoint/2015/main" val="1"/>
-              </p:ext>
-            </p:extLst>
-          </p:nvPr>
-        </p:nvSpPr>
-        <p:spPr>
-          <a:xfrm>
-            <a:off x="1000874" y="2043803"/>
-            <a:ext cx="10190252" cy="80683"/>
-          </a:xfrm>
-          <a:prstGeom prst="rect">
-            <a:avLst/>
-          </a:prstGeom>
-          <a:solidFill>
-            <a:schemeClr val="tx1">
-              <a:lumMod val="50000"/>
-              <a:lumOff val="50000"/>
-              <a:alpha val="65000"/>
-            </a:schemeClr>
-          </a:solidFill>
-          <a:ln>
-            <a:noFill/>
-          </a:ln>
-        </p:spPr>
-        <p:style>
-          <a:lnRef idx="2">
-            <a:schemeClr val="accent1">
-              <a:shade val="50000"/>
-            </a:schemeClr>
-          </a:lnRef>
-          <a:fillRef idx="1">
-            <a:schemeClr val="accent1"/>
-          </a:fillRef>
-          <a:effectRef idx="0">
-            <a:schemeClr val="accent1"/>
-          </a:effectRef>
-          <a:fontRef idx="minor">
-            <a:schemeClr val="lt1"/>
-          </a:fontRef>
-        </p:style>
-        <p:txBody>
-          <a:bodyPr rtlCol="0" anchor="ctr"/>
-          <a:lstStyle/>
-          <a:p>
-            <a:pPr marL="0" marR="0" lvl="0" indent="0" algn="ctr" defTabSz="457200" rtl="0" eaLnBrk="1" fontAlgn="auto" latinLnBrk="0" hangingPunct="1">
-              <a:lnSpc>
-                <a:spcPct val="100000"/>
-              </a:lnSpc>
-              <a:spcBef>
-                <a:spcPts val="0"/>
-              </a:spcBef>
-              <a:spcAft>
-                <a:spcPts val="0"/>
-              </a:spcAft>
-              <a:buClrTx/>
-              <a:buSzTx/>
-              <a:buFontTx/>
-              <a:buNone/>
-              <a:tabLst/>
-              <a:defRPr/>
-            </a:pPr>
-            <a:endParaRPr kumimoji="0" lang="en-US" sz="1800" b="0" i="0" u="none" strike="noStrike" kern="1200" cap="none" spc="0" normalizeH="0" baseline="0" noProof="0">
-              <a:ln>
-                <a:noFill/>
-              </a:ln>
-              <a:solidFill>
-                <a:prstClr val="white"/>
-              </a:solidFill>
-              <a:effectLst/>
-              <a:uLnTx/>
-              <a:uFillTx/>
-              <a:latin typeface="Calibri" panose="020F0502020204030204"/>
-              <a:ea typeface="+mn-ea"/>
-              <a:cs typeface="+mn-cs"/>
-            </a:endParaRPr>
           </a:p>
         </p:txBody>
       </p:sp>
@@ -35556,7 +34452,7 @@
 </p:sld>
 </file>
 
-<file path=ppt/slides/slide19.xml><?xml version="1.0" encoding="utf-8"?>
+<file path=ppt/slides/slide14.xml><?xml version="1.0" encoding="utf-8"?>
 <p:sld xmlns:a="http://schemas.openxmlformats.org/drawingml/2006/main" xmlns:r="http://schemas.openxmlformats.org/officeDocument/2006/relationships" xmlns:p="http://schemas.openxmlformats.org/presentationml/2006/main">
   <p:cSld>
     <p:bg>
@@ -35611,104 +34507,183 @@
           <a:p>
             <a:r>
               <a:rPr lang="pt-BR" dirty="0"/>
-              <a:t>ALERTAS</a:t>
+              <a:t>HELP DESK</a:t>
+            </a:r>
+          </a:p>
+        </p:txBody>
+      </p:sp>
+      <p:pic>
+        <p:nvPicPr>
+          <p:cNvPr id="4" name="Espaço Reservado para Conteúdo 3" descr="Tela de celular com texto preto sobre fundo branco&#10;&#10;Descrição gerada automaticamente">
+            <a:extLst>
+              <a:ext uri="{FF2B5EF4-FFF2-40B4-BE49-F238E27FC236}">
+                <a16:creationId xmlns:a16="http://schemas.microsoft.com/office/drawing/2014/main" id="{FBF84780-404E-45BF-A797-C39BEFD5F987}"/>
+              </a:ext>
+            </a:extLst>
+          </p:cNvPr>
+          <p:cNvPicPr>
+            <a:picLocks noGrp="1" noChangeAspect="1"/>
+          </p:cNvPicPr>
+          <p:nvPr>
+            <p:ph idx="1"/>
+          </p:nvPr>
+        </p:nvPicPr>
+        <p:blipFill rotWithShape="1">
+          <a:blip r:embed="rId2">
+            <a:extLst>
+              <a:ext uri="{28A0092B-C50C-407E-A947-70E740481C1C}">
+                <a14:useLocalDpi xmlns:a14="http://schemas.microsoft.com/office/drawing/2010/main" val="0"/>
+              </a:ext>
+            </a:extLst>
+          </a:blip>
+          <a:stretch/>
+        </p:blipFill>
+        <p:spPr>
+          <a:xfrm>
+            <a:off x="3051222" y="1825625"/>
+            <a:ext cx="6089555" cy="4351338"/>
+          </a:xfrm>
+        </p:spPr>
+      </p:pic>
+      <p:pic>
+        <p:nvPicPr>
+          <p:cNvPr id="7" name="Imagem 6" descr="Uma imagem contendo luz, desenho&#10;&#10;Descrição gerada automaticamente">
+            <a:extLst>
+              <a:ext uri="{FF2B5EF4-FFF2-40B4-BE49-F238E27FC236}">
+                <a16:creationId xmlns:a16="http://schemas.microsoft.com/office/drawing/2014/main" id="{3FD6C9A3-B2D1-4C73-AFA5-325F16E6C0E7}"/>
+              </a:ext>
+            </a:extLst>
+          </p:cNvPr>
+          <p:cNvPicPr>
+            <a:picLocks noChangeAspect="1"/>
+          </p:cNvPicPr>
+          <p:nvPr/>
+        </p:nvPicPr>
+        <p:blipFill>
+          <a:blip r:embed="rId3">
+            <a:extLst>
+              <a:ext uri="{28A0092B-C50C-407E-A947-70E740481C1C}">
+                <a14:useLocalDpi xmlns:a14="http://schemas.microsoft.com/office/drawing/2010/main" val="0"/>
+              </a:ext>
+            </a:extLst>
+          </a:blip>
+          <a:stretch>
+            <a:fillRect/>
+          </a:stretch>
+        </p:blipFill>
+        <p:spPr>
+          <a:xfrm>
+            <a:off x="10229458" y="788862"/>
+            <a:ext cx="926222" cy="1028396"/>
+          </a:xfrm>
+          <a:prstGeom prst="rect">
+            <a:avLst/>
+          </a:prstGeom>
+        </p:spPr>
+      </p:pic>
+    </p:spTree>
+    <p:extLst>
+      <p:ext uri="{BB962C8B-B14F-4D97-AF65-F5344CB8AC3E}">
+        <p14:creationId xmlns:p14="http://schemas.microsoft.com/office/powerpoint/2010/main" val="3515412249"/>
+      </p:ext>
+    </p:extLst>
+  </p:cSld>
+  <p:clrMapOvr>
+    <a:masterClrMapping/>
+  </p:clrMapOvr>
+</p:sld>
+</file>
+
+<file path=ppt/slides/slide15.xml><?xml version="1.0" encoding="utf-8"?>
+<p:sld xmlns:a="http://schemas.openxmlformats.org/drawingml/2006/main" xmlns:r="http://schemas.openxmlformats.org/officeDocument/2006/relationships" xmlns:p="http://schemas.openxmlformats.org/presentationml/2006/main">
+  <p:cSld>
+    <p:bg>
+      <p:bgPr>
+        <a:solidFill>
+          <a:schemeClr val="bg1"/>
+        </a:solidFill>
+        <a:effectLst/>
+      </p:bgPr>
+    </p:bg>
+    <p:spTree>
+      <p:nvGrpSpPr>
+        <p:cNvPr id="1" name=""/>
+        <p:cNvGrpSpPr/>
+        <p:nvPr/>
+      </p:nvGrpSpPr>
+      <p:grpSpPr>
+        <a:xfrm>
+          <a:off x="0" y="0"/>
+          <a:ext cx="0" cy="0"/>
+          <a:chOff x="0" y="0"/>
+          <a:chExt cx="0" cy="0"/>
+        </a:xfrm>
+      </p:grpSpPr>
+      <p:sp>
+        <p:nvSpPr>
+          <p:cNvPr id="2" name="Título 1">
+            <a:extLst>
+              <a:ext uri="{FF2B5EF4-FFF2-40B4-BE49-F238E27FC236}">
+                <a16:creationId xmlns:a16="http://schemas.microsoft.com/office/drawing/2014/main" id="{E0B7F696-990F-4A06-8F6A-14DCE2F6ECEA}"/>
+              </a:ext>
+            </a:extLst>
+          </p:cNvPr>
+          <p:cNvSpPr>
+            <a:spLocks noGrp="1"/>
+          </p:cNvSpPr>
+          <p:nvPr>
+            <p:ph type="title"/>
+          </p:nvPr>
+        </p:nvSpPr>
+        <p:spPr>
+          <a:xfrm>
+            <a:off x="870204" y="606564"/>
+            <a:ext cx="10451592" cy="1325563"/>
+          </a:xfrm>
+        </p:spPr>
+        <p:txBody>
+          <a:bodyPr anchor="ctr">
+            <a:normAutofit/>
+          </a:bodyPr>
+          <a:lstStyle/>
+          <a:p>
+            <a:r>
+              <a:rPr lang="pt-BR" dirty="0"/>
+              <a:t>CONCLUSÃO</a:t>
             </a:r>
           </a:p>
         </p:txBody>
       </p:sp>
       <p:sp>
         <p:nvSpPr>
-          <p:cNvPr id="42" name="Rectangle 41">
+          <p:cNvPr id="5" name="Espaço Reservado para Conteúdo 2">
             <a:extLst>
               <a:ext uri="{FF2B5EF4-FFF2-40B4-BE49-F238E27FC236}">
-                <a16:creationId xmlns:a16="http://schemas.microsoft.com/office/drawing/2014/main" id="{A5711A0E-A428-4ED1-96CB-33D69FD842E4}"/>
-              </a:ext>
-              <a:ext uri="{C183D7F6-B498-43B3-948B-1728B52AA6E4}">
-                <adec:decorative xmlns:adec="http://schemas.microsoft.com/office/drawing/2017/decorative" val="1"/>
+                <a16:creationId xmlns:a16="http://schemas.microsoft.com/office/drawing/2014/main" id="{32F2F2EF-3C58-4E56-B597-71AA32615A38}"/>
               </a:ext>
             </a:extLst>
           </p:cNvPr>
           <p:cNvSpPr>
-            <a:spLocks noGrp="1" noRot="1" noChangeAspect="1" noMove="1" noResize="1" noEditPoints="1" noAdjustHandles="1" noChangeArrowheads="1" noChangeShapeType="1" noTextEdit="1"/>
+            <a:spLocks noGrp="1"/>
           </p:cNvSpPr>
           <p:nvPr>
-            <p:extLst>
-              <p:ext uri="{386F3935-93C4-4BCD-93E2-E3B085C9AB24}">
-                <p16:designElem xmlns:p16="http://schemas.microsoft.com/office/powerpoint/2015/main" val="1"/>
-              </p:ext>
-            </p:extLst>
+            <p:ph idx="1"/>
           </p:nvPr>
         </p:nvSpPr>
         <p:spPr>
           <a:xfrm>
-            <a:off x="1000874" y="2043803"/>
-            <a:ext cx="10190252" cy="80683"/>
+            <a:off x="1000874" y="2304660"/>
+            <a:ext cx="10154806" cy="4282839"/>
           </a:xfrm>
-          <a:prstGeom prst="rect">
-            <a:avLst/>
-          </a:prstGeom>
-          <a:solidFill>
-            <a:schemeClr val="tx1">
-              <a:lumMod val="50000"/>
-              <a:lumOff val="50000"/>
-              <a:alpha val="65000"/>
-            </a:schemeClr>
-          </a:solidFill>
-          <a:ln>
-            <a:noFill/>
-          </a:ln>
         </p:spPr>
-        <p:style>
-          <a:lnRef idx="2">
-            <a:schemeClr val="accent1">
-              <a:shade val="50000"/>
-            </a:schemeClr>
-          </a:lnRef>
-          <a:fillRef idx="1">
-            <a:schemeClr val="accent1"/>
-          </a:fillRef>
-          <a:effectRef idx="0">
-            <a:schemeClr val="accent1"/>
-          </a:effectRef>
-          <a:fontRef idx="minor">
-            <a:schemeClr val="lt1"/>
-          </a:fontRef>
-        </p:style>
         <p:txBody>
-          <a:bodyPr rtlCol="0" anchor="ctr"/>
+          <a:bodyPr/>
           <a:lstStyle/>
           <a:p>
-            <a:pPr marL="0" marR="0" lvl="0" indent="0" algn="ctr" defTabSz="457200" rtl="0" eaLnBrk="1" fontAlgn="auto" latinLnBrk="0" hangingPunct="1">
-              <a:lnSpc>
-                <a:spcPct val="100000"/>
-              </a:lnSpc>
-              <a:spcBef>
-                <a:spcPts val="0"/>
-              </a:spcBef>
-              <a:spcAft>
-                <a:spcPts val="0"/>
-              </a:spcAft>
-              <a:buClrTx/>
-              <a:buSzTx/>
-              <a:buFontTx/>
-              <a:buNone/>
-              <a:tabLst/>
-              <a:defRPr/>
-            </a:pPr>
-            <a:endParaRPr kumimoji="0" lang="en-US" sz="1800" b="0" i="0" u="none" strike="noStrike" kern="1200" cap="none" spc="0" normalizeH="0" baseline="0" noProof="0">
-              <a:ln>
-                <a:noFill/>
-              </a:ln>
-              <a:solidFill>
-                <a:prstClr val="white"/>
-              </a:solidFill>
-              <a:effectLst/>
-              <a:uLnTx/>
-              <a:uFillTx/>
-              <a:latin typeface="Calibri" panose="020F0502020204030204"/>
-              <a:ea typeface="+mn-ea"/>
-              <a:cs typeface="+mn-cs"/>
-            </a:endParaRPr>
+            <a:endParaRPr lang="pt-BR" dirty="0"/>
+          </a:p>
+          <a:p>
+            <a:endParaRPr lang="pt-BR" dirty="0"/>
           </a:p>
         </p:txBody>
       </p:sp>
@@ -35717,7 +34692,7 @@
           <p:cNvPr id="6" name="Imagem 5" descr="Uma imagem contendo luz, desenho&#10;&#10;Descrição gerada automaticamente">
             <a:extLst>
               <a:ext uri="{FF2B5EF4-FFF2-40B4-BE49-F238E27FC236}">
-                <a16:creationId xmlns:a16="http://schemas.microsoft.com/office/drawing/2014/main" id="{4A675EDE-9184-411F-AE4F-6F3543E462AB}"/>
+                <a16:creationId xmlns:a16="http://schemas.microsoft.com/office/drawing/2014/main" id="{701B6536-18A7-4E3A-A01E-E889847AF588}"/>
               </a:ext>
             </a:extLst>
           </p:cNvPr>
@@ -35751,7 +34726,100 @@
     </p:spTree>
     <p:extLst>
       <p:ext uri="{BB962C8B-B14F-4D97-AF65-F5344CB8AC3E}">
-        <p14:creationId xmlns:p14="http://schemas.microsoft.com/office/powerpoint/2010/main" val="1361539501"/>
+        <p14:creationId xmlns:p14="http://schemas.microsoft.com/office/powerpoint/2010/main" val="1642922383"/>
+      </p:ext>
+    </p:extLst>
+  </p:cSld>
+  <p:clrMapOvr>
+    <a:masterClrMapping/>
+  </p:clrMapOvr>
+</p:sld>
+</file>
+
+<file path=ppt/slides/slide16.xml><?xml version="1.0" encoding="utf-8"?>
+<p:sld xmlns:a="http://schemas.openxmlformats.org/drawingml/2006/main" xmlns:r="http://schemas.openxmlformats.org/officeDocument/2006/relationships" xmlns:p="http://schemas.openxmlformats.org/presentationml/2006/main">
+  <p:cSld>
+    <p:spTree>
+      <p:nvGrpSpPr>
+        <p:cNvPr id="1" name=""/>
+        <p:cNvGrpSpPr/>
+        <p:nvPr/>
+      </p:nvGrpSpPr>
+      <p:grpSpPr>
+        <a:xfrm>
+          <a:off x="0" y="0"/>
+          <a:ext cx="0" cy="0"/>
+          <a:chOff x="0" y="0"/>
+          <a:chExt cx="0" cy="0"/>
+        </a:xfrm>
+      </p:grpSpPr>
+      <p:sp>
+        <p:nvSpPr>
+          <p:cNvPr id="2" name="Título 1"/>
+          <p:cNvSpPr>
+            <a:spLocks noGrp="1"/>
+          </p:cNvSpPr>
+          <p:nvPr>
+            <p:ph type="title"/>
+          </p:nvPr>
+        </p:nvSpPr>
+        <p:spPr>
+          <a:xfrm>
+            <a:off x="1000874" y="1268332"/>
+            <a:ext cx="10515600" cy="2852737"/>
+          </a:xfrm>
+        </p:spPr>
+        <p:txBody>
+          <a:bodyPr/>
+          <a:lstStyle/>
+          <a:p>
+            <a:r>
+              <a:rPr lang="pt-BR" dirty="0"/>
+              <a:t>Obrigado </a:t>
+            </a:r>
+          </a:p>
+        </p:txBody>
+      </p:sp>
+      <p:pic>
+        <p:nvPicPr>
+          <p:cNvPr id="7" name="Imagem 6" descr="Uma imagem contendo luz, desenho&#10;&#10;Descrição gerada automaticamente">
+            <a:extLst>
+              <a:ext uri="{FF2B5EF4-FFF2-40B4-BE49-F238E27FC236}">
+                <a16:creationId xmlns:a16="http://schemas.microsoft.com/office/drawing/2014/main" id="{3C4B7C17-6DC7-46D1-8B55-127D449C7C1C}"/>
+              </a:ext>
+            </a:extLst>
+          </p:cNvPr>
+          <p:cNvPicPr>
+            <a:picLocks noChangeAspect="1"/>
+          </p:cNvPicPr>
+          <p:nvPr/>
+        </p:nvPicPr>
+        <p:blipFill>
+          <a:blip r:embed="rId3">
+            <a:extLst>
+              <a:ext uri="{28A0092B-C50C-407E-A947-70E740481C1C}">
+                <a14:useLocalDpi xmlns:a14="http://schemas.microsoft.com/office/drawing/2010/main" val="0"/>
+              </a:ext>
+            </a:extLst>
+          </a:blip>
+          <a:stretch>
+            <a:fillRect/>
+          </a:stretch>
+        </p:blipFill>
+        <p:spPr>
+          <a:xfrm>
+            <a:off x="10229458" y="788862"/>
+            <a:ext cx="926222" cy="1028396"/>
+          </a:xfrm>
+          <a:prstGeom prst="rect">
+            <a:avLst/>
+          </a:prstGeom>
+        </p:spPr>
+      </p:pic>
+    </p:spTree>
+    <p:extLst>
+      <p:ext uri="{BB962C8B-B14F-4D97-AF65-F5344CB8AC3E}">
+        <p14:creationId xmlns:p14="http://schemas.microsoft.com/office/powerpoint/2010/main" val="1549274405"/>
       </p:ext>
     </p:extLst>
   </p:cSld>
@@ -35818,102 +34886,6 @@
               <a:rPr lang="pt-BR" dirty="0"/>
               <a:t>NEXT STREAMING</a:t>
             </a:r>
-          </a:p>
-        </p:txBody>
-      </p:sp>
-      <p:sp>
-        <p:nvSpPr>
-          <p:cNvPr id="42" name="Rectangle 41">
-            <a:extLst>
-              <a:ext uri="{FF2B5EF4-FFF2-40B4-BE49-F238E27FC236}">
-                <a16:creationId xmlns:a16="http://schemas.microsoft.com/office/drawing/2014/main" id="{A5711A0E-A428-4ED1-96CB-33D69FD842E4}"/>
-              </a:ext>
-              <a:ext uri="{C183D7F6-B498-43B3-948B-1728B52AA6E4}">
-                <adec:decorative xmlns:adec="http://schemas.microsoft.com/office/drawing/2017/decorative" val="1"/>
-              </a:ext>
-            </a:extLst>
-          </p:cNvPr>
-          <p:cNvSpPr>
-            <a:spLocks noGrp="1" noRot="1" noChangeAspect="1" noMove="1" noResize="1" noEditPoints="1" noAdjustHandles="1" noChangeArrowheads="1" noChangeShapeType="1" noTextEdit="1"/>
-          </p:cNvSpPr>
-          <p:nvPr>
-            <p:extLst>
-              <p:ext uri="{386F3935-93C4-4BCD-93E2-E3B085C9AB24}">
-                <p16:designElem xmlns:p16="http://schemas.microsoft.com/office/powerpoint/2015/main" val="1"/>
-              </p:ext>
-            </p:extLst>
-          </p:nvPr>
-        </p:nvSpPr>
-        <p:spPr>
-          <a:xfrm>
-            <a:off x="1000874" y="2043803"/>
-            <a:ext cx="10190252" cy="80683"/>
-          </a:xfrm>
-          <a:prstGeom prst="rect">
-            <a:avLst/>
-          </a:prstGeom>
-          <a:solidFill>
-            <a:schemeClr val="tx1">
-              <a:lumMod val="50000"/>
-              <a:lumOff val="50000"/>
-              <a:alpha val="65000"/>
-            </a:schemeClr>
-          </a:solidFill>
-          <a:ln>
-            <a:noFill/>
-          </a:ln>
-        </p:spPr>
-        <p:style>
-          <a:lnRef idx="2">
-            <a:schemeClr val="accent1">
-              <a:shade val="50000"/>
-            </a:schemeClr>
-          </a:lnRef>
-          <a:fillRef idx="1">
-            <a:schemeClr val="accent1"/>
-          </a:fillRef>
-          <a:effectRef idx="0">
-            <a:schemeClr val="accent1"/>
-          </a:effectRef>
-          <a:fontRef idx="minor">
-            <a:schemeClr val="lt1"/>
-          </a:fontRef>
-        </p:style>
-        <p:txBody>
-          <a:bodyPr rtlCol="0" anchor="ctr"/>
-          <a:lstStyle/>
-          <a:p>
-            <a:pPr marL="0" marR="0" lvl="0" indent="0" algn="ctr" defTabSz="457200" rtl="0" eaLnBrk="1" fontAlgn="auto" latinLnBrk="0" hangingPunct="1">
-              <a:lnSpc>
-                <a:spcPct val="100000"/>
-              </a:lnSpc>
-              <a:spcBef>
-                <a:spcPts val="0"/>
-              </a:spcBef>
-              <a:spcAft>
-                <a:spcPts val="0"/>
-              </a:spcAft>
-              <a:buClrTx/>
-              <a:buSzTx/>
-              <a:buFontTx/>
-              <a:buNone/>
-              <a:tabLst/>
-              <a:defRPr/>
-            </a:pPr>
-            <a:endParaRPr kumimoji="0" lang="en-US" sz="1800" b="0" i="0" u="none" strike="noStrike" kern="1200" cap="none" spc="0" normalizeH="0" baseline="0" noProof="0">
-              <a:ln>
-                <a:noFill/>
-              </a:ln>
-              <a:solidFill>
-                <a:prstClr val="white"/>
-              </a:solidFill>
-              <a:effectLst/>
-              <a:uLnTx/>
-              <a:uFillTx/>
-              <a:latin typeface="Calibri" panose="020F0502020204030204"/>
-              <a:ea typeface="+mn-ea"/>
-              <a:cs typeface="+mn-cs"/>
-            </a:endParaRPr>
           </a:p>
         </p:txBody>
       </p:sp>
@@ -36129,7 +35101,7 @@
           <p:nvPr>
             <p:extLst>
               <p:ext uri="{D42A27DB-BD31-4B8C-83A1-F6EECF244321}">
-                <p14:modId xmlns:p14="http://schemas.microsoft.com/office/powerpoint/2010/main" val="455465034"/>
+                <p14:modId xmlns:p14="http://schemas.microsoft.com/office/powerpoint/2010/main" val="2329167406"/>
               </p:ext>
             </p:extLst>
           </p:nvPr>
@@ -36193,7 +35165,7 @@
 </p:sld>
 </file>
 
-<file path=ppt/slides/slide20.xml><?xml version="1.0" encoding="utf-8"?>
+<file path=ppt/slides/slide3.xml><?xml version="1.0" encoding="utf-8"?>
 <p:sld xmlns:a="http://schemas.openxmlformats.org/drawingml/2006/main" xmlns:r="http://schemas.openxmlformats.org/officeDocument/2006/relationships" xmlns:p="http://schemas.openxmlformats.org/presentationml/2006/main">
   <p:cSld>
     <p:bg>
@@ -36220,45 +35192,10 @@
       </p:grpSpPr>
       <p:sp>
         <p:nvSpPr>
-          <p:cNvPr id="2" name="Título 1">
+          <p:cNvPr id="13" name="Rectangle 12">
             <a:extLst>
               <a:ext uri="{FF2B5EF4-FFF2-40B4-BE49-F238E27FC236}">
-                <a16:creationId xmlns:a16="http://schemas.microsoft.com/office/drawing/2014/main" id="{E0B7F696-990F-4A06-8F6A-14DCE2F6ECEA}"/>
-              </a:ext>
-            </a:extLst>
-          </p:cNvPr>
-          <p:cNvSpPr>
-            <a:spLocks noGrp="1"/>
-          </p:cNvSpPr>
-          <p:nvPr>
-            <p:ph type="title"/>
-          </p:nvPr>
-        </p:nvSpPr>
-        <p:spPr>
-          <a:xfrm>
-            <a:off x="870204" y="606564"/>
-            <a:ext cx="10451592" cy="1325563"/>
-          </a:xfrm>
-        </p:spPr>
-        <p:txBody>
-          <a:bodyPr anchor="ctr">
-            <a:normAutofit/>
-          </a:bodyPr>
-          <a:lstStyle/>
-          <a:p>
-            <a:r>
-              <a:rPr lang="pt-BR" dirty="0"/>
-              <a:t>HELP DESK</a:t>
-            </a:r>
-          </a:p>
-        </p:txBody>
-      </p:sp>
-      <p:sp>
-        <p:nvSpPr>
-          <p:cNvPr id="42" name="Rectangle 41">
-            <a:extLst>
-              <a:ext uri="{FF2B5EF4-FFF2-40B4-BE49-F238E27FC236}">
-                <a16:creationId xmlns:a16="http://schemas.microsoft.com/office/drawing/2014/main" id="{A5711A0E-A428-4ED1-96CB-33D69FD842E4}"/>
+                <a16:creationId xmlns:a16="http://schemas.microsoft.com/office/drawing/2014/main" id="{A4AC5506-6312-4701-8D3C-40187889A947}"/>
               </a:ext>
               <a:ext uri="{C183D7F6-B498-43B3-948B-1728B52AA6E4}">
                 <adec:decorative xmlns:adec="http://schemas.microsoft.com/office/drawing/2017/decorative" val="1"/>
@@ -36278,18 +35215,14 @@
         </p:nvSpPr>
         <p:spPr>
           <a:xfrm>
-            <a:off x="1000874" y="2043803"/>
-            <a:ext cx="10190252" cy="80683"/>
+            <a:off x="0" y="651752"/>
+            <a:ext cx="12192000" cy="736551"/>
           </a:xfrm>
           <a:prstGeom prst="rect">
             <a:avLst/>
           </a:prstGeom>
           <a:solidFill>
-            <a:schemeClr val="tx1">
-              <a:lumMod val="50000"/>
-              <a:lumOff val="50000"/>
-              <a:alpha val="65000"/>
-            </a:schemeClr>
+            <a:schemeClr val="tx1"/>
           </a:solidFill>
           <a:ln>
             <a:noFill/>
@@ -36315,46 +35248,60 @@
           <a:bodyPr rtlCol="0" anchor="ctr"/>
           <a:lstStyle/>
           <a:p>
-            <a:pPr marL="0" marR="0" lvl="0" indent="0" algn="ctr" defTabSz="457200" rtl="0" eaLnBrk="1" fontAlgn="auto" latinLnBrk="0" hangingPunct="1">
-              <a:lnSpc>
-                <a:spcPct val="100000"/>
-              </a:lnSpc>
-              <a:spcBef>
-                <a:spcPts val="0"/>
-              </a:spcBef>
-              <a:spcAft>
-                <a:spcPts val="0"/>
-              </a:spcAft>
-              <a:buClrTx/>
-              <a:buSzTx/>
-              <a:buFontTx/>
-              <a:buNone/>
-              <a:tabLst/>
-              <a:defRPr/>
-            </a:pPr>
-            <a:endParaRPr kumimoji="0" lang="en-US" sz="1800" b="0" i="0" u="none" strike="noStrike" kern="1200" cap="none" spc="0" normalizeH="0" baseline="0" noProof="0">
-              <a:ln>
-                <a:noFill/>
-              </a:ln>
-              <a:solidFill>
-                <a:prstClr val="white"/>
-              </a:solidFill>
-              <a:effectLst/>
-              <a:uLnTx/>
-              <a:uFillTx/>
-              <a:latin typeface="Calibri" panose="020F0502020204030204"/>
-              <a:ea typeface="+mn-ea"/>
-              <a:cs typeface="+mn-cs"/>
-            </a:endParaRPr>
+            <a:pPr algn="ctr"/>
+            <a:endParaRPr lang="en-US"/>
+          </a:p>
+        </p:txBody>
+      </p:sp>
+      <p:sp>
+        <p:nvSpPr>
+          <p:cNvPr id="2" name="Título 1">
+            <a:extLst>
+              <a:ext uri="{FF2B5EF4-FFF2-40B4-BE49-F238E27FC236}">
+                <a16:creationId xmlns:a16="http://schemas.microsoft.com/office/drawing/2014/main" id="{E0B7F696-990F-4A06-8F6A-14DCE2F6ECEA}"/>
+              </a:ext>
+            </a:extLst>
+          </p:cNvPr>
+          <p:cNvSpPr>
+            <a:spLocks noGrp="1"/>
+          </p:cNvSpPr>
+          <p:nvPr>
+            <p:ph type="title"/>
+          </p:nvPr>
+        </p:nvSpPr>
+        <p:spPr>
+          <a:xfrm>
+            <a:off x="556532" y="643467"/>
+            <a:ext cx="11210925" cy="744836"/>
+          </a:xfrm>
+        </p:spPr>
+        <p:txBody>
+          <a:bodyPr vert="horz" lIns="91440" tIns="45720" rIns="91440" bIns="45720" rtlCol="0" anchor="ctr">
+            <a:normAutofit/>
+          </a:bodyPr>
+          <a:lstStyle/>
+          <a:p>
+            <a:pPr algn="ctr"/>
+            <a:r>
+              <a:rPr lang="en-US" sz="3200" kern="1200" dirty="0">
+                <a:solidFill>
+                  <a:schemeClr val="bg1"/>
+                </a:solidFill>
+                <a:latin typeface="+mj-lt"/>
+                <a:ea typeface="+mj-ea"/>
+                <a:cs typeface="+mj-cs"/>
+              </a:rPr>
+              <a:t>CONTEXTO</a:t>
+            </a:r>
           </a:p>
         </p:txBody>
       </p:sp>
       <p:pic>
         <p:nvPicPr>
-          <p:cNvPr id="7" name="Imagem 6" descr="Uma imagem contendo luz, desenho&#10;&#10;Descrição gerada automaticamente">
+          <p:cNvPr id="8" name="Imagem 7" descr="Uma imagem contendo luz, desenho&#10;&#10;Descrição gerada automaticamente">
             <a:extLst>
               <a:ext uri="{FF2B5EF4-FFF2-40B4-BE49-F238E27FC236}">
-                <a16:creationId xmlns:a16="http://schemas.microsoft.com/office/drawing/2014/main" id="{3FD6C9A3-B2D1-4C73-AFA5-325F16E6C0E7}"/>
+                <a16:creationId xmlns:a16="http://schemas.microsoft.com/office/drawing/2014/main" id="{65782BA6-080B-47BE-A78A-F5A29CEFBDBD}"/>
               </a:ext>
             </a:extLst>
           </p:cNvPr>
@@ -36377,768 +35324,20 @@
         </p:blipFill>
         <p:spPr>
           <a:xfrm>
-            <a:off x="10229458" y="788862"/>
-            <a:ext cx="926222" cy="1028396"/>
+            <a:off x="11194903" y="667336"/>
+            <a:ext cx="622595" cy="697098"/>
           </a:xfrm>
           <a:prstGeom prst="rect">
             <a:avLst/>
           </a:prstGeom>
         </p:spPr>
       </p:pic>
-      <p:pic>
-        <p:nvPicPr>
-          <p:cNvPr id="4" name="Espaço Reservado para Conteúdo 3" descr="Tela de celular com texto preto sobre fundo branco&#10;&#10;Descrição gerada automaticamente">
+      <p:graphicFrame>
+        <p:nvGraphicFramePr>
+          <p:cNvPr id="6" name="Espaço Reservado para Conteúdo 2">
             <a:extLst>
               <a:ext uri="{FF2B5EF4-FFF2-40B4-BE49-F238E27FC236}">
-                <a16:creationId xmlns:a16="http://schemas.microsoft.com/office/drawing/2014/main" id="{FBF84780-404E-45BF-A797-C39BEFD5F987}"/>
-              </a:ext>
-            </a:extLst>
-          </p:cNvPr>
-          <p:cNvPicPr>
-            <a:picLocks noGrp="1" noChangeAspect="1"/>
-          </p:cNvPicPr>
-          <p:nvPr>
-            <p:ph idx="1"/>
-          </p:nvPr>
-        </p:nvPicPr>
-        <p:blipFill rotWithShape="1">
-          <a:blip r:embed="rId3">
-            <a:extLst>
-              <a:ext uri="{28A0092B-C50C-407E-A947-70E740481C1C}">
-                <a14:useLocalDpi xmlns:a14="http://schemas.microsoft.com/office/drawing/2010/main" val="0"/>
-              </a:ext>
-            </a:extLst>
-          </a:blip>
-          <a:srcRect/>
-          <a:stretch/>
-        </p:blipFill>
-        <p:spPr>
-          <a:xfrm>
-            <a:off x="2766680" y="2124486"/>
-            <a:ext cx="6658640" cy="4757982"/>
-          </a:xfrm>
-        </p:spPr>
-      </p:pic>
-    </p:spTree>
-    <p:extLst>
-      <p:ext uri="{BB962C8B-B14F-4D97-AF65-F5344CB8AC3E}">
-        <p14:creationId xmlns:p14="http://schemas.microsoft.com/office/powerpoint/2010/main" val="3515412249"/>
-      </p:ext>
-    </p:extLst>
-  </p:cSld>
-  <p:clrMapOvr>
-    <a:masterClrMapping/>
-  </p:clrMapOvr>
-</p:sld>
-</file>
-
-<file path=ppt/slides/slide21.xml><?xml version="1.0" encoding="utf-8"?>
-<p:sld xmlns:a="http://schemas.openxmlformats.org/drawingml/2006/main" xmlns:r="http://schemas.openxmlformats.org/officeDocument/2006/relationships" xmlns:p="http://schemas.openxmlformats.org/presentationml/2006/main">
-  <p:cSld>
-    <p:bg>
-      <p:bgPr>
-        <a:solidFill>
-          <a:schemeClr val="bg1"/>
-        </a:solidFill>
-        <a:effectLst/>
-      </p:bgPr>
-    </p:bg>
-    <p:spTree>
-      <p:nvGrpSpPr>
-        <p:cNvPr id="1" name=""/>
-        <p:cNvGrpSpPr/>
-        <p:nvPr/>
-      </p:nvGrpSpPr>
-      <p:grpSpPr>
-        <a:xfrm>
-          <a:off x="0" y="0"/>
-          <a:ext cx="0" cy="0"/>
-          <a:chOff x="0" y="0"/>
-          <a:chExt cx="0" cy="0"/>
-        </a:xfrm>
-      </p:grpSpPr>
-      <p:sp>
-        <p:nvSpPr>
-          <p:cNvPr id="2" name="Título 1">
-            <a:extLst>
-              <a:ext uri="{FF2B5EF4-FFF2-40B4-BE49-F238E27FC236}">
-                <a16:creationId xmlns:a16="http://schemas.microsoft.com/office/drawing/2014/main" id="{E0B7F696-990F-4A06-8F6A-14DCE2F6ECEA}"/>
-              </a:ext>
-            </a:extLst>
-          </p:cNvPr>
-          <p:cNvSpPr>
-            <a:spLocks noGrp="1"/>
-          </p:cNvSpPr>
-          <p:nvPr>
-            <p:ph type="title"/>
-          </p:nvPr>
-        </p:nvSpPr>
-        <p:spPr>
-          <a:xfrm>
-            <a:off x="870204" y="606564"/>
-            <a:ext cx="10451592" cy="1325563"/>
-          </a:xfrm>
-        </p:spPr>
-        <p:txBody>
-          <a:bodyPr anchor="ctr">
-            <a:normAutofit/>
-          </a:bodyPr>
-          <a:lstStyle/>
-          <a:p>
-            <a:r>
-              <a:rPr lang="pt-BR" dirty="0"/>
-              <a:t>HELP DESK</a:t>
-            </a:r>
-          </a:p>
-        </p:txBody>
-      </p:sp>
-      <p:sp>
-        <p:nvSpPr>
-          <p:cNvPr id="42" name="Rectangle 41">
-            <a:extLst>
-              <a:ext uri="{FF2B5EF4-FFF2-40B4-BE49-F238E27FC236}">
-                <a16:creationId xmlns:a16="http://schemas.microsoft.com/office/drawing/2014/main" id="{A5711A0E-A428-4ED1-96CB-33D69FD842E4}"/>
-              </a:ext>
-              <a:ext uri="{C183D7F6-B498-43B3-948B-1728B52AA6E4}">
-                <adec:decorative xmlns:adec="http://schemas.microsoft.com/office/drawing/2017/decorative" val="1"/>
-              </a:ext>
-            </a:extLst>
-          </p:cNvPr>
-          <p:cNvSpPr>
-            <a:spLocks noGrp="1" noRot="1" noChangeAspect="1" noMove="1" noResize="1" noEditPoints="1" noAdjustHandles="1" noChangeArrowheads="1" noChangeShapeType="1" noTextEdit="1"/>
-          </p:cNvSpPr>
-          <p:nvPr>
-            <p:extLst>
-              <p:ext uri="{386F3935-93C4-4BCD-93E2-E3B085C9AB24}">
-                <p16:designElem xmlns:p16="http://schemas.microsoft.com/office/powerpoint/2015/main" val="1"/>
-              </p:ext>
-            </p:extLst>
-          </p:nvPr>
-        </p:nvSpPr>
-        <p:spPr>
-          <a:xfrm>
-            <a:off x="1000874" y="2043803"/>
-            <a:ext cx="10190252" cy="80683"/>
-          </a:xfrm>
-          <a:prstGeom prst="rect">
-            <a:avLst/>
-          </a:prstGeom>
-          <a:solidFill>
-            <a:schemeClr val="tx1">
-              <a:lumMod val="50000"/>
-              <a:lumOff val="50000"/>
-              <a:alpha val="65000"/>
-            </a:schemeClr>
-          </a:solidFill>
-          <a:ln>
-            <a:noFill/>
-          </a:ln>
-        </p:spPr>
-        <p:style>
-          <a:lnRef idx="2">
-            <a:schemeClr val="accent1">
-              <a:shade val="50000"/>
-            </a:schemeClr>
-          </a:lnRef>
-          <a:fillRef idx="1">
-            <a:schemeClr val="accent1"/>
-          </a:fillRef>
-          <a:effectRef idx="0">
-            <a:schemeClr val="accent1"/>
-          </a:effectRef>
-          <a:fontRef idx="minor">
-            <a:schemeClr val="lt1"/>
-          </a:fontRef>
-        </p:style>
-        <p:txBody>
-          <a:bodyPr rtlCol="0" anchor="ctr"/>
-          <a:lstStyle/>
-          <a:p>
-            <a:pPr marL="0" marR="0" lvl="0" indent="0" algn="ctr" defTabSz="457200" rtl="0" eaLnBrk="1" fontAlgn="auto" latinLnBrk="0" hangingPunct="1">
-              <a:lnSpc>
-                <a:spcPct val="100000"/>
-              </a:lnSpc>
-              <a:spcBef>
-                <a:spcPts val="0"/>
-              </a:spcBef>
-              <a:spcAft>
-                <a:spcPts val="0"/>
-              </a:spcAft>
-              <a:buClrTx/>
-              <a:buSzTx/>
-              <a:buFontTx/>
-              <a:buNone/>
-              <a:tabLst/>
-              <a:defRPr/>
-            </a:pPr>
-            <a:endParaRPr kumimoji="0" lang="en-US" sz="1800" b="0" i="0" u="none" strike="noStrike" kern="1200" cap="none" spc="0" normalizeH="0" baseline="0" noProof="0">
-              <a:ln>
-                <a:noFill/>
-              </a:ln>
-              <a:solidFill>
-                <a:prstClr val="white"/>
-              </a:solidFill>
-              <a:effectLst/>
-              <a:uLnTx/>
-              <a:uFillTx/>
-              <a:latin typeface="Calibri" panose="020F0502020204030204"/>
-              <a:ea typeface="+mn-ea"/>
-              <a:cs typeface="+mn-cs"/>
-            </a:endParaRPr>
-          </a:p>
-        </p:txBody>
-      </p:sp>
-      <p:pic>
-        <p:nvPicPr>
-          <p:cNvPr id="7" name="Imagem 6" descr="Uma imagem contendo luz, desenho&#10;&#10;Descrição gerada automaticamente">
-            <a:extLst>
-              <a:ext uri="{FF2B5EF4-FFF2-40B4-BE49-F238E27FC236}">
-                <a16:creationId xmlns:a16="http://schemas.microsoft.com/office/drawing/2014/main" id="{3FD6C9A3-B2D1-4C73-AFA5-325F16E6C0E7}"/>
-              </a:ext>
-            </a:extLst>
-          </p:cNvPr>
-          <p:cNvPicPr>
-            <a:picLocks noChangeAspect="1"/>
-          </p:cNvPicPr>
-          <p:nvPr/>
-        </p:nvPicPr>
-        <p:blipFill>
-          <a:blip r:embed="rId2">
-            <a:extLst>
-              <a:ext uri="{28A0092B-C50C-407E-A947-70E740481C1C}">
-                <a14:useLocalDpi xmlns:a14="http://schemas.microsoft.com/office/drawing/2010/main" val="0"/>
-              </a:ext>
-            </a:extLst>
-          </a:blip>
-          <a:stretch>
-            <a:fillRect/>
-          </a:stretch>
-        </p:blipFill>
-        <p:spPr>
-          <a:xfrm>
-            <a:off x="10229458" y="788862"/>
-            <a:ext cx="926222" cy="1028396"/>
-          </a:xfrm>
-          <a:prstGeom prst="rect">
-            <a:avLst/>
-          </a:prstGeom>
-        </p:spPr>
-      </p:pic>
-      <p:sp>
-        <p:nvSpPr>
-          <p:cNvPr id="5" name="Espaço Reservado para Conteúdo 4">
-            <a:extLst>
-              <a:ext uri="{FF2B5EF4-FFF2-40B4-BE49-F238E27FC236}">
-                <a16:creationId xmlns:a16="http://schemas.microsoft.com/office/drawing/2014/main" id="{8AD7827F-9FCF-4E92-8ECD-9537F41FFAD7}"/>
-              </a:ext>
-            </a:extLst>
-          </p:cNvPr>
-          <p:cNvSpPr>
-            <a:spLocks noGrp="1"/>
-          </p:cNvSpPr>
-          <p:nvPr>
-            <p:ph idx="1"/>
-          </p:nvPr>
-        </p:nvSpPr>
-        <p:spPr/>
-        <p:txBody>
-          <a:bodyPr/>
-          <a:lstStyle/>
-          <a:p>
-            <a:endParaRPr lang="pt-BR"/>
-          </a:p>
-        </p:txBody>
-      </p:sp>
-    </p:spTree>
-    <p:extLst>
-      <p:ext uri="{BB962C8B-B14F-4D97-AF65-F5344CB8AC3E}">
-        <p14:creationId xmlns:p14="http://schemas.microsoft.com/office/powerpoint/2010/main" val="793592461"/>
-      </p:ext>
-    </p:extLst>
-  </p:cSld>
-  <p:clrMapOvr>
-    <a:masterClrMapping/>
-  </p:clrMapOvr>
-</p:sld>
-</file>
-
-<file path=ppt/slides/slide22.xml><?xml version="1.0" encoding="utf-8"?>
-<p:sld xmlns:a="http://schemas.openxmlformats.org/drawingml/2006/main" xmlns:r="http://schemas.openxmlformats.org/officeDocument/2006/relationships" xmlns:p="http://schemas.openxmlformats.org/presentationml/2006/main">
-  <p:cSld>
-    <p:bg>
-      <p:bgPr>
-        <a:solidFill>
-          <a:schemeClr val="bg1"/>
-        </a:solidFill>
-        <a:effectLst/>
-      </p:bgPr>
-    </p:bg>
-    <p:spTree>
-      <p:nvGrpSpPr>
-        <p:cNvPr id="1" name=""/>
-        <p:cNvGrpSpPr/>
-        <p:nvPr/>
-      </p:nvGrpSpPr>
-      <p:grpSpPr>
-        <a:xfrm>
-          <a:off x="0" y="0"/>
-          <a:ext cx="0" cy="0"/>
-          <a:chOff x="0" y="0"/>
-          <a:chExt cx="0" cy="0"/>
-        </a:xfrm>
-      </p:grpSpPr>
-      <p:sp>
-        <p:nvSpPr>
-          <p:cNvPr id="2" name="Título 1">
-            <a:extLst>
-              <a:ext uri="{FF2B5EF4-FFF2-40B4-BE49-F238E27FC236}">
-                <a16:creationId xmlns:a16="http://schemas.microsoft.com/office/drawing/2014/main" id="{E0B7F696-990F-4A06-8F6A-14DCE2F6ECEA}"/>
-              </a:ext>
-            </a:extLst>
-          </p:cNvPr>
-          <p:cNvSpPr>
-            <a:spLocks noGrp="1"/>
-          </p:cNvSpPr>
-          <p:nvPr>
-            <p:ph type="title"/>
-          </p:nvPr>
-        </p:nvSpPr>
-        <p:spPr>
-          <a:xfrm>
-            <a:off x="870204" y="606564"/>
-            <a:ext cx="10451592" cy="1325563"/>
-          </a:xfrm>
-        </p:spPr>
-        <p:txBody>
-          <a:bodyPr anchor="ctr">
-            <a:normAutofit/>
-          </a:bodyPr>
-          <a:lstStyle/>
-          <a:p>
-            <a:r>
-              <a:rPr lang="pt-BR" dirty="0"/>
-              <a:t>CONCLUSÃO</a:t>
-            </a:r>
-          </a:p>
-        </p:txBody>
-      </p:sp>
-      <p:sp>
-        <p:nvSpPr>
-          <p:cNvPr id="42" name="Rectangle 41">
-            <a:extLst>
-              <a:ext uri="{FF2B5EF4-FFF2-40B4-BE49-F238E27FC236}">
-                <a16:creationId xmlns:a16="http://schemas.microsoft.com/office/drawing/2014/main" id="{A5711A0E-A428-4ED1-96CB-33D69FD842E4}"/>
-              </a:ext>
-              <a:ext uri="{C183D7F6-B498-43B3-948B-1728B52AA6E4}">
-                <adec:decorative xmlns:adec="http://schemas.microsoft.com/office/drawing/2017/decorative" val="1"/>
-              </a:ext>
-            </a:extLst>
-          </p:cNvPr>
-          <p:cNvSpPr>
-            <a:spLocks noGrp="1" noRot="1" noChangeAspect="1" noMove="1" noResize="1" noEditPoints="1" noAdjustHandles="1" noChangeArrowheads="1" noChangeShapeType="1" noTextEdit="1"/>
-          </p:cNvSpPr>
-          <p:nvPr>
-            <p:extLst>
-              <p:ext uri="{386F3935-93C4-4BCD-93E2-E3B085C9AB24}">
-                <p16:designElem xmlns:p16="http://schemas.microsoft.com/office/powerpoint/2015/main" val="1"/>
-              </p:ext>
-            </p:extLst>
-          </p:nvPr>
-        </p:nvSpPr>
-        <p:spPr>
-          <a:xfrm>
-            <a:off x="1000874" y="2043803"/>
-            <a:ext cx="10190252" cy="80683"/>
-          </a:xfrm>
-          <a:prstGeom prst="rect">
-            <a:avLst/>
-          </a:prstGeom>
-          <a:solidFill>
-            <a:schemeClr val="tx1">
-              <a:lumMod val="50000"/>
-              <a:lumOff val="50000"/>
-              <a:alpha val="65000"/>
-            </a:schemeClr>
-          </a:solidFill>
-          <a:ln>
-            <a:noFill/>
-          </a:ln>
-        </p:spPr>
-        <p:style>
-          <a:lnRef idx="2">
-            <a:schemeClr val="accent1">
-              <a:shade val="50000"/>
-            </a:schemeClr>
-          </a:lnRef>
-          <a:fillRef idx="1">
-            <a:schemeClr val="accent1"/>
-          </a:fillRef>
-          <a:effectRef idx="0">
-            <a:schemeClr val="accent1"/>
-          </a:effectRef>
-          <a:fontRef idx="minor">
-            <a:schemeClr val="lt1"/>
-          </a:fontRef>
-        </p:style>
-        <p:txBody>
-          <a:bodyPr rtlCol="0" anchor="ctr"/>
-          <a:lstStyle/>
-          <a:p>
-            <a:pPr marL="0" marR="0" lvl="0" indent="0" algn="ctr" defTabSz="457200" rtl="0" eaLnBrk="1" fontAlgn="auto" latinLnBrk="0" hangingPunct="1">
-              <a:lnSpc>
-                <a:spcPct val="100000"/>
-              </a:lnSpc>
-              <a:spcBef>
-                <a:spcPts val="0"/>
-              </a:spcBef>
-              <a:spcAft>
-                <a:spcPts val="0"/>
-              </a:spcAft>
-              <a:buClrTx/>
-              <a:buSzTx/>
-              <a:buFontTx/>
-              <a:buNone/>
-              <a:tabLst/>
-              <a:defRPr/>
-            </a:pPr>
-            <a:endParaRPr kumimoji="0" lang="en-US" sz="1800" b="0" i="0" u="none" strike="noStrike" kern="1200" cap="none" spc="0" normalizeH="0" baseline="0" noProof="0">
-              <a:ln>
-                <a:noFill/>
-              </a:ln>
-              <a:solidFill>
-                <a:prstClr val="white"/>
-              </a:solidFill>
-              <a:effectLst/>
-              <a:uLnTx/>
-              <a:uFillTx/>
-              <a:latin typeface="Calibri" panose="020F0502020204030204"/>
-              <a:ea typeface="+mn-ea"/>
-              <a:cs typeface="+mn-cs"/>
-            </a:endParaRPr>
-          </a:p>
-        </p:txBody>
-      </p:sp>
-      <p:sp>
-        <p:nvSpPr>
-          <p:cNvPr id="5" name="Espaço Reservado para Conteúdo 2">
-            <a:extLst>
-              <a:ext uri="{FF2B5EF4-FFF2-40B4-BE49-F238E27FC236}">
-                <a16:creationId xmlns:a16="http://schemas.microsoft.com/office/drawing/2014/main" id="{32F2F2EF-3C58-4E56-B597-71AA32615A38}"/>
-              </a:ext>
-            </a:extLst>
-          </p:cNvPr>
-          <p:cNvSpPr>
-            <a:spLocks noGrp="1"/>
-          </p:cNvSpPr>
-          <p:nvPr>
-            <p:ph idx="1"/>
-          </p:nvPr>
-        </p:nvSpPr>
-        <p:spPr>
-          <a:xfrm>
-            <a:off x="1000874" y="2304660"/>
-            <a:ext cx="10154806" cy="4282839"/>
-          </a:xfrm>
-        </p:spPr>
-        <p:txBody>
-          <a:bodyPr/>
-          <a:lstStyle/>
-          <a:p>
-            <a:endParaRPr lang="pt-BR" dirty="0"/>
-          </a:p>
-          <a:p>
-            <a:endParaRPr lang="pt-BR" dirty="0"/>
-          </a:p>
-        </p:txBody>
-      </p:sp>
-      <p:pic>
-        <p:nvPicPr>
-          <p:cNvPr id="6" name="Imagem 5" descr="Uma imagem contendo luz, desenho&#10;&#10;Descrição gerada automaticamente">
-            <a:extLst>
-              <a:ext uri="{FF2B5EF4-FFF2-40B4-BE49-F238E27FC236}">
-                <a16:creationId xmlns:a16="http://schemas.microsoft.com/office/drawing/2014/main" id="{701B6536-18A7-4E3A-A01E-E889847AF588}"/>
-              </a:ext>
-            </a:extLst>
-          </p:cNvPr>
-          <p:cNvPicPr>
-            <a:picLocks noChangeAspect="1"/>
-          </p:cNvPicPr>
-          <p:nvPr/>
-        </p:nvPicPr>
-        <p:blipFill>
-          <a:blip r:embed="rId2">
-            <a:extLst>
-              <a:ext uri="{28A0092B-C50C-407E-A947-70E740481C1C}">
-                <a14:useLocalDpi xmlns:a14="http://schemas.microsoft.com/office/drawing/2010/main" val="0"/>
-              </a:ext>
-            </a:extLst>
-          </a:blip>
-          <a:stretch>
-            <a:fillRect/>
-          </a:stretch>
-        </p:blipFill>
-        <p:spPr>
-          <a:xfrm>
-            <a:off x="10229458" y="788862"/>
-            <a:ext cx="926222" cy="1028396"/>
-          </a:xfrm>
-          <a:prstGeom prst="rect">
-            <a:avLst/>
-          </a:prstGeom>
-        </p:spPr>
-      </p:pic>
-    </p:spTree>
-    <p:extLst>
-      <p:ext uri="{BB962C8B-B14F-4D97-AF65-F5344CB8AC3E}">
-        <p14:creationId xmlns:p14="http://schemas.microsoft.com/office/powerpoint/2010/main" val="1642922383"/>
-      </p:ext>
-    </p:extLst>
-  </p:cSld>
-  <p:clrMapOvr>
-    <a:masterClrMapping/>
-  </p:clrMapOvr>
-</p:sld>
-</file>
-
-<file path=ppt/slides/slide23.xml><?xml version="1.0" encoding="utf-8"?>
-<p:sld xmlns:a="http://schemas.openxmlformats.org/drawingml/2006/main" xmlns:r="http://schemas.openxmlformats.org/officeDocument/2006/relationships" xmlns:p="http://schemas.openxmlformats.org/presentationml/2006/main">
-  <p:cSld>
-    <p:spTree>
-      <p:nvGrpSpPr>
-        <p:cNvPr id="1" name=""/>
-        <p:cNvGrpSpPr/>
-        <p:nvPr/>
-      </p:nvGrpSpPr>
-      <p:grpSpPr>
-        <a:xfrm>
-          <a:off x="0" y="0"/>
-          <a:ext cx="0" cy="0"/>
-          <a:chOff x="0" y="0"/>
-          <a:chExt cx="0" cy="0"/>
-        </a:xfrm>
-      </p:grpSpPr>
-      <p:sp>
-        <p:nvSpPr>
-          <p:cNvPr id="2" name="Título 1"/>
-          <p:cNvSpPr>
-            <a:spLocks noGrp="1"/>
-          </p:cNvSpPr>
-          <p:nvPr>
-            <p:ph type="title"/>
-          </p:nvPr>
-        </p:nvSpPr>
-        <p:spPr>
-          <a:xfrm>
-            <a:off x="1000874" y="1268332"/>
-            <a:ext cx="10515600" cy="2852737"/>
-          </a:xfrm>
-        </p:spPr>
-        <p:txBody>
-          <a:bodyPr/>
-          <a:lstStyle/>
-          <a:p>
-            <a:r>
-              <a:rPr lang="pt-BR" dirty="0"/>
-              <a:t>Obrigado </a:t>
-            </a:r>
-          </a:p>
-        </p:txBody>
-      </p:sp>
-      <p:sp>
-        <p:nvSpPr>
-          <p:cNvPr id="4" name="Espaço Reservado para Texto 3"/>
-          <p:cNvSpPr>
-            <a:spLocks noGrp="1"/>
-          </p:cNvSpPr>
-          <p:nvPr>
-            <p:ph type="body" idx="1"/>
-          </p:nvPr>
-        </p:nvSpPr>
-        <p:spPr/>
-        <p:txBody>
-          <a:bodyPr/>
-          <a:lstStyle/>
-          <a:p>
-            <a:endParaRPr lang="pt-BR" dirty="0"/>
-          </a:p>
-        </p:txBody>
-      </p:sp>
-      <p:sp>
-        <p:nvSpPr>
-          <p:cNvPr id="6" name="Rectangle 41">
-            <a:extLst>
-              <a:ext uri="{FF2B5EF4-FFF2-40B4-BE49-F238E27FC236}">
-                <a16:creationId xmlns:a16="http://schemas.microsoft.com/office/drawing/2014/main" id="{A5711A0E-A428-4ED1-96CB-33D69FD842E4}"/>
-              </a:ext>
-              <a:ext uri="{C183D7F6-B498-43B3-948B-1728B52AA6E4}">
-                <adec:decorative xmlns:adec="http://schemas.microsoft.com/office/drawing/2017/decorative" val="1"/>
-              </a:ext>
-            </a:extLst>
-          </p:cNvPr>
-          <p:cNvSpPr>
-            <a:spLocks noGrp="1" noRot="1" noChangeAspect="1" noMove="1" noResize="1" noEditPoints="1" noAdjustHandles="1" noChangeArrowheads="1" noChangeShapeType="1" noTextEdit="1"/>
-          </p:cNvSpPr>
-          <p:nvPr>
-            <p:extLst>
-              <p:ext uri="{386F3935-93C4-4BCD-93E2-E3B085C9AB24}">
-                <p16:designElem xmlns:p16="http://schemas.microsoft.com/office/powerpoint/2015/main" val="1"/>
-              </p:ext>
-            </p:extLst>
-          </p:nvPr>
-        </p:nvSpPr>
-        <p:spPr>
-          <a:xfrm>
-            <a:off x="1000874" y="2043803"/>
-            <a:ext cx="10190252" cy="80683"/>
-          </a:xfrm>
-          <a:prstGeom prst="rect">
-            <a:avLst/>
-          </a:prstGeom>
-          <a:solidFill>
-            <a:schemeClr val="tx1">
-              <a:lumMod val="50000"/>
-              <a:lumOff val="50000"/>
-              <a:alpha val="65000"/>
-            </a:schemeClr>
-          </a:solidFill>
-          <a:ln>
-            <a:noFill/>
-          </a:ln>
-        </p:spPr>
-        <p:style>
-          <a:lnRef idx="2">
-            <a:schemeClr val="accent1">
-              <a:shade val="50000"/>
-            </a:schemeClr>
-          </a:lnRef>
-          <a:fillRef idx="1">
-            <a:schemeClr val="accent1"/>
-          </a:fillRef>
-          <a:effectRef idx="0">
-            <a:schemeClr val="accent1"/>
-          </a:effectRef>
-          <a:fontRef idx="minor">
-            <a:schemeClr val="lt1"/>
-          </a:fontRef>
-        </p:style>
-        <p:txBody>
-          <a:bodyPr rtlCol="0" anchor="ctr"/>
-          <a:lstStyle/>
-          <a:p>
-            <a:pPr marL="0" marR="0" lvl="0" indent="0" algn="ctr" defTabSz="457200" rtl="0" eaLnBrk="1" fontAlgn="auto" latinLnBrk="0" hangingPunct="1">
-              <a:lnSpc>
-                <a:spcPct val="100000"/>
-              </a:lnSpc>
-              <a:spcBef>
-                <a:spcPts val="0"/>
-              </a:spcBef>
-              <a:spcAft>
-                <a:spcPts val="0"/>
-              </a:spcAft>
-              <a:buClrTx/>
-              <a:buSzTx/>
-              <a:buFontTx/>
-              <a:buNone/>
-              <a:tabLst/>
-              <a:defRPr/>
-            </a:pPr>
-            <a:endParaRPr kumimoji="0" lang="en-US" sz="1800" b="0" i="0" u="none" strike="noStrike" kern="1200" cap="none" spc="0" normalizeH="0" baseline="0" noProof="0">
-              <a:ln>
-                <a:noFill/>
-              </a:ln>
-              <a:solidFill>
-                <a:prstClr val="white"/>
-              </a:solidFill>
-              <a:effectLst/>
-              <a:uLnTx/>
-              <a:uFillTx/>
-              <a:latin typeface="Calibri" panose="020F0502020204030204"/>
-              <a:ea typeface="+mn-ea"/>
-              <a:cs typeface="+mn-cs"/>
-            </a:endParaRPr>
-          </a:p>
-        </p:txBody>
-      </p:sp>
-      <p:pic>
-        <p:nvPicPr>
-          <p:cNvPr id="7" name="Imagem 6" descr="Uma imagem contendo luz, desenho&#10;&#10;Descrição gerada automaticamente">
-            <a:extLst>
-              <a:ext uri="{FF2B5EF4-FFF2-40B4-BE49-F238E27FC236}">
-                <a16:creationId xmlns:a16="http://schemas.microsoft.com/office/drawing/2014/main" id="{3C4B7C17-6DC7-46D1-8B55-127D449C7C1C}"/>
-              </a:ext>
-            </a:extLst>
-          </p:cNvPr>
-          <p:cNvPicPr>
-            <a:picLocks noChangeAspect="1"/>
-          </p:cNvPicPr>
-          <p:nvPr/>
-        </p:nvPicPr>
-        <p:blipFill>
-          <a:blip r:embed="rId3">
-            <a:extLst>
-              <a:ext uri="{28A0092B-C50C-407E-A947-70E740481C1C}">
-                <a14:useLocalDpi xmlns:a14="http://schemas.microsoft.com/office/drawing/2010/main" val="0"/>
-              </a:ext>
-            </a:extLst>
-          </a:blip>
-          <a:stretch>
-            <a:fillRect/>
-          </a:stretch>
-        </p:blipFill>
-        <p:spPr>
-          <a:xfrm>
-            <a:off x="10229458" y="788862"/>
-            <a:ext cx="926222" cy="1028396"/>
-          </a:xfrm>
-          <a:prstGeom prst="rect">
-            <a:avLst/>
-          </a:prstGeom>
-        </p:spPr>
-      </p:pic>
-    </p:spTree>
-    <p:extLst>
-      <p:ext uri="{BB962C8B-B14F-4D97-AF65-F5344CB8AC3E}">
-        <p14:creationId xmlns:p14="http://schemas.microsoft.com/office/powerpoint/2010/main" val="1549274405"/>
-      </p:ext>
-    </p:extLst>
-  </p:cSld>
-  <p:clrMapOvr>
-    <a:masterClrMapping/>
-  </p:clrMapOvr>
-</p:sld>
-</file>
-
-<file path=ppt/slides/slide3.xml><?xml version="1.0" encoding="utf-8"?>
-<p:sld xmlns:a="http://schemas.openxmlformats.org/drawingml/2006/main" xmlns:r="http://schemas.openxmlformats.org/officeDocument/2006/relationships" xmlns:p="http://schemas.openxmlformats.org/presentationml/2006/main">
-  <p:cSld>
-    <p:bg>
-      <p:bgPr>
-        <a:solidFill>
-          <a:schemeClr val="bg1"/>
-        </a:solidFill>
-        <a:effectLst/>
-      </p:bgPr>
-    </p:bg>
-    <p:spTree>
-      <p:nvGrpSpPr>
-        <p:cNvPr id="1" name=""/>
-        <p:cNvGrpSpPr/>
-        <p:nvPr/>
-      </p:nvGrpSpPr>
-      <p:grpSpPr>
-        <a:xfrm>
-          <a:off x="0" y="0"/>
-          <a:ext cx="0" cy="0"/>
-          <a:chOff x="0" y="0"/>
-          <a:chExt cx="0" cy="0"/>
-        </a:xfrm>
-      </p:grpSpPr>
-      <p:graphicFrame>
-        <p:nvGraphicFramePr>
-          <p:cNvPr id="13" name="Espaço Reservado para Conteúdo 2">
-            <a:extLst>
-              <a:ext uri="{FF2B5EF4-FFF2-40B4-BE49-F238E27FC236}">
-                <a16:creationId xmlns:a16="http://schemas.microsoft.com/office/drawing/2014/main" id="{442C31B1-8AC3-4AE2-AE51-BFFEF0D06C4D}"/>
+                <a16:creationId xmlns:a16="http://schemas.microsoft.com/office/drawing/2014/main" id="{C4AD578B-BE6A-4D2B-BD29-E805169FBDD4}"/>
               </a:ext>
             </a:extLst>
           </p:cNvPr>
@@ -37148,7 +35347,7 @@
           <p:nvPr>
             <p:extLst>
               <p:ext uri="{D42A27DB-BD31-4B8C-83A1-F6EECF244321}">
-                <p14:modId xmlns:p14="http://schemas.microsoft.com/office/powerpoint/2010/main" val="67637770"/>
+                <p14:modId xmlns:p14="http://schemas.microsoft.com/office/powerpoint/2010/main" val="2205282064"/>
               </p:ext>
             </p:extLst>
           </p:nvPr>
@@ -37159,16 +35358,16 @@
         </p:xfrm>
         <a:graphic>
           <a:graphicData uri="http://schemas.openxmlformats.org/drawingml/2006/diagram">
-            <dgm:relIds xmlns:dgm="http://schemas.openxmlformats.org/drawingml/2006/diagram" xmlns:r="http://schemas.openxmlformats.org/officeDocument/2006/relationships" r:dm="rId2" r:lo="rId3" r:qs="rId4" r:cs="rId5"/>
+            <dgm:relIds xmlns:dgm="http://schemas.openxmlformats.org/drawingml/2006/diagram" xmlns:r="http://schemas.openxmlformats.org/officeDocument/2006/relationships" r:dm="rId3" r:lo="rId4" r:qs="rId5" r:cs="rId6"/>
           </a:graphicData>
         </a:graphic>
       </p:graphicFrame>
       <p:graphicFrame>
         <p:nvGraphicFramePr>
-          <p:cNvPr id="9" name="Espaço Reservado para Conteúdo 2">
+          <p:cNvPr id="7" name="Espaço Reservado para Conteúdo 2">
             <a:extLst>
               <a:ext uri="{FF2B5EF4-FFF2-40B4-BE49-F238E27FC236}">
-                <a16:creationId xmlns:a16="http://schemas.microsoft.com/office/drawing/2014/main" id="{628A0850-AE94-4B91-BC41-BD365B02C84F}"/>
+                <a16:creationId xmlns:a16="http://schemas.microsoft.com/office/drawing/2014/main" id="{1D2C1A05-DD4C-4C82-8AF5-2508F77F4827}"/>
               </a:ext>
             </a:extLst>
           </p:cNvPr>
@@ -37178,7 +35377,7 @@
           <p:nvPr>
             <p:extLst>
               <p:ext uri="{D42A27DB-BD31-4B8C-83A1-F6EECF244321}">
-                <p14:modId xmlns:p14="http://schemas.microsoft.com/office/powerpoint/2010/main" val="2466194019"/>
+                <p14:modId xmlns:p14="http://schemas.microsoft.com/office/powerpoint/2010/main" val="488975872"/>
               </p:ext>
             </p:extLst>
           </p:nvPr>
@@ -37189,16 +35388,16 @@
         </p:xfrm>
         <a:graphic>
           <a:graphicData uri="http://schemas.openxmlformats.org/drawingml/2006/diagram">
-            <dgm:relIds xmlns:dgm="http://schemas.openxmlformats.org/drawingml/2006/diagram" xmlns:r="http://schemas.openxmlformats.org/officeDocument/2006/relationships" r:dm="rId7" r:lo="rId8" r:qs="rId9" r:cs="rId10"/>
+            <dgm:relIds xmlns:dgm="http://schemas.openxmlformats.org/drawingml/2006/diagram" xmlns:r="http://schemas.openxmlformats.org/officeDocument/2006/relationships" r:dm="rId8" r:lo="rId9" r:qs="rId10" r:cs="rId11"/>
           </a:graphicData>
         </a:graphic>
       </p:graphicFrame>
       <p:graphicFrame>
         <p:nvGraphicFramePr>
-          <p:cNvPr id="7" name="Espaço Reservado para Conteúdo 2">
+          <p:cNvPr id="9" name="Espaço Reservado para Conteúdo 2">
             <a:extLst>
               <a:ext uri="{FF2B5EF4-FFF2-40B4-BE49-F238E27FC236}">
-                <a16:creationId xmlns:a16="http://schemas.microsoft.com/office/drawing/2014/main" id="{AF209826-3AB9-45D8-A3FB-0312C1B6E0E8}"/>
+                <a16:creationId xmlns:a16="http://schemas.microsoft.com/office/drawing/2014/main" id="{497C8BC5-F117-4761-843D-3351307C55D0}"/>
               </a:ext>
             </a:extLst>
           </p:cNvPr>
@@ -37208,7 +35407,7 @@
           <p:nvPr>
             <p:extLst>
               <p:ext uri="{D42A27DB-BD31-4B8C-83A1-F6EECF244321}">
-                <p14:modId xmlns:p14="http://schemas.microsoft.com/office/powerpoint/2010/main" val="4239859020"/>
+                <p14:modId xmlns:p14="http://schemas.microsoft.com/office/powerpoint/2010/main" val="3485128833"/>
               </p:ext>
             </p:extLst>
           </p:nvPr>
@@ -37219,147 +35418,16 @@
         </p:xfrm>
         <a:graphic>
           <a:graphicData uri="http://schemas.openxmlformats.org/drawingml/2006/diagram">
-            <dgm:relIds xmlns:dgm="http://schemas.openxmlformats.org/drawingml/2006/diagram" xmlns:r="http://schemas.openxmlformats.org/officeDocument/2006/relationships" r:dm="rId12" r:lo="rId13" r:qs="rId14" r:cs="rId15"/>
+            <dgm:relIds xmlns:dgm="http://schemas.openxmlformats.org/drawingml/2006/diagram" xmlns:r="http://schemas.openxmlformats.org/officeDocument/2006/relationships" r:dm="rId13" r:lo="rId14" r:qs="rId15" r:cs="rId16"/>
           </a:graphicData>
         </a:graphic>
       </p:graphicFrame>
       <p:sp>
         <p:nvSpPr>
-          <p:cNvPr id="2" name="Título 1">
+          <p:cNvPr id="10" name="Espaço Reservado para Conteúdo 2">
             <a:extLst>
               <a:ext uri="{FF2B5EF4-FFF2-40B4-BE49-F238E27FC236}">
-                <a16:creationId xmlns:a16="http://schemas.microsoft.com/office/drawing/2014/main" id="{E0B7F696-990F-4A06-8F6A-14DCE2F6ECEA}"/>
-              </a:ext>
-            </a:extLst>
-          </p:cNvPr>
-          <p:cNvSpPr>
-            <a:spLocks noGrp="1"/>
-          </p:cNvSpPr>
-          <p:nvPr>
-            <p:ph type="title"/>
-          </p:nvPr>
-        </p:nvSpPr>
-        <p:spPr>
-          <a:xfrm>
-            <a:off x="870204" y="606564"/>
-            <a:ext cx="10451592" cy="1325563"/>
-          </a:xfrm>
-        </p:spPr>
-        <p:txBody>
-          <a:bodyPr anchor="ctr">
-            <a:normAutofit/>
-          </a:bodyPr>
-          <a:lstStyle/>
-          <a:p>
-            <a:r>
-              <a:rPr lang="pt-BR" dirty="0"/>
-              <a:t>CONTEXTO</a:t>
-            </a:r>
-          </a:p>
-        </p:txBody>
-      </p:sp>
-      <p:sp>
-        <p:nvSpPr>
-          <p:cNvPr id="42" name="Rectangle 41">
-            <a:extLst>
-              <a:ext uri="{FF2B5EF4-FFF2-40B4-BE49-F238E27FC236}">
-                <a16:creationId xmlns:a16="http://schemas.microsoft.com/office/drawing/2014/main" id="{A5711A0E-A428-4ED1-96CB-33D69FD842E4}"/>
-              </a:ext>
-              <a:ext uri="{C183D7F6-B498-43B3-948B-1728B52AA6E4}">
-                <adec:decorative xmlns:adec="http://schemas.microsoft.com/office/drawing/2017/decorative" val="1"/>
-              </a:ext>
-            </a:extLst>
-          </p:cNvPr>
-          <p:cNvSpPr>
-            <a:spLocks noGrp="1" noRot="1" noChangeAspect="1" noMove="1" noResize="1" noEditPoints="1" noAdjustHandles="1" noChangeArrowheads="1" noChangeShapeType="1" noTextEdit="1"/>
-          </p:cNvSpPr>
-          <p:nvPr>
-            <p:extLst>
-              <p:ext uri="{386F3935-93C4-4BCD-93E2-E3B085C9AB24}">
-                <p16:designElem xmlns:p16="http://schemas.microsoft.com/office/powerpoint/2015/main" val="1"/>
-              </p:ext>
-            </p:extLst>
-          </p:nvPr>
-        </p:nvSpPr>
-        <p:spPr>
-          <a:xfrm>
-            <a:off x="1000874" y="2043803"/>
-            <a:ext cx="10190252" cy="80683"/>
-          </a:xfrm>
-          <a:prstGeom prst="rect">
-            <a:avLst/>
-          </a:prstGeom>
-          <a:solidFill>
-            <a:schemeClr val="tx1">
-              <a:lumMod val="50000"/>
-              <a:lumOff val="50000"/>
-              <a:alpha val="65000"/>
-            </a:schemeClr>
-          </a:solidFill>
-          <a:ln>
-            <a:noFill/>
-          </a:ln>
-        </p:spPr>
-        <p:style>
-          <a:lnRef idx="2">
-            <a:schemeClr val="accent1">
-              <a:shade val="50000"/>
-            </a:schemeClr>
-          </a:lnRef>
-          <a:fillRef idx="1">
-            <a:schemeClr val="accent1"/>
-          </a:fillRef>
-          <a:effectRef idx="0">
-            <a:schemeClr val="accent1"/>
-          </a:effectRef>
-          <a:fontRef idx="minor">
-            <a:schemeClr val="lt1"/>
-          </a:fontRef>
-        </p:style>
-        <p:txBody>
-          <a:bodyPr rtlCol="0" anchor="ctr"/>
-          <a:lstStyle/>
-          <a:p>
-            <a:pPr marL="0" marR="0" lvl="0" indent="0" algn="ctr" defTabSz="457200" rtl="0" eaLnBrk="1" fontAlgn="auto" latinLnBrk="0" hangingPunct="1">
-              <a:lnSpc>
-                <a:spcPct val="100000"/>
-              </a:lnSpc>
-              <a:spcBef>
-                <a:spcPts val="0"/>
-              </a:spcBef>
-              <a:spcAft>
-                <a:spcPts val="0"/>
-              </a:spcAft>
-              <a:buClrTx/>
-              <a:buSzTx/>
-              <a:buFontTx/>
-              <a:buNone/>
-              <a:tabLst/>
-              <a:defRPr/>
-            </a:pPr>
-            <a:endParaRPr kumimoji="0" lang="en-US" sz="1800" b="0" i="0" u="none" strike="noStrike" kern="1200" cap="none" spc="0" normalizeH="0" baseline="0" noProof="0">
-              <a:ln>
-                <a:noFill/>
-              </a:ln>
-              <a:solidFill>
-                <a:prstClr val="white"/>
-              </a:solidFill>
-              <a:effectLst/>
-              <a:uLnTx/>
-              <a:uFillTx/>
-              <a:latin typeface="Calibri" panose="020F0502020204030204"/>
-              <a:ea typeface="+mn-ea"/>
-              <a:cs typeface="+mn-cs"/>
-            </a:endParaRPr>
-          </a:p>
-        </p:txBody>
-      </p:sp>
-      <p:sp>
-        <p:nvSpPr>
-          <p:cNvPr id="8" name="Espaço Reservado para Conteúdo 2">
-            <a:extLst>
-              <a:ext uri="{FF2B5EF4-FFF2-40B4-BE49-F238E27FC236}">
-                <a16:creationId xmlns:a16="http://schemas.microsoft.com/office/drawing/2014/main" id="{29A18071-938E-4AD2-8A9B-3681EB0A9D71}"/>
+                <a16:creationId xmlns:a16="http://schemas.microsoft.com/office/drawing/2014/main" id="{571B97E0-4FAF-4C57-AE46-0990EFBA36C5}"/>
               </a:ext>
             </a:extLst>
           </p:cNvPr>
@@ -37553,48 +35621,12 @@
           </a:p>
         </p:txBody>
       </p:sp>
-      <p:pic>
-        <p:nvPicPr>
-          <p:cNvPr id="12" name="Imagem 11" descr="Uma imagem contendo luz, desenho&#10;&#10;Descrição gerada automaticamente">
-            <a:extLst>
-              <a:ext uri="{FF2B5EF4-FFF2-40B4-BE49-F238E27FC236}">
-                <a16:creationId xmlns:a16="http://schemas.microsoft.com/office/drawing/2014/main" id="{91675B36-9352-4C7F-B56F-CD83C9D500EC}"/>
-              </a:ext>
-            </a:extLst>
-          </p:cNvPr>
-          <p:cNvPicPr>
-            <a:picLocks noChangeAspect="1"/>
-          </p:cNvPicPr>
-          <p:nvPr/>
-        </p:nvPicPr>
-        <p:blipFill>
-          <a:blip r:embed="rId17">
-            <a:extLst>
-              <a:ext uri="{28A0092B-C50C-407E-A947-70E740481C1C}">
-                <a14:useLocalDpi xmlns:a14="http://schemas.microsoft.com/office/drawing/2010/main" val="0"/>
-              </a:ext>
-            </a:extLst>
-          </a:blip>
-          <a:stretch>
-            <a:fillRect/>
-          </a:stretch>
-        </p:blipFill>
-        <p:spPr>
-          <a:xfrm>
-            <a:off x="10229458" y="788862"/>
-            <a:ext cx="926222" cy="1028396"/>
-          </a:xfrm>
-          <a:prstGeom prst="rect">
-            <a:avLst/>
-          </a:prstGeom>
-        </p:spPr>
-      </p:pic>
       <p:graphicFrame>
         <p:nvGraphicFramePr>
           <p:cNvPr id="11" name="Espaço Reservado para Conteúdo 2">
             <a:extLst>
               <a:ext uri="{FF2B5EF4-FFF2-40B4-BE49-F238E27FC236}">
-                <a16:creationId xmlns:a16="http://schemas.microsoft.com/office/drawing/2014/main" id="{457BA6AF-208F-4C5C-9BA0-19D42B68D96F}"/>
+                <a16:creationId xmlns:a16="http://schemas.microsoft.com/office/drawing/2014/main" id="{C39DE39C-9DE6-47EC-A34E-1ABD7EDEDDA8}"/>
               </a:ext>
             </a:extLst>
           </p:cNvPr>
@@ -37604,7 +35636,7 @@
           <p:nvPr>
             <p:extLst>
               <p:ext uri="{D42A27DB-BD31-4B8C-83A1-F6EECF244321}">
-                <p14:modId xmlns:p14="http://schemas.microsoft.com/office/powerpoint/2010/main" val="1385020500"/>
+                <p14:modId xmlns:p14="http://schemas.microsoft.com/office/powerpoint/2010/main" val="2194908375"/>
               </p:ext>
             </p:extLst>
           </p:nvPr>
@@ -37622,7 +35654,7 @@
     </p:spTree>
     <p:extLst>
       <p:ext uri="{BB962C8B-B14F-4D97-AF65-F5344CB8AC3E}">
-        <p14:creationId xmlns:p14="http://schemas.microsoft.com/office/powerpoint/2010/main" val="3924650278"/>
+        <p14:creationId xmlns:p14="http://schemas.microsoft.com/office/powerpoint/2010/main" val="1460392119"/>
       </p:ext>
     </p:extLst>
   </p:cSld>
@@ -37663,7 +35695,7 @@
                                           </p:stCondLst>
                                         </p:cTn>
                                         <p:tgtEl>
-                                          <p:spTgt spid="13"/>
+                                          <p:spTgt spid="6"/>
                                         </p:tgtEl>
                                         <p:attrNameLst>
                                           <p:attrName>style.visibility</p:attrName>
@@ -37677,7 +35709,7 @@
                                       <p:cBhvr>
                                         <p:cTn id="7" dur="500"/>
                                         <p:tgtEl>
-                                          <p:spTgt spid="13"/>
+                                          <p:spTgt spid="6"/>
                                         </p:tgtEl>
                                       </p:cBhvr>
                                     </p:animEffect>
@@ -37703,10 +35735,15 @@
                             </p:stCondLst>
                             <p:childTnLst>
                               <p:par>
-                                <p:cTn id="10" presetID="10" presetClass="entr" presetSubtype="0" fill="hold" grpId="0" nodeType="clickEffect">
+                                <p:cTn id="10" presetID="10" presetClass="entr" presetSubtype="0" fill="hold" grpId="0" nodeType="clickEffect" nodePh="1">
                                   <p:stCondLst>
                                     <p:cond delay="0"/>
                                   </p:stCondLst>
+                                  <p:endCondLst>
+                                    <p:cond evt="begin" delay="0">
+                                      <p:tn val="10"/>
+                                    </p:cond>
+                                  </p:endCondLst>
                                   <p:childTnLst>
                                     <p:set>
                                       <p:cBhvr>
@@ -37716,7 +35753,7 @@
                                           </p:stCondLst>
                                         </p:cTn>
                                         <p:tgtEl>
-                                          <p:spTgt spid="7"/>
+                                          <p:spTgt spid="10"/>
                                         </p:tgtEl>
                                         <p:attrNameLst>
                                           <p:attrName>style.visibility</p:attrName>
@@ -37730,7 +35767,7 @@
                                       <p:cBhvr>
                                         <p:cTn id="12" dur="500"/>
                                         <p:tgtEl>
-                                          <p:spTgt spid="7"/>
+                                          <p:spTgt spid="10"/>
                                         </p:tgtEl>
                                       </p:cBhvr>
                                     </p:animEffect>
@@ -37809,15 +35846,10 @@
                             </p:stCondLst>
                             <p:childTnLst>
                               <p:par>
-                                <p:cTn id="20" presetID="10" presetClass="entr" presetSubtype="0" fill="hold" grpId="0" nodeType="clickEffect" nodePh="1">
+                                <p:cTn id="20" presetID="10" presetClass="entr" presetSubtype="0" fill="hold" grpId="0" nodeType="clickEffect">
                                   <p:stCondLst>
                                     <p:cond delay="0"/>
                                   </p:stCondLst>
-                                  <p:endCondLst>
-                                    <p:cond evt="begin" delay="0">
-                                      <p:tn val="20"/>
-                                    </p:cond>
-                                  </p:endCondLst>
                                   <p:childTnLst>
                                     <p:set>
                                       <p:cBhvr>
@@ -37827,7 +35859,7 @@
                                           </p:stCondLst>
                                         </p:cTn>
                                         <p:tgtEl>
-                                          <p:spTgt spid="8"/>
+                                          <p:spTgt spid="7"/>
                                         </p:tgtEl>
                                         <p:attrNameLst>
                                           <p:attrName>style.visibility</p:attrName>
@@ -37841,7 +35873,7 @@
                                       <p:cBhvr>
                                         <p:cTn id="22" dur="500"/>
                                         <p:tgtEl>
-                                          <p:spTgt spid="8"/>
+                                          <p:spTgt spid="7"/>
                                         </p:tgtEl>
                                       </p:cBhvr>
                                     </p:animEffect>
@@ -37929,16 +35961,16 @@
       </p:par>
     </p:tnLst>
     <p:bldLst>
-      <p:bldGraphic spid="13" grpId="0">
+      <p:bldGraphic spid="6" grpId="0">
+        <p:bldAsOne/>
+      </p:bldGraphic>
+      <p:bldGraphic spid="7" grpId="0">
         <p:bldAsOne/>
       </p:bldGraphic>
       <p:bldGraphic spid="9" grpId="0">
         <p:bldAsOne/>
       </p:bldGraphic>
-      <p:bldGraphic spid="7" grpId="0">
-        <p:bldAsOne/>
-      </p:bldGraphic>
-      <p:bldP spid="8" grpId="0"/>
+      <p:bldP spid="10" grpId="0"/>
       <p:bldGraphic spid="11" grpId="0">
         <p:bldAsOne/>
       </p:bldGraphic>
@@ -37972,167 +36004,12 @@
           <a:chExt cx="0" cy="0"/>
         </a:xfrm>
       </p:grpSpPr>
-      <p:graphicFrame>
-        <p:nvGraphicFramePr>
-          <p:cNvPr id="13" name="Espaço Reservado para Conteúdo 2">
+      <p:sp>
+        <p:nvSpPr>
+          <p:cNvPr id="13" name="Rectangle 12">
             <a:extLst>
               <a:ext uri="{FF2B5EF4-FFF2-40B4-BE49-F238E27FC236}">
-                <a16:creationId xmlns:a16="http://schemas.microsoft.com/office/drawing/2014/main" id="{442C31B1-8AC3-4AE2-AE51-BFFEF0D06C4D}"/>
-              </a:ext>
-            </a:extLst>
-          </p:cNvPr>
-          <p:cNvGraphicFramePr>
-            <a:graphicFrameLocks/>
-          </p:cNvGraphicFramePr>
-          <p:nvPr>
-            <p:extLst>
-              <p:ext uri="{D42A27DB-BD31-4B8C-83A1-F6EECF244321}">
-                <p14:modId xmlns:p14="http://schemas.microsoft.com/office/powerpoint/2010/main" val="2833360614"/>
-              </p:ext>
-            </p:extLst>
-          </p:nvPr>
-        </p:nvGraphicFramePr>
-        <p:xfrm>
-          <a:off x="0" y="2678707"/>
-          <a:ext cx="4832507" cy="2035736"/>
-        </p:xfrm>
-        <a:graphic>
-          <a:graphicData uri="http://schemas.openxmlformats.org/drawingml/2006/diagram">
-            <dgm:relIds xmlns:dgm="http://schemas.openxmlformats.org/drawingml/2006/diagram" xmlns:r="http://schemas.openxmlformats.org/officeDocument/2006/relationships" r:dm="rId2" r:lo="rId3" r:qs="rId4" r:cs="rId5"/>
-          </a:graphicData>
-        </a:graphic>
-      </p:graphicFrame>
-      <p:graphicFrame>
-        <p:nvGraphicFramePr>
-          <p:cNvPr id="9" name="Espaço Reservado para Conteúdo 2">
-            <a:extLst>
-              <a:ext uri="{FF2B5EF4-FFF2-40B4-BE49-F238E27FC236}">
-                <a16:creationId xmlns:a16="http://schemas.microsoft.com/office/drawing/2014/main" id="{628A0850-AE94-4B91-BC41-BD365B02C84F}"/>
-              </a:ext>
-            </a:extLst>
-          </p:cNvPr>
-          <p:cNvGraphicFramePr>
-            <a:graphicFrameLocks/>
-          </p:cNvGraphicFramePr>
-          <p:nvPr>
-            <p:extLst>
-              <p:ext uri="{D42A27DB-BD31-4B8C-83A1-F6EECF244321}">
-                <p14:modId xmlns:p14="http://schemas.microsoft.com/office/powerpoint/2010/main" val="680132406"/>
-              </p:ext>
-            </p:extLst>
-          </p:nvPr>
-        </p:nvGraphicFramePr>
-        <p:xfrm>
-          <a:off x="3674609" y="4947913"/>
-          <a:ext cx="4832507" cy="2035736"/>
-        </p:xfrm>
-        <a:graphic>
-          <a:graphicData uri="http://schemas.openxmlformats.org/drawingml/2006/diagram">
-            <dgm:relIds xmlns:dgm="http://schemas.openxmlformats.org/drawingml/2006/diagram" xmlns:r="http://schemas.openxmlformats.org/officeDocument/2006/relationships" r:dm="rId7" r:lo="rId8" r:qs="rId9" r:cs="rId10"/>
-          </a:graphicData>
-        </a:graphic>
-      </p:graphicFrame>
-      <p:graphicFrame>
-        <p:nvGraphicFramePr>
-          <p:cNvPr id="7" name="Espaço Reservado para Conteúdo 2">
-            <a:extLst>
-              <a:ext uri="{FF2B5EF4-FFF2-40B4-BE49-F238E27FC236}">
-                <a16:creationId xmlns:a16="http://schemas.microsoft.com/office/drawing/2014/main" id="{AF209826-3AB9-45D8-A3FB-0312C1B6E0E8}"/>
-              </a:ext>
-            </a:extLst>
-          </p:cNvPr>
-          <p:cNvGraphicFramePr>
-            <a:graphicFrameLocks/>
-          </p:cNvGraphicFramePr>
-          <p:nvPr>
-            <p:extLst>
-              <p:ext uri="{D42A27DB-BD31-4B8C-83A1-F6EECF244321}">
-                <p14:modId xmlns:p14="http://schemas.microsoft.com/office/powerpoint/2010/main" val="3287519120"/>
-              </p:ext>
-            </p:extLst>
-          </p:nvPr>
-        </p:nvGraphicFramePr>
-        <p:xfrm>
-          <a:off x="10275" y="4946754"/>
-          <a:ext cx="4832507" cy="2035736"/>
-        </p:xfrm>
-        <a:graphic>
-          <a:graphicData uri="http://schemas.openxmlformats.org/drawingml/2006/diagram">
-            <dgm:relIds xmlns:dgm="http://schemas.openxmlformats.org/drawingml/2006/diagram" xmlns:r="http://schemas.openxmlformats.org/officeDocument/2006/relationships" r:dm="rId12" r:lo="rId13" r:qs="rId14" r:cs="rId15"/>
-          </a:graphicData>
-        </a:graphic>
-      </p:graphicFrame>
-      <p:graphicFrame>
-        <p:nvGraphicFramePr>
-          <p:cNvPr id="10" name="Espaço Reservado para Conteúdo 2">
-            <a:extLst>
-              <a:ext uri="{FF2B5EF4-FFF2-40B4-BE49-F238E27FC236}">
-                <a16:creationId xmlns:a16="http://schemas.microsoft.com/office/drawing/2014/main" id="{8710811B-2947-4042-A87C-3AF156CB1963}"/>
-              </a:ext>
-            </a:extLst>
-          </p:cNvPr>
-          <p:cNvGraphicFramePr>
-            <a:graphicFrameLocks/>
-          </p:cNvGraphicFramePr>
-          <p:nvPr>
-            <p:extLst>
-              <p:ext uri="{D42A27DB-BD31-4B8C-83A1-F6EECF244321}">
-                <p14:modId xmlns:p14="http://schemas.microsoft.com/office/powerpoint/2010/main" val="2459538712"/>
-              </p:ext>
-            </p:extLst>
-          </p:nvPr>
-        </p:nvGraphicFramePr>
-        <p:xfrm>
-          <a:off x="7349219" y="4947913"/>
-          <a:ext cx="4832507" cy="2035736"/>
-        </p:xfrm>
-        <a:graphic>
-          <a:graphicData uri="http://schemas.openxmlformats.org/drawingml/2006/diagram">
-            <dgm:relIds xmlns:dgm="http://schemas.openxmlformats.org/drawingml/2006/diagram" xmlns:r="http://schemas.openxmlformats.org/officeDocument/2006/relationships" r:dm="rId17" r:lo="rId18" r:qs="rId19" r:cs="rId20"/>
-          </a:graphicData>
-        </a:graphic>
-      </p:graphicFrame>
-      <p:sp>
-        <p:nvSpPr>
-          <p:cNvPr id="2" name="Título 1">
-            <a:extLst>
-              <a:ext uri="{FF2B5EF4-FFF2-40B4-BE49-F238E27FC236}">
-                <a16:creationId xmlns:a16="http://schemas.microsoft.com/office/drawing/2014/main" id="{E0B7F696-990F-4A06-8F6A-14DCE2F6ECEA}"/>
-              </a:ext>
-            </a:extLst>
-          </p:cNvPr>
-          <p:cNvSpPr>
-            <a:spLocks noGrp="1"/>
-          </p:cNvSpPr>
-          <p:nvPr>
-            <p:ph type="title"/>
-          </p:nvPr>
-        </p:nvSpPr>
-        <p:spPr>
-          <a:xfrm>
-            <a:off x="870204" y="606564"/>
-            <a:ext cx="10451592" cy="1325563"/>
-          </a:xfrm>
-        </p:spPr>
-        <p:txBody>
-          <a:bodyPr anchor="ctr">
-            <a:normAutofit/>
-          </a:bodyPr>
-          <a:lstStyle/>
-          <a:p>
-            <a:r>
-              <a:rPr lang="pt-BR" dirty="0"/>
-              <a:t>JUSTIFICATIVA / OBJETIVOS</a:t>
-            </a:r>
-          </a:p>
-        </p:txBody>
-      </p:sp>
-      <p:sp>
-        <p:nvSpPr>
-          <p:cNvPr id="42" name="Rectangle 41">
-            <a:extLst>
-              <a:ext uri="{FF2B5EF4-FFF2-40B4-BE49-F238E27FC236}">
-                <a16:creationId xmlns:a16="http://schemas.microsoft.com/office/drawing/2014/main" id="{A5711A0E-A428-4ED1-96CB-33D69FD842E4}"/>
+                <a16:creationId xmlns:a16="http://schemas.microsoft.com/office/drawing/2014/main" id="{A4AC5506-6312-4701-8D3C-40187889A947}"/>
               </a:ext>
               <a:ext uri="{C183D7F6-B498-43B3-948B-1728B52AA6E4}">
                 <adec:decorative xmlns:adec="http://schemas.microsoft.com/office/drawing/2017/decorative" val="1"/>
@@ -38152,18 +36029,14 @@
         </p:nvSpPr>
         <p:spPr>
           <a:xfrm>
-            <a:off x="1000874" y="2043803"/>
-            <a:ext cx="10190252" cy="80683"/>
+            <a:off x="0" y="651752"/>
+            <a:ext cx="12192000" cy="736551"/>
           </a:xfrm>
           <a:prstGeom prst="rect">
             <a:avLst/>
           </a:prstGeom>
           <a:solidFill>
-            <a:schemeClr val="tx1">
-              <a:lumMod val="50000"/>
-              <a:lumOff val="50000"/>
-              <a:alpha val="65000"/>
-            </a:schemeClr>
+            <a:schemeClr val="tx1"/>
           </a:solidFill>
           <a:ln>
             <a:noFill/>
@@ -38189,46 +36062,218 @@
           <a:bodyPr rtlCol="0" anchor="ctr"/>
           <a:lstStyle/>
           <a:p>
-            <a:pPr marL="0" marR="0" lvl="0" indent="0" algn="ctr" defTabSz="457200" rtl="0" eaLnBrk="1" fontAlgn="auto" latinLnBrk="0" hangingPunct="1">
-              <a:lnSpc>
-                <a:spcPct val="100000"/>
-              </a:lnSpc>
-              <a:spcBef>
-                <a:spcPts val="0"/>
-              </a:spcBef>
-              <a:spcAft>
-                <a:spcPts val="0"/>
-              </a:spcAft>
-              <a:buClrTx/>
-              <a:buSzTx/>
-              <a:buFontTx/>
-              <a:buNone/>
-              <a:tabLst/>
-              <a:defRPr/>
-            </a:pPr>
-            <a:endParaRPr kumimoji="0" lang="en-US" sz="1800" b="0" i="0" u="none" strike="noStrike" kern="1200" cap="none" spc="0" normalizeH="0" baseline="0" noProof="0">
-              <a:ln>
-                <a:noFill/>
-              </a:ln>
-              <a:solidFill>
-                <a:prstClr val="white"/>
-              </a:solidFill>
-              <a:effectLst/>
-              <a:uLnTx/>
-              <a:uFillTx/>
-              <a:latin typeface="Calibri" panose="020F0502020204030204"/>
-              <a:ea typeface="+mn-ea"/>
-              <a:cs typeface="+mn-cs"/>
-            </a:endParaRPr>
+            <a:pPr algn="ctr"/>
+            <a:endParaRPr lang="en-US"/>
           </a:p>
         </p:txBody>
       </p:sp>
       <p:sp>
         <p:nvSpPr>
-          <p:cNvPr id="8" name="Espaço Reservado para Conteúdo 2">
+          <p:cNvPr id="2" name="Título 1">
             <a:extLst>
               <a:ext uri="{FF2B5EF4-FFF2-40B4-BE49-F238E27FC236}">
-                <a16:creationId xmlns:a16="http://schemas.microsoft.com/office/drawing/2014/main" id="{29A18071-938E-4AD2-8A9B-3681EB0A9D71}"/>
+                <a16:creationId xmlns:a16="http://schemas.microsoft.com/office/drawing/2014/main" id="{E0B7F696-990F-4A06-8F6A-14DCE2F6ECEA}"/>
+              </a:ext>
+            </a:extLst>
+          </p:cNvPr>
+          <p:cNvSpPr>
+            <a:spLocks noGrp="1"/>
+          </p:cNvSpPr>
+          <p:nvPr>
+            <p:ph type="title"/>
+          </p:nvPr>
+        </p:nvSpPr>
+        <p:spPr>
+          <a:xfrm>
+            <a:off x="556532" y="643467"/>
+            <a:ext cx="11210925" cy="744836"/>
+          </a:xfrm>
+        </p:spPr>
+        <p:txBody>
+          <a:bodyPr vert="horz" lIns="91440" tIns="45720" rIns="91440" bIns="45720" rtlCol="0" anchor="ctr">
+            <a:normAutofit/>
+          </a:bodyPr>
+          <a:lstStyle/>
+          <a:p>
+            <a:pPr algn="ctr"/>
+            <a:r>
+              <a:rPr lang="pt-BR" sz="3200" dirty="0">
+                <a:solidFill>
+                  <a:schemeClr val="bg1"/>
+                </a:solidFill>
+              </a:rPr>
+              <a:t>JUSTIFICATIVA / OBJETIVOS</a:t>
+            </a:r>
+            <a:endParaRPr lang="en-US" sz="3200" dirty="0">
+              <a:solidFill>
+                <a:schemeClr val="bg1"/>
+              </a:solidFill>
+            </a:endParaRPr>
+          </a:p>
+        </p:txBody>
+      </p:sp>
+      <p:pic>
+        <p:nvPicPr>
+          <p:cNvPr id="8" name="Imagem 7" descr="Uma imagem contendo luz, desenho&#10;&#10;Descrição gerada automaticamente">
+            <a:extLst>
+              <a:ext uri="{FF2B5EF4-FFF2-40B4-BE49-F238E27FC236}">
+                <a16:creationId xmlns:a16="http://schemas.microsoft.com/office/drawing/2014/main" id="{65782BA6-080B-47BE-A78A-F5A29CEFBDBD}"/>
+              </a:ext>
+            </a:extLst>
+          </p:cNvPr>
+          <p:cNvPicPr>
+            <a:picLocks noChangeAspect="1"/>
+          </p:cNvPicPr>
+          <p:nvPr/>
+        </p:nvPicPr>
+        <p:blipFill>
+          <a:blip r:embed="rId2">
+            <a:extLst>
+              <a:ext uri="{28A0092B-C50C-407E-A947-70E740481C1C}">
+                <a14:useLocalDpi xmlns:a14="http://schemas.microsoft.com/office/drawing/2010/main" val="0"/>
+              </a:ext>
+            </a:extLst>
+          </a:blip>
+          <a:stretch>
+            <a:fillRect/>
+          </a:stretch>
+        </p:blipFill>
+        <p:spPr>
+          <a:xfrm>
+            <a:off x="11194903" y="667336"/>
+            <a:ext cx="622595" cy="697098"/>
+          </a:xfrm>
+          <a:prstGeom prst="rect">
+            <a:avLst/>
+          </a:prstGeom>
+        </p:spPr>
+      </p:pic>
+      <p:graphicFrame>
+        <p:nvGraphicFramePr>
+          <p:cNvPr id="12" name="Espaço Reservado para Conteúdo 2">
+            <a:extLst>
+              <a:ext uri="{FF2B5EF4-FFF2-40B4-BE49-F238E27FC236}">
+                <a16:creationId xmlns:a16="http://schemas.microsoft.com/office/drawing/2014/main" id="{D51605F2-F2C8-4C43-AFF6-53B835C568CA}"/>
+              </a:ext>
+            </a:extLst>
+          </p:cNvPr>
+          <p:cNvGraphicFramePr>
+            <a:graphicFrameLocks/>
+          </p:cNvGraphicFramePr>
+          <p:nvPr>
+            <p:extLst>
+              <p:ext uri="{D42A27DB-BD31-4B8C-83A1-F6EECF244321}">
+                <p14:modId xmlns:p14="http://schemas.microsoft.com/office/powerpoint/2010/main" val="2116783763"/>
+              </p:ext>
+            </p:extLst>
+          </p:nvPr>
+        </p:nvGraphicFramePr>
+        <p:xfrm>
+          <a:off x="0" y="2678707"/>
+          <a:ext cx="4832507" cy="2035736"/>
+        </p:xfrm>
+        <a:graphic>
+          <a:graphicData uri="http://schemas.openxmlformats.org/drawingml/2006/diagram">
+            <dgm:relIds xmlns:dgm="http://schemas.openxmlformats.org/drawingml/2006/diagram" xmlns:r="http://schemas.openxmlformats.org/officeDocument/2006/relationships" r:dm="rId3" r:lo="rId4" r:qs="rId5" r:cs="rId6"/>
+          </a:graphicData>
+        </a:graphic>
+      </p:graphicFrame>
+      <p:graphicFrame>
+        <p:nvGraphicFramePr>
+          <p:cNvPr id="14" name="Espaço Reservado para Conteúdo 2">
+            <a:extLst>
+              <a:ext uri="{FF2B5EF4-FFF2-40B4-BE49-F238E27FC236}">
+                <a16:creationId xmlns:a16="http://schemas.microsoft.com/office/drawing/2014/main" id="{E3310060-C453-4D23-BCF6-82B8466DC179}"/>
+              </a:ext>
+            </a:extLst>
+          </p:cNvPr>
+          <p:cNvGraphicFramePr>
+            <a:graphicFrameLocks/>
+          </p:cNvGraphicFramePr>
+          <p:nvPr>
+            <p:extLst>
+              <p:ext uri="{D42A27DB-BD31-4B8C-83A1-F6EECF244321}">
+                <p14:modId xmlns:p14="http://schemas.microsoft.com/office/powerpoint/2010/main" val="3187857889"/>
+              </p:ext>
+            </p:extLst>
+          </p:nvPr>
+        </p:nvGraphicFramePr>
+        <p:xfrm>
+          <a:off x="3674609" y="4947913"/>
+          <a:ext cx="4832507" cy="2035736"/>
+        </p:xfrm>
+        <a:graphic>
+          <a:graphicData uri="http://schemas.openxmlformats.org/drawingml/2006/diagram">
+            <dgm:relIds xmlns:dgm="http://schemas.openxmlformats.org/drawingml/2006/diagram" xmlns:r="http://schemas.openxmlformats.org/officeDocument/2006/relationships" r:dm="rId8" r:lo="rId9" r:qs="rId10" r:cs="rId11"/>
+          </a:graphicData>
+        </a:graphic>
+      </p:graphicFrame>
+      <p:graphicFrame>
+        <p:nvGraphicFramePr>
+          <p:cNvPr id="15" name="Espaço Reservado para Conteúdo 2">
+            <a:extLst>
+              <a:ext uri="{FF2B5EF4-FFF2-40B4-BE49-F238E27FC236}">
+                <a16:creationId xmlns:a16="http://schemas.microsoft.com/office/drawing/2014/main" id="{2461984E-6932-41F0-904A-C89E257AE7B2}"/>
+              </a:ext>
+            </a:extLst>
+          </p:cNvPr>
+          <p:cNvGraphicFramePr>
+            <a:graphicFrameLocks/>
+          </p:cNvGraphicFramePr>
+          <p:nvPr>
+            <p:extLst>
+              <p:ext uri="{D42A27DB-BD31-4B8C-83A1-F6EECF244321}">
+                <p14:modId xmlns:p14="http://schemas.microsoft.com/office/powerpoint/2010/main" val="31012350"/>
+              </p:ext>
+            </p:extLst>
+          </p:nvPr>
+        </p:nvGraphicFramePr>
+        <p:xfrm>
+          <a:off x="10275" y="4946754"/>
+          <a:ext cx="4832507" cy="2035736"/>
+        </p:xfrm>
+        <a:graphic>
+          <a:graphicData uri="http://schemas.openxmlformats.org/drawingml/2006/diagram">
+            <dgm:relIds xmlns:dgm="http://schemas.openxmlformats.org/drawingml/2006/diagram" xmlns:r="http://schemas.openxmlformats.org/officeDocument/2006/relationships" r:dm="rId13" r:lo="rId14" r:qs="rId15" r:cs="rId16"/>
+          </a:graphicData>
+        </a:graphic>
+      </p:graphicFrame>
+      <p:graphicFrame>
+        <p:nvGraphicFramePr>
+          <p:cNvPr id="16" name="Espaço Reservado para Conteúdo 2">
+            <a:extLst>
+              <a:ext uri="{FF2B5EF4-FFF2-40B4-BE49-F238E27FC236}">
+                <a16:creationId xmlns:a16="http://schemas.microsoft.com/office/drawing/2014/main" id="{2485D8B5-DCC3-4056-BFFF-003A01D24ECA}"/>
+              </a:ext>
+            </a:extLst>
+          </p:cNvPr>
+          <p:cNvGraphicFramePr>
+            <a:graphicFrameLocks/>
+          </p:cNvGraphicFramePr>
+          <p:nvPr>
+            <p:extLst>
+              <p:ext uri="{D42A27DB-BD31-4B8C-83A1-F6EECF244321}">
+                <p14:modId xmlns:p14="http://schemas.microsoft.com/office/powerpoint/2010/main" val="1772335758"/>
+              </p:ext>
+            </p:extLst>
+          </p:nvPr>
+        </p:nvGraphicFramePr>
+        <p:xfrm>
+          <a:off x="7349219" y="4947913"/>
+          <a:ext cx="4832507" cy="2035736"/>
+        </p:xfrm>
+        <a:graphic>
+          <a:graphicData uri="http://schemas.openxmlformats.org/drawingml/2006/diagram">
+            <dgm:relIds xmlns:dgm="http://schemas.openxmlformats.org/drawingml/2006/diagram" xmlns:r="http://schemas.openxmlformats.org/officeDocument/2006/relationships" r:dm="rId18" r:lo="rId19" r:qs="rId20" r:cs="rId21"/>
+          </a:graphicData>
+        </a:graphic>
+      </p:graphicFrame>
+      <p:sp>
+        <p:nvSpPr>
+          <p:cNvPr id="17" name="Espaço Reservado para Conteúdo 2">
+            <a:extLst>
+              <a:ext uri="{FF2B5EF4-FFF2-40B4-BE49-F238E27FC236}">
+                <a16:creationId xmlns:a16="http://schemas.microsoft.com/office/drawing/2014/main" id="{0C0846B6-8FBA-405A-B790-A3FDFABC731E}"/>
               </a:ext>
             </a:extLst>
           </p:cNvPr>
@@ -38422,48 +36467,12 @@
           </a:p>
         </p:txBody>
       </p:sp>
-      <p:pic>
-        <p:nvPicPr>
-          <p:cNvPr id="11" name="Imagem 10" descr="Uma imagem contendo luz, desenho&#10;&#10;Descrição gerada automaticamente">
+      <p:graphicFrame>
+        <p:nvGraphicFramePr>
+          <p:cNvPr id="18" name="Espaço Reservado para Conteúdo 2">
             <a:extLst>
               <a:ext uri="{FF2B5EF4-FFF2-40B4-BE49-F238E27FC236}">
-                <a16:creationId xmlns:a16="http://schemas.microsoft.com/office/drawing/2014/main" id="{4CBD52EC-1C74-416F-89AA-55354A629C7A}"/>
-              </a:ext>
-            </a:extLst>
-          </p:cNvPr>
-          <p:cNvPicPr>
-            <a:picLocks noChangeAspect="1"/>
-          </p:cNvPicPr>
-          <p:nvPr/>
-        </p:nvPicPr>
-        <p:blipFill>
-          <a:blip r:embed="rId22">
-            <a:extLst>
-              <a:ext uri="{28A0092B-C50C-407E-A947-70E740481C1C}">
-                <a14:useLocalDpi xmlns:a14="http://schemas.microsoft.com/office/drawing/2010/main" val="0"/>
-              </a:ext>
-            </a:extLst>
-          </a:blip>
-          <a:stretch>
-            <a:fillRect/>
-          </a:stretch>
-        </p:blipFill>
-        <p:spPr>
-          <a:xfrm>
-            <a:off x="10229458" y="788862"/>
-            <a:ext cx="926222" cy="1028396"/>
-          </a:xfrm>
-          <a:prstGeom prst="rect">
-            <a:avLst/>
-          </a:prstGeom>
-        </p:spPr>
-      </p:pic>
-      <p:graphicFrame>
-        <p:nvGraphicFramePr>
-          <p:cNvPr id="12" name="Espaço Reservado para Conteúdo 2">
-            <a:extLst>
-              <a:ext uri="{FF2B5EF4-FFF2-40B4-BE49-F238E27FC236}">
-                <a16:creationId xmlns:a16="http://schemas.microsoft.com/office/drawing/2014/main" id="{AC5BCF10-D59E-43F3-A093-560D3931373E}"/>
+                <a16:creationId xmlns:a16="http://schemas.microsoft.com/office/drawing/2014/main" id="{252E7EC0-0658-4FE1-B817-D0D4550D2996}"/>
               </a:ext>
             </a:extLst>
           </p:cNvPr>
@@ -38473,7 +36482,7 @@
           <p:nvPr>
             <p:extLst>
               <p:ext uri="{D42A27DB-BD31-4B8C-83A1-F6EECF244321}">
-                <p14:modId xmlns:p14="http://schemas.microsoft.com/office/powerpoint/2010/main" val="2013811949"/>
+                <p14:modId xmlns:p14="http://schemas.microsoft.com/office/powerpoint/2010/main" val="1897106851"/>
               </p:ext>
             </p:extLst>
           </p:nvPr>
@@ -38490,10 +36499,10 @@
       </p:graphicFrame>
       <p:graphicFrame>
         <p:nvGraphicFramePr>
-          <p:cNvPr id="14" name="Espaço Reservado para Conteúdo 2">
+          <p:cNvPr id="19" name="Espaço Reservado para Conteúdo 2">
             <a:extLst>
               <a:ext uri="{FF2B5EF4-FFF2-40B4-BE49-F238E27FC236}">
-                <a16:creationId xmlns:a16="http://schemas.microsoft.com/office/drawing/2014/main" id="{E54FCB86-AEA6-465C-91EC-780CCF3A22DF}"/>
+                <a16:creationId xmlns:a16="http://schemas.microsoft.com/office/drawing/2014/main" id="{802749C1-008C-44AB-861A-58337D44433F}"/>
               </a:ext>
             </a:extLst>
           </p:cNvPr>
@@ -38503,7 +36512,7 @@
           <p:nvPr>
             <p:extLst>
               <p:ext uri="{D42A27DB-BD31-4B8C-83A1-F6EECF244321}">
-                <p14:modId xmlns:p14="http://schemas.microsoft.com/office/powerpoint/2010/main" val="2764149904"/>
+                <p14:modId xmlns:p14="http://schemas.microsoft.com/office/powerpoint/2010/main" val="3251936251"/>
               </p:ext>
             </p:extLst>
           </p:nvPr>
@@ -38520,10 +36529,10 @@
       </p:graphicFrame>
       <p:sp>
         <p:nvSpPr>
-          <p:cNvPr id="3" name="Seta: para a Direita 2">
+          <p:cNvPr id="20" name="Seta: para a Direita 19">
             <a:extLst>
               <a:ext uri="{FF2B5EF4-FFF2-40B4-BE49-F238E27FC236}">
-                <a16:creationId xmlns:a16="http://schemas.microsoft.com/office/drawing/2014/main" id="{893DFB90-C77B-4FF3-998F-82B18A2E2981}"/>
+                <a16:creationId xmlns:a16="http://schemas.microsoft.com/office/drawing/2014/main" id="{1D5D54C7-8A4F-4CC3-B912-C20F52319657}"/>
               </a:ext>
             </a:extLst>
           </p:cNvPr>
@@ -38571,10 +36580,10 @@
       </p:sp>
       <p:sp>
         <p:nvSpPr>
-          <p:cNvPr id="15" name="Seta: para a Direita 14">
+          <p:cNvPr id="21" name="Seta: para a Direita 20">
             <a:extLst>
               <a:ext uri="{FF2B5EF4-FFF2-40B4-BE49-F238E27FC236}">
-                <a16:creationId xmlns:a16="http://schemas.microsoft.com/office/drawing/2014/main" id="{A73D3B5E-6F6A-432C-8458-6509E53A6891}"/>
+                <a16:creationId xmlns:a16="http://schemas.microsoft.com/office/drawing/2014/main" id="{3AF9E35F-F123-4DEE-BA86-E9C3CD4966D5}"/>
               </a:ext>
             </a:extLst>
           </p:cNvPr>
@@ -38622,10 +36631,10 @@
       </p:sp>
       <p:sp>
         <p:nvSpPr>
-          <p:cNvPr id="16" name="Seta: para a Direita 15">
+          <p:cNvPr id="22" name="Seta: para a Direita 21">
             <a:extLst>
               <a:ext uri="{FF2B5EF4-FFF2-40B4-BE49-F238E27FC236}">
-                <a16:creationId xmlns:a16="http://schemas.microsoft.com/office/drawing/2014/main" id="{433184C2-7A72-4185-BEDB-14B4F0E39E5E}"/>
+                <a16:creationId xmlns:a16="http://schemas.microsoft.com/office/drawing/2014/main" id="{138E835D-8E0F-44E3-9FBE-6DA6A11672F7}"/>
               </a:ext>
             </a:extLst>
           </p:cNvPr>
@@ -38673,10 +36682,10 @@
       </p:sp>
       <p:sp>
         <p:nvSpPr>
-          <p:cNvPr id="17" name="Seta: para a Direita 16">
+          <p:cNvPr id="23" name="Seta: para a Direita 22">
             <a:extLst>
               <a:ext uri="{FF2B5EF4-FFF2-40B4-BE49-F238E27FC236}">
-                <a16:creationId xmlns:a16="http://schemas.microsoft.com/office/drawing/2014/main" id="{AEA435ED-97B7-4DEF-ADEA-9EDFFC79DEF0}"/>
+                <a16:creationId xmlns:a16="http://schemas.microsoft.com/office/drawing/2014/main" id="{9DF1BD9D-97B4-4EA9-8AA1-97B694CAF854}"/>
               </a:ext>
             </a:extLst>
           </p:cNvPr>
@@ -38725,7 +36734,7 @@
     </p:spTree>
     <p:extLst>
       <p:ext uri="{BB962C8B-B14F-4D97-AF65-F5344CB8AC3E}">
-        <p14:creationId xmlns:p14="http://schemas.microsoft.com/office/powerpoint/2010/main" val="2477617758"/>
+        <p14:creationId xmlns:p14="http://schemas.microsoft.com/office/powerpoint/2010/main" val="794656841"/>
       </p:ext>
     </p:extLst>
   </p:cSld>
@@ -38753,10 +36762,15 @@
                             </p:stCondLst>
                             <p:childTnLst>
                               <p:par>
-                                <p:cTn id="5" presetID="10" presetClass="entr" presetSubtype="0" fill="hold" grpId="0" nodeType="clickEffect">
+                                <p:cTn id="5" presetID="10" presetClass="entr" presetSubtype="0" fill="hold" grpId="0" nodeType="clickEffect" nodePh="1">
                                   <p:stCondLst>
                                     <p:cond delay="0"/>
                                   </p:stCondLst>
+                                  <p:endCondLst>
+                                    <p:cond evt="begin" delay="0">
+                                      <p:tn val="5"/>
+                                    </p:cond>
+                                  </p:endCondLst>
                                   <p:childTnLst>
                                     <p:set>
                                       <p:cBhvr>
@@ -38766,7 +36780,7 @@
                                           </p:stCondLst>
                                         </p:cTn>
                                         <p:tgtEl>
-                                          <p:spTgt spid="13"/>
+                                          <p:spTgt spid="17"/>
                                         </p:tgtEl>
                                         <p:attrNameLst>
                                           <p:attrName>style.visibility</p:attrName>
@@ -38780,7 +36794,7 @@
                                       <p:cBhvr>
                                         <p:cTn id="7" dur="500"/>
                                         <p:tgtEl>
-                                          <p:spTgt spid="13"/>
+                                          <p:spTgt spid="17"/>
                                         </p:tgtEl>
                                       </p:cBhvr>
                                     </p:animEffect>
@@ -38819,7 +36833,7 @@
                                           </p:stCondLst>
                                         </p:cTn>
                                         <p:tgtEl>
-                                          <p:spTgt spid="7"/>
+                                          <p:spTgt spid="12"/>
                                         </p:tgtEl>
                                         <p:attrNameLst>
                                           <p:attrName>style.visibility</p:attrName>
@@ -38833,7 +36847,7 @@
                                       <p:cBhvr>
                                         <p:cTn id="12" dur="500"/>
                                         <p:tgtEl>
-                                          <p:spTgt spid="7"/>
+                                          <p:spTgt spid="12"/>
                                         </p:tgtEl>
                                       </p:cBhvr>
                                     </p:animEffect>
@@ -38872,7 +36886,7 @@
                                           </p:stCondLst>
                                         </p:cTn>
                                         <p:tgtEl>
-                                          <p:spTgt spid="9"/>
+                                          <p:spTgt spid="20"/>
                                         </p:tgtEl>
                                         <p:attrNameLst>
                                           <p:attrName>style.visibility</p:attrName>
@@ -38886,7 +36900,7 @@
                                       <p:cBhvr>
                                         <p:cTn id="17" dur="500"/>
                                         <p:tgtEl>
-                                          <p:spTgt spid="9"/>
+                                          <p:spTgt spid="20"/>
                                         </p:tgtEl>
                                       </p:cBhvr>
                                     </p:animEffect>
@@ -38925,7 +36939,7 @@
                                           </p:stCondLst>
                                         </p:cTn>
                                         <p:tgtEl>
-                                          <p:spTgt spid="10"/>
+                                          <p:spTgt spid="18"/>
                                         </p:tgtEl>
                                         <p:attrNameLst>
                                           <p:attrName>style.visibility</p:attrName>
@@ -38939,7 +36953,7 @@
                                       <p:cBhvr>
                                         <p:cTn id="22" dur="500"/>
                                         <p:tgtEl>
-                                          <p:spTgt spid="10"/>
+                                          <p:spTgt spid="18"/>
                                         </p:tgtEl>
                                       </p:cBhvr>
                                     </p:animEffect>
@@ -38965,15 +36979,10 @@
                             </p:stCondLst>
                             <p:childTnLst>
                               <p:par>
-                                <p:cTn id="25" presetID="10" presetClass="entr" presetSubtype="0" fill="hold" grpId="0" nodeType="clickEffect" nodePh="1">
+                                <p:cTn id="25" presetID="10" presetClass="entr" presetSubtype="0" fill="hold" grpId="0" nodeType="clickEffect">
                                   <p:stCondLst>
                                     <p:cond delay="0"/>
                                   </p:stCondLst>
-                                  <p:endCondLst>
-                                    <p:cond evt="begin" delay="0">
-                                      <p:tn val="25"/>
-                                    </p:cond>
-                                  </p:endCondLst>
                                   <p:childTnLst>
                                     <p:set>
                                       <p:cBhvr>
@@ -38983,7 +36992,7 @@
                                           </p:stCondLst>
                                         </p:cTn>
                                         <p:tgtEl>
-                                          <p:spTgt spid="8"/>
+                                          <p:spTgt spid="21"/>
                                         </p:tgtEl>
                                         <p:attrNameLst>
                                           <p:attrName>style.visibility</p:attrName>
@@ -38997,7 +37006,7 @@
                                       <p:cBhvr>
                                         <p:cTn id="27" dur="500"/>
                                         <p:tgtEl>
-                                          <p:spTgt spid="8"/>
+                                          <p:spTgt spid="21"/>
                                         </p:tgtEl>
                                       </p:cBhvr>
                                     </p:animEffect>
@@ -39036,7 +37045,7 @@
                                           </p:stCondLst>
                                         </p:cTn>
                                         <p:tgtEl>
-                                          <p:spTgt spid="12"/>
+                                          <p:spTgt spid="19"/>
                                         </p:tgtEl>
                                         <p:attrNameLst>
                                           <p:attrName>style.visibility</p:attrName>
@@ -39050,7 +37059,7 @@
                                       <p:cBhvr>
                                         <p:cTn id="32" dur="500"/>
                                         <p:tgtEl>
-                                          <p:spTgt spid="12"/>
+                                          <p:spTgt spid="19"/>
                                         </p:tgtEl>
                                       </p:cBhvr>
                                     </p:animEffect>
@@ -39089,7 +37098,7 @@
                                           </p:stCondLst>
                                         </p:cTn>
                                         <p:tgtEl>
-                                          <p:spTgt spid="14"/>
+                                          <p:spTgt spid="15"/>
                                         </p:tgtEl>
                                         <p:attrNameLst>
                                           <p:attrName>style.visibility</p:attrName>
@@ -39103,7 +37112,219 @@
                                       <p:cBhvr>
                                         <p:cTn id="37" dur="500"/>
                                         <p:tgtEl>
+                                          <p:spTgt spid="15"/>
+                                        </p:tgtEl>
+                                      </p:cBhvr>
+                                    </p:animEffect>
+                                  </p:childTnLst>
+                                </p:cTn>
+                              </p:par>
+                            </p:childTnLst>
+                          </p:cTn>
+                        </p:par>
+                      </p:childTnLst>
+                    </p:cTn>
+                  </p:par>
+                  <p:par>
+                    <p:cTn id="38" fill="hold">
+                      <p:stCondLst>
+                        <p:cond delay="indefinite"/>
+                      </p:stCondLst>
+                      <p:childTnLst>
+                        <p:par>
+                          <p:cTn id="39" fill="hold">
+                            <p:stCondLst>
+                              <p:cond delay="0"/>
+                            </p:stCondLst>
+                            <p:childTnLst>
+                              <p:par>
+                                <p:cTn id="40" presetID="10" presetClass="entr" presetSubtype="0" fill="hold" grpId="0" nodeType="clickEffect">
+                                  <p:stCondLst>
+                                    <p:cond delay="0"/>
+                                  </p:stCondLst>
+                                  <p:childTnLst>
+                                    <p:set>
+                                      <p:cBhvr>
+                                        <p:cTn id="41" dur="1" fill="hold">
+                                          <p:stCondLst>
+                                            <p:cond delay="0"/>
+                                          </p:stCondLst>
+                                        </p:cTn>
+                                        <p:tgtEl>
+                                          <p:spTgt spid="22"/>
+                                        </p:tgtEl>
+                                        <p:attrNameLst>
+                                          <p:attrName>style.visibility</p:attrName>
+                                        </p:attrNameLst>
+                                      </p:cBhvr>
+                                      <p:to>
+                                        <p:strVal val="visible"/>
+                                      </p:to>
+                                    </p:set>
+                                    <p:animEffect transition="in" filter="fade">
+                                      <p:cBhvr>
+                                        <p:cTn id="42" dur="500"/>
+                                        <p:tgtEl>
+                                          <p:spTgt spid="22"/>
+                                        </p:tgtEl>
+                                      </p:cBhvr>
+                                    </p:animEffect>
+                                  </p:childTnLst>
+                                </p:cTn>
+                              </p:par>
+                            </p:childTnLst>
+                          </p:cTn>
+                        </p:par>
+                      </p:childTnLst>
+                    </p:cTn>
+                  </p:par>
+                  <p:par>
+                    <p:cTn id="43" fill="hold">
+                      <p:stCondLst>
+                        <p:cond delay="indefinite"/>
+                      </p:stCondLst>
+                      <p:childTnLst>
+                        <p:par>
+                          <p:cTn id="44" fill="hold">
+                            <p:stCondLst>
+                              <p:cond delay="0"/>
+                            </p:stCondLst>
+                            <p:childTnLst>
+                              <p:par>
+                                <p:cTn id="45" presetID="10" presetClass="entr" presetSubtype="0" fill="hold" grpId="0" nodeType="clickEffect">
+                                  <p:stCondLst>
+                                    <p:cond delay="0"/>
+                                  </p:stCondLst>
+                                  <p:childTnLst>
+                                    <p:set>
+                                      <p:cBhvr>
+                                        <p:cTn id="46" dur="1" fill="hold">
+                                          <p:stCondLst>
+                                            <p:cond delay="0"/>
+                                          </p:stCondLst>
+                                        </p:cTn>
+                                        <p:tgtEl>
                                           <p:spTgt spid="14"/>
+                                        </p:tgtEl>
+                                        <p:attrNameLst>
+                                          <p:attrName>style.visibility</p:attrName>
+                                        </p:attrNameLst>
+                                      </p:cBhvr>
+                                      <p:to>
+                                        <p:strVal val="visible"/>
+                                      </p:to>
+                                    </p:set>
+                                    <p:animEffect transition="in" filter="fade">
+                                      <p:cBhvr>
+                                        <p:cTn id="47" dur="500"/>
+                                        <p:tgtEl>
+                                          <p:spTgt spid="14"/>
+                                        </p:tgtEl>
+                                      </p:cBhvr>
+                                    </p:animEffect>
+                                  </p:childTnLst>
+                                </p:cTn>
+                              </p:par>
+                            </p:childTnLst>
+                          </p:cTn>
+                        </p:par>
+                      </p:childTnLst>
+                    </p:cTn>
+                  </p:par>
+                  <p:par>
+                    <p:cTn id="48" fill="hold">
+                      <p:stCondLst>
+                        <p:cond delay="indefinite"/>
+                      </p:stCondLst>
+                      <p:childTnLst>
+                        <p:par>
+                          <p:cTn id="49" fill="hold">
+                            <p:stCondLst>
+                              <p:cond delay="0"/>
+                            </p:stCondLst>
+                            <p:childTnLst>
+                              <p:par>
+                                <p:cTn id="50" presetID="10" presetClass="entr" presetSubtype="0" fill="hold" grpId="0" nodeType="clickEffect">
+                                  <p:stCondLst>
+                                    <p:cond delay="0"/>
+                                  </p:stCondLst>
+                                  <p:childTnLst>
+                                    <p:set>
+                                      <p:cBhvr>
+                                        <p:cTn id="51" dur="1" fill="hold">
+                                          <p:stCondLst>
+                                            <p:cond delay="0"/>
+                                          </p:stCondLst>
+                                        </p:cTn>
+                                        <p:tgtEl>
+                                          <p:spTgt spid="23"/>
+                                        </p:tgtEl>
+                                        <p:attrNameLst>
+                                          <p:attrName>style.visibility</p:attrName>
+                                        </p:attrNameLst>
+                                      </p:cBhvr>
+                                      <p:to>
+                                        <p:strVal val="visible"/>
+                                      </p:to>
+                                    </p:set>
+                                    <p:animEffect transition="in" filter="fade">
+                                      <p:cBhvr>
+                                        <p:cTn id="52" dur="500"/>
+                                        <p:tgtEl>
+                                          <p:spTgt spid="23"/>
+                                        </p:tgtEl>
+                                      </p:cBhvr>
+                                    </p:animEffect>
+                                  </p:childTnLst>
+                                </p:cTn>
+                              </p:par>
+                            </p:childTnLst>
+                          </p:cTn>
+                        </p:par>
+                      </p:childTnLst>
+                    </p:cTn>
+                  </p:par>
+                  <p:par>
+                    <p:cTn id="53" fill="hold">
+                      <p:stCondLst>
+                        <p:cond delay="indefinite"/>
+                      </p:stCondLst>
+                      <p:childTnLst>
+                        <p:par>
+                          <p:cTn id="54" fill="hold">
+                            <p:stCondLst>
+                              <p:cond delay="0"/>
+                            </p:stCondLst>
+                            <p:childTnLst>
+                              <p:par>
+                                <p:cTn id="55" presetID="10" presetClass="entr" presetSubtype="0" fill="hold" grpId="0" nodeType="clickEffect">
+                                  <p:stCondLst>
+                                    <p:cond delay="0"/>
+                                  </p:stCondLst>
+                                  <p:childTnLst>
+                                    <p:set>
+                                      <p:cBhvr>
+                                        <p:cTn id="56" dur="1" fill="hold">
+                                          <p:stCondLst>
+                                            <p:cond delay="0"/>
+                                          </p:stCondLst>
+                                        </p:cTn>
+                                        <p:tgtEl>
+                                          <p:spTgt spid="16"/>
+                                        </p:tgtEl>
+                                        <p:attrNameLst>
+                                          <p:attrName>style.visibility</p:attrName>
+                                        </p:attrNameLst>
+                                      </p:cBhvr>
+                                      <p:to>
+                                        <p:strVal val="visible"/>
+                                      </p:to>
+                                    </p:set>
+                                    <p:animEffect transition="in" filter="fade">
+                                      <p:cBhvr>
+                                        <p:cTn id="57" dur="500"/>
+                                        <p:tgtEl>
+                                          <p:spTgt spid="16"/>
                                         </p:tgtEl>
                                       </p:cBhvr>
                                     </p:animEffect>
@@ -39138,25 +37359,29 @@
       </p:par>
     </p:tnLst>
     <p:bldLst>
-      <p:bldGraphic spid="13" grpId="0">
-        <p:bldAsOne/>
-      </p:bldGraphic>
-      <p:bldGraphic spid="9" grpId="0">
-        <p:bldAsOne/>
-      </p:bldGraphic>
-      <p:bldGraphic spid="7" grpId="0">
-        <p:bldAsOne/>
-      </p:bldGraphic>
-      <p:bldGraphic spid="10" grpId="0">
-        <p:bldAsOne/>
-      </p:bldGraphic>
-      <p:bldP spid="8" grpId="0"/>
       <p:bldGraphic spid="12" grpId="0">
         <p:bldAsOne/>
       </p:bldGraphic>
       <p:bldGraphic spid="14" grpId="0">
         <p:bldAsOne/>
       </p:bldGraphic>
+      <p:bldGraphic spid="15" grpId="0">
+        <p:bldAsOne/>
+      </p:bldGraphic>
+      <p:bldGraphic spid="16" grpId="0">
+        <p:bldAsOne/>
+      </p:bldGraphic>
+      <p:bldP spid="17" grpId="0"/>
+      <p:bldGraphic spid="18" grpId="0">
+        <p:bldAsOne/>
+      </p:bldGraphic>
+      <p:bldGraphic spid="19" grpId="0">
+        <p:bldAsOne/>
+      </p:bldGraphic>
+      <p:bldP spid="20" grpId="0" animBg="1"/>
+      <p:bldP spid="21" grpId="0" animBg="1"/>
+      <p:bldP spid="22" grpId="0" animBg="1"/>
+      <p:bldP spid="23" grpId="0" animBg="1"/>
     </p:bldLst>
   </p:timing>
 </p:sld>
@@ -39189,45 +37414,10 @@
       </p:grpSpPr>
       <p:sp>
         <p:nvSpPr>
-          <p:cNvPr id="2" name="Título 1">
+          <p:cNvPr id="13" name="Rectangle 12">
             <a:extLst>
               <a:ext uri="{FF2B5EF4-FFF2-40B4-BE49-F238E27FC236}">
-                <a16:creationId xmlns:a16="http://schemas.microsoft.com/office/drawing/2014/main" id="{E0B7F696-990F-4A06-8F6A-14DCE2F6ECEA}"/>
-              </a:ext>
-            </a:extLst>
-          </p:cNvPr>
-          <p:cNvSpPr>
-            <a:spLocks noGrp="1"/>
-          </p:cNvSpPr>
-          <p:nvPr>
-            <p:ph type="title"/>
-          </p:nvPr>
-        </p:nvSpPr>
-        <p:spPr>
-          <a:xfrm>
-            <a:off x="870204" y="606564"/>
-            <a:ext cx="10451592" cy="1325563"/>
-          </a:xfrm>
-        </p:spPr>
-        <p:txBody>
-          <a:bodyPr anchor="ctr">
-            <a:normAutofit/>
-          </a:bodyPr>
-          <a:lstStyle/>
-          <a:p>
-            <a:r>
-              <a:rPr lang="pt-BR" dirty="0"/>
-              <a:t>PROTOPERSONA</a:t>
-            </a:r>
-          </a:p>
-        </p:txBody>
-      </p:sp>
-      <p:sp>
-        <p:nvSpPr>
-          <p:cNvPr id="42" name="Rectangle 41">
-            <a:extLst>
-              <a:ext uri="{FF2B5EF4-FFF2-40B4-BE49-F238E27FC236}">
-                <a16:creationId xmlns:a16="http://schemas.microsoft.com/office/drawing/2014/main" id="{A5711A0E-A428-4ED1-96CB-33D69FD842E4}"/>
+                <a16:creationId xmlns:a16="http://schemas.microsoft.com/office/drawing/2014/main" id="{A4AC5506-6312-4701-8D3C-40187889A947}"/>
               </a:ext>
               <a:ext uri="{C183D7F6-B498-43B3-948B-1728B52AA6E4}">
                 <adec:decorative xmlns:adec="http://schemas.microsoft.com/office/drawing/2017/decorative" val="1"/>
@@ -39247,18 +37437,14 @@
         </p:nvSpPr>
         <p:spPr>
           <a:xfrm>
-            <a:off x="1000874" y="2043803"/>
-            <a:ext cx="10190252" cy="80683"/>
+            <a:off x="0" y="651752"/>
+            <a:ext cx="12192000" cy="736551"/>
           </a:xfrm>
           <a:prstGeom prst="rect">
             <a:avLst/>
           </a:prstGeom>
           <a:solidFill>
-            <a:schemeClr val="tx1">
-              <a:lumMod val="50000"/>
-              <a:lumOff val="50000"/>
-              <a:alpha val="65000"/>
-            </a:schemeClr>
+            <a:schemeClr val="tx1"/>
           </a:solidFill>
           <a:ln>
             <a:noFill/>
@@ -39284,46 +37470,62 @@
           <a:bodyPr rtlCol="0" anchor="ctr"/>
           <a:lstStyle/>
           <a:p>
-            <a:pPr marL="0" marR="0" lvl="0" indent="0" algn="ctr" defTabSz="457200" rtl="0" eaLnBrk="1" fontAlgn="auto" latinLnBrk="0" hangingPunct="1">
-              <a:lnSpc>
-                <a:spcPct val="100000"/>
-              </a:lnSpc>
-              <a:spcBef>
-                <a:spcPts val="0"/>
-              </a:spcBef>
-              <a:spcAft>
-                <a:spcPts val="0"/>
-              </a:spcAft>
-              <a:buClrTx/>
-              <a:buSzTx/>
-              <a:buFontTx/>
-              <a:buNone/>
-              <a:tabLst/>
-              <a:defRPr/>
-            </a:pPr>
-            <a:endParaRPr kumimoji="0" lang="en-US" sz="1800" b="0" i="0" u="none" strike="noStrike" kern="1200" cap="none" spc="0" normalizeH="0" baseline="0" noProof="0">
-              <a:ln>
-                <a:noFill/>
-              </a:ln>
+            <a:pPr algn="ctr"/>
+            <a:endParaRPr lang="en-US"/>
+          </a:p>
+        </p:txBody>
+      </p:sp>
+      <p:sp>
+        <p:nvSpPr>
+          <p:cNvPr id="2" name="Título 1">
+            <a:extLst>
+              <a:ext uri="{FF2B5EF4-FFF2-40B4-BE49-F238E27FC236}">
+                <a16:creationId xmlns:a16="http://schemas.microsoft.com/office/drawing/2014/main" id="{E0B7F696-990F-4A06-8F6A-14DCE2F6ECEA}"/>
+              </a:ext>
+            </a:extLst>
+          </p:cNvPr>
+          <p:cNvSpPr>
+            <a:spLocks noGrp="1"/>
+          </p:cNvSpPr>
+          <p:nvPr>
+            <p:ph type="title"/>
+          </p:nvPr>
+        </p:nvSpPr>
+        <p:spPr>
+          <a:xfrm>
+            <a:off x="556532" y="643467"/>
+            <a:ext cx="11210925" cy="744836"/>
+          </a:xfrm>
+        </p:spPr>
+        <p:txBody>
+          <a:bodyPr vert="horz" lIns="91440" tIns="45720" rIns="91440" bIns="45720" rtlCol="0" anchor="ctr">
+            <a:normAutofit/>
+          </a:bodyPr>
+          <a:lstStyle/>
+          <a:p>
+            <a:pPr algn="ctr"/>
+            <a:r>
+              <a:rPr lang="pt-BR" sz="3200" dirty="0">
+                <a:solidFill>
+                  <a:schemeClr val="bg1"/>
+                </a:solidFill>
+              </a:rPr>
+              <a:t>CANVAS</a:t>
+            </a:r>
+            <a:endParaRPr lang="en-US" sz="3200" dirty="0">
               <a:solidFill>
-                <a:prstClr val="white"/>
+                <a:schemeClr val="bg1"/>
               </a:solidFill>
-              <a:effectLst/>
-              <a:uLnTx/>
-              <a:uFillTx/>
-              <a:latin typeface="Calibri" panose="020F0502020204030204"/>
-              <a:ea typeface="+mn-ea"/>
-              <a:cs typeface="+mn-cs"/>
             </a:endParaRPr>
           </a:p>
         </p:txBody>
       </p:sp>
       <p:pic>
         <p:nvPicPr>
-          <p:cNvPr id="7" name="Imagem 6" descr="Uma imagem contendo luz, desenho&#10;&#10;Descrição gerada automaticamente">
+          <p:cNvPr id="8" name="Imagem 7" descr="Uma imagem contendo luz, desenho&#10;&#10;Descrição gerada automaticamente">
             <a:extLst>
               <a:ext uri="{FF2B5EF4-FFF2-40B4-BE49-F238E27FC236}">
-                <a16:creationId xmlns:a16="http://schemas.microsoft.com/office/drawing/2014/main" id="{B73A588B-69F0-4C91-9718-418BFAF1F88F}"/>
+                <a16:creationId xmlns:a16="http://schemas.microsoft.com/office/drawing/2014/main" id="{65782BA6-080B-47BE-A78A-F5A29CEFBDBD}"/>
               </a:ext>
             </a:extLst>
           </p:cNvPr>
@@ -39346,8 +37548,8 @@
         </p:blipFill>
         <p:spPr>
           <a:xfrm>
-            <a:off x="10229458" y="788862"/>
-            <a:ext cx="926222" cy="1028396"/>
+            <a:off x="11194903" y="667336"/>
+            <a:ext cx="622595" cy="697098"/>
           </a:xfrm>
           <a:prstGeom prst="rect">
             <a:avLst/>
@@ -39356,10 +37558,10 @@
       </p:pic>
       <p:pic>
         <p:nvPicPr>
-          <p:cNvPr id="6" name="Imagem 5" descr="Tela de celular com publicação numa rede social&#10;&#10;Descrição gerada automaticamente">
+          <p:cNvPr id="24" name="Imagem 23">
             <a:extLst>
               <a:ext uri="{FF2B5EF4-FFF2-40B4-BE49-F238E27FC236}">
-                <a16:creationId xmlns:a16="http://schemas.microsoft.com/office/drawing/2014/main" id="{6AE11726-B5FD-4958-A20E-798B059A53CE}"/>
+                <a16:creationId xmlns:a16="http://schemas.microsoft.com/office/drawing/2014/main" id="{379DF922-5930-47BC-8DF6-CA1F679C4DCF}"/>
               </a:ext>
             </a:extLst>
           </p:cNvPr>
@@ -39369,21 +37571,15 @@
           <p:nvPr/>
         </p:nvPicPr>
         <p:blipFill>
-          <a:blip r:embed="rId3">
-            <a:extLst>
-              <a:ext uri="{28A0092B-C50C-407E-A947-70E740481C1C}">
-                <a14:useLocalDpi xmlns:a14="http://schemas.microsoft.com/office/drawing/2010/main" val="0"/>
-              </a:ext>
-            </a:extLst>
-          </a:blip>
+          <a:blip r:embed="rId3"/>
           <a:stretch>
             <a:fillRect/>
           </a:stretch>
         </p:blipFill>
         <p:spPr>
           <a:xfrm>
-            <a:off x="3729725" y="2125450"/>
-            <a:ext cx="4732550" cy="4732550"/>
+            <a:off x="1152396" y="1880562"/>
+            <a:ext cx="9887208" cy="4624330"/>
           </a:xfrm>
           <a:prstGeom prst="rect">
             <a:avLst/>
@@ -39393,7 +37589,7 @@
     </p:spTree>
     <p:extLst>
       <p:ext uri="{BB962C8B-B14F-4D97-AF65-F5344CB8AC3E}">
-        <p14:creationId xmlns:p14="http://schemas.microsoft.com/office/powerpoint/2010/main" val="2347293440"/>
+        <p14:creationId xmlns:p14="http://schemas.microsoft.com/office/powerpoint/2010/main" val="1187516604"/>
       </p:ext>
     </p:extLst>
   </p:cSld>
@@ -39430,45 +37626,10 @@
       </p:grpSpPr>
       <p:sp>
         <p:nvSpPr>
-          <p:cNvPr id="2" name="Título 1">
+          <p:cNvPr id="13" name="Rectangle 12">
             <a:extLst>
               <a:ext uri="{FF2B5EF4-FFF2-40B4-BE49-F238E27FC236}">
-                <a16:creationId xmlns:a16="http://schemas.microsoft.com/office/drawing/2014/main" id="{E0B7F696-990F-4A06-8F6A-14DCE2F6ECEA}"/>
-              </a:ext>
-            </a:extLst>
-          </p:cNvPr>
-          <p:cNvSpPr>
-            <a:spLocks noGrp="1"/>
-          </p:cNvSpPr>
-          <p:nvPr>
-            <p:ph type="title"/>
-          </p:nvPr>
-        </p:nvSpPr>
-        <p:spPr>
-          <a:xfrm>
-            <a:off x="870204" y="606564"/>
-            <a:ext cx="10451592" cy="1325563"/>
-          </a:xfrm>
-        </p:spPr>
-        <p:txBody>
-          <a:bodyPr anchor="ctr">
-            <a:normAutofit/>
-          </a:bodyPr>
-          <a:lstStyle/>
-          <a:p>
-            <a:r>
-              <a:rPr lang="pt-BR" dirty="0"/>
-              <a:t>STORYBOARD</a:t>
-            </a:r>
-          </a:p>
-        </p:txBody>
-      </p:sp>
-      <p:sp>
-        <p:nvSpPr>
-          <p:cNvPr id="42" name="Rectangle 41">
-            <a:extLst>
-              <a:ext uri="{FF2B5EF4-FFF2-40B4-BE49-F238E27FC236}">
-                <a16:creationId xmlns:a16="http://schemas.microsoft.com/office/drawing/2014/main" id="{A5711A0E-A428-4ED1-96CB-33D69FD842E4}"/>
+                <a16:creationId xmlns:a16="http://schemas.microsoft.com/office/drawing/2014/main" id="{A4AC5506-6312-4701-8D3C-40187889A947}"/>
               </a:ext>
               <a:ext uri="{C183D7F6-B498-43B3-948B-1728B52AA6E4}">
                 <adec:decorative xmlns:adec="http://schemas.microsoft.com/office/drawing/2017/decorative" val="1"/>
@@ -39488,18 +37649,14 @@
         </p:nvSpPr>
         <p:spPr>
           <a:xfrm>
-            <a:off x="1000874" y="2043803"/>
-            <a:ext cx="10190252" cy="80683"/>
+            <a:off x="0" y="651752"/>
+            <a:ext cx="12192000" cy="736551"/>
           </a:xfrm>
           <a:prstGeom prst="rect">
             <a:avLst/>
           </a:prstGeom>
           <a:solidFill>
-            <a:schemeClr val="tx1">
-              <a:lumMod val="50000"/>
-              <a:lumOff val="50000"/>
-              <a:alpha val="65000"/>
-            </a:schemeClr>
+            <a:schemeClr val="tx1"/>
           </a:solidFill>
           <a:ln>
             <a:noFill/>
@@ -39525,46 +37682,62 @@
           <a:bodyPr rtlCol="0" anchor="ctr"/>
           <a:lstStyle/>
           <a:p>
-            <a:pPr marL="0" marR="0" lvl="0" indent="0" algn="ctr" defTabSz="457200" rtl="0" eaLnBrk="1" fontAlgn="auto" latinLnBrk="0" hangingPunct="1">
-              <a:lnSpc>
-                <a:spcPct val="100000"/>
-              </a:lnSpc>
-              <a:spcBef>
-                <a:spcPts val="0"/>
-              </a:spcBef>
-              <a:spcAft>
-                <a:spcPts val="0"/>
-              </a:spcAft>
-              <a:buClrTx/>
-              <a:buSzTx/>
-              <a:buFontTx/>
-              <a:buNone/>
-              <a:tabLst/>
-              <a:defRPr/>
-            </a:pPr>
-            <a:endParaRPr kumimoji="0" lang="en-US" sz="1800" b="0" i="0" u="none" strike="noStrike" kern="1200" cap="none" spc="0" normalizeH="0" baseline="0" noProof="0">
-              <a:ln>
-                <a:noFill/>
-              </a:ln>
+            <a:pPr algn="ctr"/>
+            <a:endParaRPr lang="en-US"/>
+          </a:p>
+        </p:txBody>
+      </p:sp>
+      <p:sp>
+        <p:nvSpPr>
+          <p:cNvPr id="2" name="Título 1">
+            <a:extLst>
+              <a:ext uri="{FF2B5EF4-FFF2-40B4-BE49-F238E27FC236}">
+                <a16:creationId xmlns:a16="http://schemas.microsoft.com/office/drawing/2014/main" id="{E0B7F696-990F-4A06-8F6A-14DCE2F6ECEA}"/>
+              </a:ext>
+            </a:extLst>
+          </p:cNvPr>
+          <p:cNvSpPr>
+            <a:spLocks noGrp="1"/>
+          </p:cNvSpPr>
+          <p:nvPr>
+            <p:ph type="title"/>
+          </p:nvPr>
+        </p:nvSpPr>
+        <p:spPr>
+          <a:xfrm>
+            <a:off x="556532" y="643467"/>
+            <a:ext cx="11210925" cy="744836"/>
+          </a:xfrm>
+        </p:spPr>
+        <p:txBody>
+          <a:bodyPr vert="horz" lIns="91440" tIns="45720" rIns="91440" bIns="45720" rtlCol="0" anchor="ctr">
+            <a:normAutofit/>
+          </a:bodyPr>
+          <a:lstStyle/>
+          <a:p>
+            <a:pPr algn="ctr"/>
+            <a:r>
+              <a:rPr lang="pt-BR" sz="3200" dirty="0">
+                <a:solidFill>
+                  <a:schemeClr val="bg1"/>
+                </a:solidFill>
+              </a:rPr>
+              <a:t>PLANEJAMENTO</a:t>
+            </a:r>
+            <a:endParaRPr lang="en-US" sz="3200" dirty="0">
               <a:solidFill>
-                <a:prstClr val="white"/>
+                <a:schemeClr val="bg1"/>
               </a:solidFill>
-              <a:effectLst/>
-              <a:uLnTx/>
-              <a:uFillTx/>
-              <a:latin typeface="Calibri" panose="020F0502020204030204"/>
-              <a:ea typeface="+mn-ea"/>
-              <a:cs typeface="+mn-cs"/>
             </a:endParaRPr>
           </a:p>
         </p:txBody>
       </p:sp>
       <p:pic>
         <p:nvPicPr>
-          <p:cNvPr id="7" name="Imagem 6" descr="Uma imagem contendo luz, desenho&#10;&#10;Descrição gerada automaticamente">
+          <p:cNvPr id="8" name="Imagem 7" descr="Uma imagem contendo luz, desenho&#10;&#10;Descrição gerada automaticamente">
             <a:extLst>
               <a:ext uri="{FF2B5EF4-FFF2-40B4-BE49-F238E27FC236}">
-                <a16:creationId xmlns:a16="http://schemas.microsoft.com/office/drawing/2014/main" id="{B73A588B-69F0-4C91-9718-418BFAF1F88F}"/>
+                <a16:creationId xmlns:a16="http://schemas.microsoft.com/office/drawing/2014/main" id="{65782BA6-080B-47BE-A78A-F5A29CEFBDBD}"/>
               </a:ext>
             </a:extLst>
           </p:cNvPr>
@@ -39587,8 +37760,8 @@
         </p:blipFill>
         <p:spPr>
           <a:xfrm>
-            <a:off x="10229458" y="788862"/>
-            <a:ext cx="926222" cy="1028396"/>
+            <a:off x="11194903" y="667336"/>
+            <a:ext cx="622595" cy="697098"/>
           </a:xfrm>
           <a:prstGeom prst="rect">
             <a:avLst/>
@@ -39597,10 +37770,10 @@
       </p:pic>
       <p:pic>
         <p:nvPicPr>
-          <p:cNvPr id="8" name="Imagem 7" descr="Uma imagem contendo texto, screenshot, relógio&#10;&#10;Descrição gerada automaticamente">
+          <p:cNvPr id="6" name="Imagem 5">
             <a:extLst>
               <a:ext uri="{FF2B5EF4-FFF2-40B4-BE49-F238E27FC236}">
-                <a16:creationId xmlns:a16="http://schemas.microsoft.com/office/drawing/2014/main" id="{B34EF682-4D22-469D-AD85-B0398AF40A65}"/>
+                <a16:creationId xmlns:a16="http://schemas.microsoft.com/office/drawing/2014/main" id="{25CD3E4E-40EF-4269-8D9C-44ACB8A36AE4}"/>
               </a:ext>
             </a:extLst>
           </p:cNvPr>
@@ -39610,21 +37783,15 @@
           <p:nvPr/>
         </p:nvPicPr>
         <p:blipFill>
-          <a:blip r:embed="rId3">
-            <a:extLst>
-              <a:ext uri="{28A0092B-C50C-407E-A947-70E740481C1C}">
-                <a14:useLocalDpi xmlns:a14="http://schemas.microsoft.com/office/drawing/2010/main" val="0"/>
-              </a:ext>
-            </a:extLst>
-          </a:blip>
+          <a:blip r:embed="rId3"/>
           <a:stretch>
             <a:fillRect/>
           </a:stretch>
         </p:blipFill>
         <p:spPr>
           <a:xfrm>
-            <a:off x="0" y="2557441"/>
-            <a:ext cx="12192000" cy="3816543"/>
+            <a:off x="1551238" y="1636806"/>
+            <a:ext cx="9089523" cy="5007834"/>
           </a:xfrm>
           <a:prstGeom prst="rect">
             <a:avLst/>
@@ -39634,7 +37801,7 @@
     </p:spTree>
     <p:extLst>
       <p:ext uri="{BB962C8B-B14F-4D97-AF65-F5344CB8AC3E}">
-        <p14:creationId xmlns:p14="http://schemas.microsoft.com/office/powerpoint/2010/main" val="2004081281"/>
+        <p14:creationId xmlns:p14="http://schemas.microsoft.com/office/powerpoint/2010/main" val="2553522183"/>
       </p:ext>
     </p:extLst>
   </p:cSld>
@@ -39671,45 +37838,10 @@
       </p:grpSpPr>
       <p:sp>
         <p:nvSpPr>
-          <p:cNvPr id="2" name="Título 1">
+          <p:cNvPr id="13" name="Rectangle 12">
             <a:extLst>
               <a:ext uri="{FF2B5EF4-FFF2-40B4-BE49-F238E27FC236}">
-                <a16:creationId xmlns:a16="http://schemas.microsoft.com/office/drawing/2014/main" id="{E0B7F696-990F-4A06-8F6A-14DCE2F6ECEA}"/>
-              </a:ext>
-            </a:extLst>
-          </p:cNvPr>
-          <p:cNvSpPr>
-            <a:spLocks noGrp="1"/>
-          </p:cNvSpPr>
-          <p:nvPr>
-            <p:ph type="title"/>
-          </p:nvPr>
-        </p:nvSpPr>
-        <p:spPr>
-          <a:xfrm>
-            <a:off x="870204" y="606564"/>
-            <a:ext cx="10451592" cy="1325563"/>
-          </a:xfrm>
-        </p:spPr>
-        <p:txBody>
-          <a:bodyPr anchor="ctr">
-            <a:normAutofit/>
-          </a:bodyPr>
-          <a:lstStyle/>
-          <a:p>
-            <a:r>
-              <a:rPr lang="pt-BR" dirty="0"/>
-              <a:t>CANVAS</a:t>
-            </a:r>
-          </a:p>
-        </p:txBody>
-      </p:sp>
-      <p:sp>
-        <p:nvSpPr>
-          <p:cNvPr id="42" name="Rectangle 41">
-            <a:extLst>
-              <a:ext uri="{FF2B5EF4-FFF2-40B4-BE49-F238E27FC236}">
-                <a16:creationId xmlns:a16="http://schemas.microsoft.com/office/drawing/2014/main" id="{A5711A0E-A428-4ED1-96CB-33D69FD842E4}"/>
+                <a16:creationId xmlns:a16="http://schemas.microsoft.com/office/drawing/2014/main" id="{A4AC5506-6312-4701-8D3C-40187889A947}"/>
               </a:ext>
               <a:ext uri="{C183D7F6-B498-43B3-948B-1728B52AA6E4}">
                 <adec:decorative xmlns:adec="http://schemas.microsoft.com/office/drawing/2017/decorative" val="1"/>
@@ -39729,18 +37861,14 @@
         </p:nvSpPr>
         <p:spPr>
           <a:xfrm>
-            <a:off x="1000874" y="2043803"/>
-            <a:ext cx="10190252" cy="80683"/>
+            <a:off x="0" y="651752"/>
+            <a:ext cx="12192000" cy="736551"/>
           </a:xfrm>
           <a:prstGeom prst="rect">
             <a:avLst/>
           </a:prstGeom>
           <a:solidFill>
-            <a:schemeClr val="tx1">
-              <a:lumMod val="50000"/>
-              <a:lumOff val="50000"/>
-              <a:alpha val="65000"/>
-            </a:schemeClr>
+            <a:schemeClr val="tx1"/>
           </a:solidFill>
           <a:ln>
             <a:noFill/>
@@ -39766,46 +37894,62 @@
           <a:bodyPr rtlCol="0" anchor="ctr"/>
           <a:lstStyle/>
           <a:p>
-            <a:pPr marL="0" marR="0" lvl="0" indent="0" algn="ctr" defTabSz="457200" rtl="0" eaLnBrk="1" fontAlgn="auto" latinLnBrk="0" hangingPunct="1">
-              <a:lnSpc>
-                <a:spcPct val="100000"/>
-              </a:lnSpc>
-              <a:spcBef>
-                <a:spcPts val="0"/>
-              </a:spcBef>
-              <a:spcAft>
-                <a:spcPts val="0"/>
-              </a:spcAft>
-              <a:buClrTx/>
-              <a:buSzTx/>
-              <a:buFontTx/>
-              <a:buNone/>
-              <a:tabLst/>
-              <a:defRPr/>
-            </a:pPr>
-            <a:endParaRPr kumimoji="0" lang="en-US" sz="1800" b="0" i="0" u="none" strike="noStrike" kern="1200" cap="none" spc="0" normalizeH="0" baseline="0" noProof="0">
-              <a:ln>
-                <a:noFill/>
-              </a:ln>
+            <a:pPr algn="ctr"/>
+            <a:endParaRPr lang="en-US"/>
+          </a:p>
+        </p:txBody>
+      </p:sp>
+      <p:sp>
+        <p:nvSpPr>
+          <p:cNvPr id="2" name="Título 1">
+            <a:extLst>
+              <a:ext uri="{FF2B5EF4-FFF2-40B4-BE49-F238E27FC236}">
+                <a16:creationId xmlns:a16="http://schemas.microsoft.com/office/drawing/2014/main" id="{E0B7F696-990F-4A06-8F6A-14DCE2F6ECEA}"/>
+              </a:ext>
+            </a:extLst>
+          </p:cNvPr>
+          <p:cNvSpPr>
+            <a:spLocks noGrp="1"/>
+          </p:cNvSpPr>
+          <p:nvPr>
+            <p:ph type="title"/>
+          </p:nvPr>
+        </p:nvSpPr>
+        <p:spPr>
+          <a:xfrm>
+            <a:off x="556532" y="643467"/>
+            <a:ext cx="11210925" cy="744836"/>
+          </a:xfrm>
+        </p:spPr>
+        <p:txBody>
+          <a:bodyPr vert="horz" lIns="91440" tIns="45720" rIns="91440" bIns="45720" rtlCol="0" anchor="ctr">
+            <a:normAutofit/>
+          </a:bodyPr>
+          <a:lstStyle/>
+          <a:p>
+            <a:pPr algn="ctr"/>
+            <a:r>
+              <a:rPr lang="pt-BR" sz="3200" dirty="0">
+                <a:solidFill>
+                  <a:schemeClr val="bg1"/>
+                </a:solidFill>
+              </a:rPr>
+              <a:t>REQUISITOS</a:t>
+            </a:r>
+            <a:endParaRPr lang="en-US" sz="3200" dirty="0">
               <a:solidFill>
-                <a:prstClr val="white"/>
+                <a:schemeClr val="bg1"/>
               </a:solidFill>
-              <a:effectLst/>
-              <a:uLnTx/>
-              <a:uFillTx/>
-              <a:latin typeface="Calibri" panose="020F0502020204030204"/>
-              <a:ea typeface="+mn-ea"/>
-              <a:cs typeface="+mn-cs"/>
             </a:endParaRPr>
           </a:p>
         </p:txBody>
       </p:sp>
       <p:pic>
         <p:nvPicPr>
-          <p:cNvPr id="7" name="Imagem 6" descr="Uma imagem contendo luz, desenho&#10;&#10;Descrição gerada automaticamente">
+          <p:cNvPr id="8" name="Imagem 7" descr="Uma imagem contendo luz, desenho&#10;&#10;Descrição gerada automaticamente">
             <a:extLst>
               <a:ext uri="{FF2B5EF4-FFF2-40B4-BE49-F238E27FC236}">
-                <a16:creationId xmlns:a16="http://schemas.microsoft.com/office/drawing/2014/main" id="{B73A588B-69F0-4C91-9718-418BFAF1F88F}"/>
+                <a16:creationId xmlns:a16="http://schemas.microsoft.com/office/drawing/2014/main" id="{65782BA6-080B-47BE-A78A-F5A29CEFBDBD}"/>
               </a:ext>
             </a:extLst>
           </p:cNvPr>
@@ -39828,8 +37972,8 @@
         </p:blipFill>
         <p:spPr>
           <a:xfrm>
-            <a:off x="10229458" y="788862"/>
-            <a:ext cx="926222" cy="1028396"/>
+            <a:off x="11194903" y="667336"/>
+            <a:ext cx="622595" cy="697098"/>
           </a:xfrm>
           <a:prstGeom prst="rect">
             <a:avLst/>
@@ -39838,28 +37982,32 @@
       </p:pic>
       <p:pic>
         <p:nvPicPr>
-          <p:cNvPr id="35" name="Imagem 34">
+          <p:cNvPr id="7" name="Imagem 6">
             <a:extLst>
               <a:ext uri="{FF2B5EF4-FFF2-40B4-BE49-F238E27FC236}">
-                <a16:creationId xmlns:a16="http://schemas.microsoft.com/office/drawing/2014/main" id="{E2108F9E-722C-4005-8040-521F34C5FB1C}"/>
+                <a16:creationId xmlns:a16="http://schemas.microsoft.com/office/drawing/2014/main" id="{C8BD81C3-F4E6-4F79-B5BF-A35652B05451}"/>
               </a:ext>
             </a:extLst>
           </p:cNvPr>
-          <p:cNvPicPr>
-            <a:picLocks noChangeAspect="1"/>
-          </p:cNvPicPr>
+          <p:cNvPicPr/>
           <p:nvPr/>
         </p:nvPicPr>
         <p:blipFill>
-          <a:blip r:embed="rId3"/>
+          <a:blip r:embed="rId3" cstate="print">
+            <a:extLst>
+              <a:ext uri="{28A0092B-C50C-407E-A947-70E740481C1C}">
+                <a14:useLocalDpi xmlns:a14="http://schemas.microsoft.com/office/drawing/2010/main" val="0"/>
+              </a:ext>
+            </a:extLst>
+          </a:blip>
           <a:stretch>
             <a:fillRect/>
           </a:stretch>
         </p:blipFill>
         <p:spPr>
           <a:xfrm>
-            <a:off x="1434588" y="2236162"/>
-            <a:ext cx="9887208" cy="4624330"/>
+            <a:off x="564588" y="2117290"/>
+            <a:ext cx="11062823" cy="4097243"/>
           </a:xfrm>
           <a:prstGeom prst="rect">
             <a:avLst/>
@@ -39869,7 +38017,7 @@
     </p:spTree>
     <p:extLst>
       <p:ext uri="{BB962C8B-B14F-4D97-AF65-F5344CB8AC3E}">
-        <p14:creationId xmlns:p14="http://schemas.microsoft.com/office/powerpoint/2010/main" val="3159484629"/>
+        <p14:creationId xmlns:p14="http://schemas.microsoft.com/office/powerpoint/2010/main" val="3853623996"/>
       </p:ext>
     </p:extLst>
   </p:cSld>
@@ -39906,45 +38054,10 @@
       </p:grpSpPr>
       <p:sp>
         <p:nvSpPr>
-          <p:cNvPr id="2" name="Título 1">
+          <p:cNvPr id="13" name="Rectangle 12">
             <a:extLst>
               <a:ext uri="{FF2B5EF4-FFF2-40B4-BE49-F238E27FC236}">
-                <a16:creationId xmlns:a16="http://schemas.microsoft.com/office/drawing/2014/main" id="{E0B7F696-990F-4A06-8F6A-14DCE2F6ECEA}"/>
-              </a:ext>
-            </a:extLst>
-          </p:cNvPr>
-          <p:cNvSpPr>
-            <a:spLocks noGrp="1"/>
-          </p:cNvSpPr>
-          <p:nvPr>
-            <p:ph type="title"/>
-          </p:nvPr>
-        </p:nvSpPr>
-        <p:spPr>
-          <a:xfrm>
-            <a:off x="870204" y="606564"/>
-            <a:ext cx="10451592" cy="1325563"/>
-          </a:xfrm>
-        </p:spPr>
-        <p:txBody>
-          <a:bodyPr anchor="ctr">
-            <a:normAutofit/>
-          </a:bodyPr>
-          <a:lstStyle/>
-          <a:p>
-            <a:r>
-              <a:rPr lang="pt-BR" dirty="0"/>
-              <a:t>SOLUÇÃO</a:t>
-            </a:r>
-          </a:p>
-        </p:txBody>
-      </p:sp>
-      <p:sp>
-        <p:nvSpPr>
-          <p:cNvPr id="42" name="Rectangle 41">
-            <a:extLst>
-              <a:ext uri="{FF2B5EF4-FFF2-40B4-BE49-F238E27FC236}">
-                <a16:creationId xmlns:a16="http://schemas.microsoft.com/office/drawing/2014/main" id="{A5711A0E-A428-4ED1-96CB-33D69FD842E4}"/>
+                <a16:creationId xmlns:a16="http://schemas.microsoft.com/office/drawing/2014/main" id="{A4AC5506-6312-4701-8D3C-40187889A947}"/>
               </a:ext>
               <a:ext uri="{C183D7F6-B498-43B3-948B-1728B52AA6E4}">
                 <adec:decorative xmlns:adec="http://schemas.microsoft.com/office/drawing/2017/decorative" val="1"/>
@@ -39964,18 +38077,14 @@
         </p:nvSpPr>
         <p:spPr>
           <a:xfrm>
-            <a:off x="1000874" y="2043803"/>
-            <a:ext cx="10190252" cy="80683"/>
+            <a:off x="0" y="651752"/>
+            <a:ext cx="12192000" cy="736551"/>
           </a:xfrm>
           <a:prstGeom prst="rect">
             <a:avLst/>
           </a:prstGeom>
           <a:solidFill>
-            <a:schemeClr val="tx1">
-              <a:lumMod val="50000"/>
-              <a:lumOff val="50000"/>
-              <a:alpha val="65000"/>
-            </a:schemeClr>
+            <a:schemeClr val="tx1"/>
           </a:solidFill>
           <a:ln>
             <a:noFill/>
@@ -40001,46 +38110,60 @@
           <a:bodyPr rtlCol="0" anchor="ctr"/>
           <a:lstStyle/>
           <a:p>
-            <a:pPr marL="0" marR="0" lvl="0" indent="0" algn="ctr" defTabSz="457200" rtl="0" eaLnBrk="1" fontAlgn="auto" latinLnBrk="0" hangingPunct="1">
-              <a:lnSpc>
-                <a:spcPct val="100000"/>
-              </a:lnSpc>
-              <a:spcBef>
-                <a:spcPts val="0"/>
-              </a:spcBef>
-              <a:spcAft>
-                <a:spcPts val="0"/>
-              </a:spcAft>
-              <a:buClrTx/>
-              <a:buSzTx/>
-              <a:buFontTx/>
-              <a:buNone/>
-              <a:tabLst/>
-              <a:defRPr/>
-            </a:pPr>
-            <a:endParaRPr kumimoji="0" lang="en-US" sz="1800" b="0" i="0" u="none" strike="noStrike" kern="1200" cap="none" spc="0" normalizeH="0" baseline="0" noProof="0">
-              <a:ln>
-                <a:noFill/>
-              </a:ln>
-              <a:solidFill>
-                <a:prstClr val="white"/>
-              </a:solidFill>
-              <a:effectLst/>
-              <a:uLnTx/>
-              <a:uFillTx/>
-              <a:latin typeface="Calibri" panose="020F0502020204030204"/>
-              <a:ea typeface="+mn-ea"/>
-              <a:cs typeface="+mn-cs"/>
-            </a:endParaRPr>
+            <a:pPr algn="ctr"/>
+            <a:endParaRPr lang="en-US"/>
+          </a:p>
+        </p:txBody>
+      </p:sp>
+      <p:sp>
+        <p:nvSpPr>
+          <p:cNvPr id="2" name="Título 1">
+            <a:extLst>
+              <a:ext uri="{FF2B5EF4-FFF2-40B4-BE49-F238E27FC236}">
+                <a16:creationId xmlns:a16="http://schemas.microsoft.com/office/drawing/2014/main" id="{E0B7F696-990F-4A06-8F6A-14DCE2F6ECEA}"/>
+              </a:ext>
+            </a:extLst>
+          </p:cNvPr>
+          <p:cNvSpPr>
+            <a:spLocks noGrp="1"/>
+          </p:cNvSpPr>
+          <p:nvPr>
+            <p:ph type="title"/>
+          </p:nvPr>
+        </p:nvSpPr>
+        <p:spPr>
+          <a:xfrm>
+            <a:off x="556532" y="643467"/>
+            <a:ext cx="11210925" cy="744836"/>
+          </a:xfrm>
+        </p:spPr>
+        <p:txBody>
+          <a:bodyPr vert="horz" lIns="91440" tIns="45720" rIns="91440" bIns="45720" rtlCol="0" anchor="ctr">
+            <a:normAutofit/>
+          </a:bodyPr>
+          <a:lstStyle/>
+          <a:p>
+            <a:pPr algn="ctr"/>
+            <a:r>
+              <a:rPr lang="en-US" sz="3200" kern="1200">
+                <a:solidFill>
+                  <a:schemeClr val="bg1"/>
+                </a:solidFill>
+                <a:latin typeface="+mj-lt"/>
+                <a:ea typeface="+mj-ea"/>
+                <a:cs typeface="+mj-cs"/>
+              </a:rPr>
+              <a:t>SOLUÇÃO TÉCNICA</a:t>
+            </a:r>
           </a:p>
         </p:txBody>
       </p:sp>
       <p:pic>
         <p:nvPicPr>
-          <p:cNvPr id="8" name="Imagem 7" descr="Tela de jogo de vídeo game&#10;&#10;Descrição gerada automaticamente">
+          <p:cNvPr id="8" name="Imagem 7" descr="Uma imagem contendo luz, desenho&#10;&#10;Descrição gerada automaticamente">
             <a:extLst>
               <a:ext uri="{FF2B5EF4-FFF2-40B4-BE49-F238E27FC236}">
-                <a16:creationId xmlns:a16="http://schemas.microsoft.com/office/drawing/2014/main" id="{15ED3509-0B30-45A4-AE3F-204531D4AFC6}"/>
+                <a16:creationId xmlns:a16="http://schemas.microsoft.com/office/drawing/2014/main" id="{65782BA6-080B-47BE-A78A-F5A29CEFBDBD}"/>
               </a:ext>
             </a:extLst>
           </p:cNvPr>
@@ -40063,8 +38186,8 @@
         </p:blipFill>
         <p:spPr>
           <a:xfrm>
-            <a:off x="1272344" y="2124486"/>
-            <a:ext cx="9420225" cy="5534025"/>
+            <a:off x="11194903" y="667336"/>
+            <a:ext cx="622595" cy="697098"/>
           </a:xfrm>
           <a:prstGeom prst="rect">
             <a:avLst/>
@@ -40073,10 +38196,10 @@
       </p:pic>
       <p:pic>
         <p:nvPicPr>
-          <p:cNvPr id="12" name="Imagem 11" descr="Uma imagem contendo luz, desenho&#10;&#10;Descrição gerada automaticamente">
+          <p:cNvPr id="4" name="Imagem 3" descr="Uma imagem contendo mapa&#10;&#10;Descrição gerada automaticamente">
             <a:extLst>
               <a:ext uri="{FF2B5EF4-FFF2-40B4-BE49-F238E27FC236}">
-                <a16:creationId xmlns:a16="http://schemas.microsoft.com/office/drawing/2014/main" id="{A1A7E343-EE17-436F-9174-8AC738A492DE}"/>
+                <a16:creationId xmlns:a16="http://schemas.microsoft.com/office/drawing/2014/main" id="{A4F79ACF-DDF1-491C-BE5A-D03D3E2AED79}"/>
               </a:ext>
             </a:extLst>
           </p:cNvPr>
@@ -40099,8 +38222,8 @@
         </p:blipFill>
         <p:spPr>
           <a:xfrm>
-            <a:off x="10229458" y="788862"/>
-            <a:ext cx="926222" cy="1028396"/>
+            <a:off x="1409699" y="1467978"/>
+            <a:ext cx="9372601" cy="5311349"/>
           </a:xfrm>
           <a:prstGeom prst="rect">
             <a:avLst/>
@@ -40110,7 +38233,7 @@
     </p:spTree>
     <p:extLst>
       <p:ext uri="{BB962C8B-B14F-4D97-AF65-F5344CB8AC3E}">
-        <p14:creationId xmlns:p14="http://schemas.microsoft.com/office/powerpoint/2010/main" val="2623705284"/>
+        <p14:creationId xmlns:p14="http://schemas.microsoft.com/office/powerpoint/2010/main" val="3475096275"/>
       </p:ext>
     </p:extLst>
   </p:cSld>
@@ -40147,45 +38270,10 @@
       </p:grpSpPr>
       <p:sp>
         <p:nvSpPr>
-          <p:cNvPr id="2" name="Título 1">
+          <p:cNvPr id="13" name="Rectangle 12">
             <a:extLst>
               <a:ext uri="{FF2B5EF4-FFF2-40B4-BE49-F238E27FC236}">
-                <a16:creationId xmlns:a16="http://schemas.microsoft.com/office/drawing/2014/main" id="{E0B7F696-990F-4A06-8F6A-14DCE2F6ECEA}"/>
-              </a:ext>
-            </a:extLst>
-          </p:cNvPr>
-          <p:cNvSpPr>
-            <a:spLocks noGrp="1"/>
-          </p:cNvSpPr>
-          <p:nvPr>
-            <p:ph type="title"/>
-          </p:nvPr>
-        </p:nvSpPr>
-        <p:spPr>
-          <a:xfrm>
-            <a:off x="870204" y="606564"/>
-            <a:ext cx="10451592" cy="1325563"/>
-          </a:xfrm>
-        </p:spPr>
-        <p:txBody>
-          <a:bodyPr anchor="ctr">
-            <a:normAutofit/>
-          </a:bodyPr>
-          <a:lstStyle/>
-          <a:p>
-            <a:r>
-              <a:rPr lang="pt-BR" dirty="0"/>
-              <a:t>PLANEJAMENTO</a:t>
-            </a:r>
-          </a:p>
-        </p:txBody>
-      </p:sp>
-      <p:sp>
-        <p:nvSpPr>
-          <p:cNvPr id="42" name="Rectangle 41">
-            <a:extLst>
-              <a:ext uri="{FF2B5EF4-FFF2-40B4-BE49-F238E27FC236}">
-                <a16:creationId xmlns:a16="http://schemas.microsoft.com/office/drawing/2014/main" id="{A5711A0E-A428-4ED1-96CB-33D69FD842E4}"/>
+                <a16:creationId xmlns:a16="http://schemas.microsoft.com/office/drawing/2014/main" id="{A4AC5506-6312-4701-8D3C-40187889A947}"/>
               </a:ext>
               <a:ext uri="{C183D7F6-B498-43B3-948B-1728B52AA6E4}">
                 <adec:decorative xmlns:adec="http://schemas.microsoft.com/office/drawing/2017/decorative" val="1"/>
@@ -40205,18 +38293,14 @@
         </p:nvSpPr>
         <p:spPr>
           <a:xfrm>
-            <a:off x="1000874" y="2043803"/>
-            <a:ext cx="10190252" cy="80683"/>
+            <a:off x="0" y="651752"/>
+            <a:ext cx="12192000" cy="736551"/>
           </a:xfrm>
           <a:prstGeom prst="rect">
             <a:avLst/>
           </a:prstGeom>
           <a:solidFill>
-            <a:schemeClr val="tx1">
-              <a:lumMod val="50000"/>
-              <a:lumOff val="50000"/>
-              <a:alpha val="65000"/>
-            </a:schemeClr>
+            <a:schemeClr val="tx1"/>
           </a:solidFill>
           <a:ln>
             <a:noFill/>
@@ -40242,46 +38326,60 @@
           <a:bodyPr rtlCol="0" anchor="ctr"/>
           <a:lstStyle/>
           <a:p>
-            <a:pPr marL="0" marR="0" lvl="0" indent="0" algn="ctr" defTabSz="457200" rtl="0" eaLnBrk="1" fontAlgn="auto" latinLnBrk="0" hangingPunct="1">
-              <a:lnSpc>
-                <a:spcPct val="100000"/>
-              </a:lnSpc>
-              <a:spcBef>
-                <a:spcPts val="0"/>
-              </a:spcBef>
-              <a:spcAft>
-                <a:spcPts val="0"/>
-              </a:spcAft>
-              <a:buClrTx/>
-              <a:buSzTx/>
-              <a:buFontTx/>
-              <a:buNone/>
-              <a:tabLst/>
-              <a:defRPr/>
-            </a:pPr>
-            <a:endParaRPr kumimoji="0" lang="en-US" sz="1800" b="0" i="0" u="none" strike="noStrike" kern="1200" cap="none" spc="0" normalizeH="0" baseline="0" noProof="0">
-              <a:ln>
-                <a:noFill/>
-              </a:ln>
-              <a:solidFill>
-                <a:prstClr val="white"/>
-              </a:solidFill>
-              <a:effectLst/>
-              <a:uLnTx/>
-              <a:uFillTx/>
-              <a:latin typeface="Calibri" panose="020F0502020204030204"/>
-              <a:ea typeface="+mn-ea"/>
-              <a:cs typeface="+mn-cs"/>
-            </a:endParaRPr>
+            <a:pPr algn="ctr"/>
+            <a:endParaRPr lang="en-US"/>
+          </a:p>
+        </p:txBody>
+      </p:sp>
+      <p:sp>
+        <p:nvSpPr>
+          <p:cNvPr id="2" name="Título 1">
+            <a:extLst>
+              <a:ext uri="{FF2B5EF4-FFF2-40B4-BE49-F238E27FC236}">
+                <a16:creationId xmlns:a16="http://schemas.microsoft.com/office/drawing/2014/main" id="{E0B7F696-990F-4A06-8F6A-14DCE2F6ECEA}"/>
+              </a:ext>
+            </a:extLst>
+          </p:cNvPr>
+          <p:cNvSpPr>
+            <a:spLocks noGrp="1"/>
+          </p:cNvSpPr>
+          <p:nvPr>
+            <p:ph type="title"/>
+          </p:nvPr>
+        </p:nvSpPr>
+        <p:spPr>
+          <a:xfrm>
+            <a:off x="556532" y="643467"/>
+            <a:ext cx="11210925" cy="744836"/>
+          </a:xfrm>
+        </p:spPr>
+        <p:txBody>
+          <a:bodyPr vert="horz" lIns="91440" tIns="45720" rIns="91440" bIns="45720" rtlCol="0" anchor="ctr">
+            <a:normAutofit/>
+          </a:bodyPr>
+          <a:lstStyle/>
+          <a:p>
+            <a:pPr algn="ctr"/>
+            <a:r>
+              <a:rPr lang="en-US" sz="3200" kern="1200" dirty="0">
+                <a:solidFill>
+                  <a:schemeClr val="bg1"/>
+                </a:solidFill>
+                <a:latin typeface="+mj-lt"/>
+                <a:ea typeface="+mj-ea"/>
+                <a:cs typeface="+mj-cs"/>
+              </a:rPr>
+              <a:t>BANCO DE DADOS</a:t>
+            </a:r>
           </a:p>
         </p:txBody>
       </p:sp>
       <p:pic>
         <p:nvPicPr>
-          <p:cNvPr id="3" name="Imagem 2">
+          <p:cNvPr id="8" name="Imagem 7" descr="Uma imagem contendo luz, desenho&#10;&#10;Descrição gerada automaticamente">
             <a:extLst>
               <a:ext uri="{FF2B5EF4-FFF2-40B4-BE49-F238E27FC236}">
-                <a16:creationId xmlns:a16="http://schemas.microsoft.com/office/drawing/2014/main" id="{0D1BC1C8-D364-4832-B337-D4ECE5F6263B}"/>
+                <a16:creationId xmlns:a16="http://schemas.microsoft.com/office/drawing/2014/main" id="{65782BA6-080B-47BE-A78A-F5A29CEFBDBD}"/>
               </a:ext>
             </a:extLst>
           </p:cNvPr>
@@ -40291,15 +38389,21 @@
           <p:nvPr/>
         </p:nvPicPr>
         <p:blipFill>
-          <a:blip r:embed="rId2"/>
+          <a:blip r:embed="rId2">
+            <a:extLst>
+              <a:ext uri="{28A0092B-C50C-407E-A947-70E740481C1C}">
+                <a14:useLocalDpi xmlns:a14="http://schemas.microsoft.com/office/drawing/2010/main" val="0"/>
+              </a:ext>
+            </a:extLst>
+          </a:blip>
           <a:stretch>
             <a:fillRect/>
           </a:stretch>
         </p:blipFill>
         <p:spPr>
           <a:xfrm>
-            <a:off x="1757463" y="2124486"/>
-            <a:ext cx="8677074" cy="4780597"/>
+            <a:off x="11194903" y="667336"/>
+            <a:ext cx="622595" cy="697098"/>
           </a:xfrm>
           <a:prstGeom prst="rect">
             <a:avLst/>
@@ -40308,10 +38412,10 @@
       </p:pic>
       <p:pic>
         <p:nvPicPr>
-          <p:cNvPr id="7" name="Imagem 6" descr="Uma imagem contendo luz, desenho&#10;&#10;Descrição gerada automaticamente">
+          <p:cNvPr id="6" name="Imagem 5" descr="Tela de celular com texto preto sobre fundo branco&#10;&#10;Descrição gerada automaticamente">
             <a:extLst>
               <a:ext uri="{FF2B5EF4-FFF2-40B4-BE49-F238E27FC236}">
-                <a16:creationId xmlns:a16="http://schemas.microsoft.com/office/drawing/2014/main" id="{B73A588B-69F0-4C91-9718-418BFAF1F88F}"/>
+                <a16:creationId xmlns:a16="http://schemas.microsoft.com/office/drawing/2014/main" id="{EEF15071-E76C-47EA-B181-C978597EC570}"/>
               </a:ext>
             </a:extLst>
           </p:cNvPr>
@@ -40334,8 +38438,8 @@
         </p:blipFill>
         <p:spPr>
           <a:xfrm>
-            <a:off x="10229458" y="788862"/>
-            <a:ext cx="926222" cy="1028396"/>
+            <a:off x="2617057" y="1513840"/>
+            <a:ext cx="6957886" cy="5181600"/>
           </a:xfrm>
           <a:prstGeom prst="rect">
             <a:avLst/>
@@ -40345,7 +38449,7 @@
     </p:spTree>
     <p:extLst>
       <p:ext uri="{BB962C8B-B14F-4D97-AF65-F5344CB8AC3E}">
-        <p14:creationId xmlns:p14="http://schemas.microsoft.com/office/powerpoint/2010/main" val="3441477578"/>
+        <p14:creationId xmlns:p14="http://schemas.microsoft.com/office/powerpoint/2010/main" val="422041535"/>
       </p:ext>
     </p:extLst>
   </p:cSld>
